--- a/documents/presentation.pptx
+++ b/documents/presentation.pptx
@@ -6,13 +6,18 @@
   </p:sldMasterIdLst>
   <p:sldIdLst>
     <p:sldId id="256" r:id="rId2"/>
-    <p:sldId id="263" r:id="rId3"/>
-    <p:sldId id="264" r:id="rId4"/>
-    <p:sldId id="257" r:id="rId5"/>
-    <p:sldId id="261" r:id="rId6"/>
-    <p:sldId id="258" r:id="rId7"/>
-    <p:sldId id="262" r:id="rId8"/>
-    <p:sldId id="259" r:id="rId9"/>
+    <p:sldId id="264" r:id="rId3"/>
+    <p:sldId id="265" r:id="rId4"/>
+    <p:sldId id="261" r:id="rId5"/>
+    <p:sldId id="262" r:id="rId6"/>
+    <p:sldId id="259" r:id="rId7"/>
+    <p:sldId id="267" r:id="rId8"/>
+    <p:sldId id="270" r:id="rId9"/>
+    <p:sldId id="271" r:id="rId10"/>
+    <p:sldId id="272" r:id="rId11"/>
+    <p:sldId id="273" r:id="rId12"/>
+    <p:sldId id="268" r:id="rId13"/>
+    <p:sldId id="269" r:id="rId14"/>
   </p:sldIdLst>
   <p:sldSz cx="12192000" cy="6858000"/>
   <p:notesSz cx="6858000" cy="9144000"/>
@@ -111,6 +116,11 @@
       </a:defRPr>
     </a:lvl9pPr>
   </p:defaultTextStyle>
+  <p:extLst>
+    <p:ext uri="{EFAFB233-063F-42B5-8137-9DF3F51BA10A}">
+      <p15:sldGuideLst xmlns:p15="http://schemas.microsoft.com/office/powerpoint/2012/main"/>
+    </p:ext>
+  </p:extLst>
 </p:presentation>
 </file>
 
@@ -269,7 +279,7 @@
           <a:p>
             <a:fld id="{1C5B6DA1-888F-3646-B1A1-509F9E9697D0}" type="datetimeFigureOut">
               <a:rPr lang="en-US" smtClean="0"/>
-              <a:t>10/26/19</a:t>
+              <a:t>11/21/19</a:t>
             </a:fld>
             <a:endParaRPr lang="en-US"/>
           </a:p>
@@ -467,7 +477,7 @@
           <a:p>
             <a:fld id="{1C5B6DA1-888F-3646-B1A1-509F9E9697D0}" type="datetimeFigureOut">
               <a:rPr lang="en-US" smtClean="0"/>
-              <a:t>10/26/19</a:t>
+              <a:t>11/21/19</a:t>
             </a:fld>
             <a:endParaRPr lang="en-US"/>
           </a:p>
@@ -675,7 +685,7 @@
           <a:p>
             <a:fld id="{1C5B6DA1-888F-3646-B1A1-509F9E9697D0}" type="datetimeFigureOut">
               <a:rPr lang="en-US" smtClean="0"/>
-              <a:t>10/26/19</a:t>
+              <a:t>11/21/19</a:t>
             </a:fld>
             <a:endParaRPr lang="en-US"/>
           </a:p>
@@ -873,7 +883,7 @@
           <a:p>
             <a:fld id="{1C5B6DA1-888F-3646-B1A1-509F9E9697D0}" type="datetimeFigureOut">
               <a:rPr lang="en-US" smtClean="0"/>
-              <a:t>10/26/19</a:t>
+              <a:t>11/21/19</a:t>
             </a:fld>
             <a:endParaRPr lang="en-US"/>
           </a:p>
@@ -1148,7 +1158,7 @@
           <a:p>
             <a:fld id="{1C5B6DA1-888F-3646-B1A1-509F9E9697D0}" type="datetimeFigureOut">
               <a:rPr lang="en-US" smtClean="0"/>
-              <a:t>10/26/19</a:t>
+              <a:t>11/21/19</a:t>
             </a:fld>
             <a:endParaRPr lang="en-US"/>
           </a:p>
@@ -1413,7 +1423,7 @@
           <a:p>
             <a:fld id="{1C5B6DA1-888F-3646-B1A1-509F9E9697D0}" type="datetimeFigureOut">
               <a:rPr lang="en-US" smtClean="0"/>
-              <a:t>10/26/19</a:t>
+              <a:t>11/21/19</a:t>
             </a:fld>
             <a:endParaRPr lang="en-US"/>
           </a:p>
@@ -1825,7 +1835,7 @@
           <a:p>
             <a:fld id="{1C5B6DA1-888F-3646-B1A1-509F9E9697D0}" type="datetimeFigureOut">
               <a:rPr lang="en-US" smtClean="0"/>
-              <a:t>10/26/19</a:t>
+              <a:t>11/21/19</a:t>
             </a:fld>
             <a:endParaRPr lang="en-US"/>
           </a:p>
@@ -1966,7 +1976,7 @@
           <a:p>
             <a:fld id="{1C5B6DA1-888F-3646-B1A1-509F9E9697D0}" type="datetimeFigureOut">
               <a:rPr lang="en-US" smtClean="0"/>
-              <a:t>10/26/19</a:t>
+              <a:t>11/21/19</a:t>
             </a:fld>
             <a:endParaRPr lang="en-US"/>
           </a:p>
@@ -2079,7 +2089,7 @@
           <a:p>
             <a:fld id="{1C5B6DA1-888F-3646-B1A1-509F9E9697D0}" type="datetimeFigureOut">
               <a:rPr lang="en-US" smtClean="0"/>
-              <a:t>10/26/19</a:t>
+              <a:t>11/21/19</a:t>
             </a:fld>
             <a:endParaRPr lang="en-US"/>
           </a:p>
@@ -2390,7 +2400,7 @@
           <a:p>
             <a:fld id="{1C5B6DA1-888F-3646-B1A1-509F9E9697D0}" type="datetimeFigureOut">
               <a:rPr lang="en-US" smtClean="0"/>
-              <a:t>10/26/19</a:t>
+              <a:t>11/21/19</a:t>
             </a:fld>
             <a:endParaRPr lang="en-US"/>
           </a:p>
@@ -2678,7 +2688,7 @@
           <a:p>
             <a:fld id="{1C5B6DA1-888F-3646-B1A1-509F9E9697D0}" type="datetimeFigureOut">
               <a:rPr lang="en-US" smtClean="0"/>
-              <a:t>10/26/19</a:t>
+              <a:t>11/21/19</a:t>
             </a:fld>
             <a:endParaRPr lang="en-US"/>
           </a:p>
@@ -2919,7 +2929,7 @@
           <a:p>
             <a:fld id="{1C5B6DA1-888F-3646-B1A1-509F9E9697D0}" type="datetimeFigureOut">
               <a:rPr lang="en-US" smtClean="0"/>
-              <a:t>10/26/19</a:t>
+              <a:t>11/21/19</a:t>
             </a:fld>
             <a:endParaRPr lang="en-US"/>
           </a:p>
@@ -3405,6 +3415,478 @@
 </p:sld>
 </file>
 
+<file path=ppt/slides/slide10.xml><?xml version="1.0" encoding="utf-8"?>
+<p:sld xmlns:a="http://schemas.openxmlformats.org/drawingml/2006/main" xmlns:r="http://schemas.openxmlformats.org/officeDocument/2006/relationships" xmlns:p="http://schemas.openxmlformats.org/presentationml/2006/main">
+  <p:cSld>
+    <p:spTree>
+      <p:nvGrpSpPr>
+        <p:cNvPr id="1" name=""/>
+        <p:cNvGrpSpPr/>
+        <p:nvPr/>
+      </p:nvGrpSpPr>
+      <p:grpSpPr>
+        <a:xfrm>
+          <a:off x="0" y="0"/>
+          <a:ext cx="0" cy="0"/>
+          <a:chOff x="0" y="0"/>
+          <a:chExt cx="0" cy="0"/>
+        </a:xfrm>
+      </p:grpSpPr>
+      <p:sp>
+        <p:nvSpPr>
+          <p:cNvPr id="2" name="Title 1">
+            <a:extLst>
+              <a:ext uri="{FF2B5EF4-FFF2-40B4-BE49-F238E27FC236}">
+                <a16:creationId xmlns:a16="http://schemas.microsoft.com/office/drawing/2014/main" id="{7C73DA48-3FDE-644E-A0B2-ED91B15A7667}"/>
+              </a:ext>
+            </a:extLst>
+          </p:cNvPr>
+          <p:cNvSpPr>
+            <a:spLocks noGrp="1"/>
+          </p:cNvSpPr>
+          <p:nvPr>
+            <p:ph type="title"/>
+          </p:nvPr>
+        </p:nvSpPr>
+        <p:spPr/>
+        <p:txBody>
+          <a:bodyPr/>
+          <a:lstStyle/>
+          <a:p>
+            <a:r>
+              <a:rPr lang="en-US" dirty="0"/>
+              <a:t>Discussion</a:t>
+            </a:r>
+          </a:p>
+        </p:txBody>
+      </p:sp>
+      <p:sp>
+        <p:nvSpPr>
+          <p:cNvPr id="3" name="Content Placeholder 2">
+            <a:extLst>
+              <a:ext uri="{FF2B5EF4-FFF2-40B4-BE49-F238E27FC236}">
+                <a16:creationId xmlns:a16="http://schemas.microsoft.com/office/drawing/2014/main" id="{58604628-2D7B-B443-BC2C-D279B45C489D}"/>
+              </a:ext>
+            </a:extLst>
+          </p:cNvPr>
+          <p:cNvSpPr>
+            <a:spLocks noGrp="1"/>
+          </p:cNvSpPr>
+          <p:nvPr>
+            <p:ph idx="1"/>
+          </p:nvPr>
+        </p:nvSpPr>
+        <p:spPr/>
+        <p:txBody>
+          <a:bodyPr/>
+          <a:lstStyle/>
+          <a:p>
+            <a:endParaRPr lang="en-US" dirty="0"/>
+          </a:p>
+        </p:txBody>
+      </p:sp>
+    </p:spTree>
+    <p:extLst>
+      <p:ext uri="{BB962C8B-B14F-4D97-AF65-F5344CB8AC3E}">
+        <p14:creationId xmlns:p14="http://schemas.microsoft.com/office/powerpoint/2010/main" val="303920943"/>
+      </p:ext>
+    </p:extLst>
+  </p:cSld>
+  <p:clrMapOvr>
+    <a:masterClrMapping/>
+  </p:clrMapOvr>
+</p:sld>
+</file>
+
+<file path=ppt/slides/slide11.xml><?xml version="1.0" encoding="utf-8"?>
+<p:sld xmlns:a="http://schemas.openxmlformats.org/drawingml/2006/main" xmlns:r="http://schemas.openxmlformats.org/officeDocument/2006/relationships" xmlns:p="http://schemas.openxmlformats.org/presentationml/2006/main">
+  <p:cSld>
+    <p:spTree>
+      <p:nvGrpSpPr>
+        <p:cNvPr id="1" name=""/>
+        <p:cNvGrpSpPr/>
+        <p:nvPr/>
+      </p:nvGrpSpPr>
+      <p:grpSpPr>
+        <a:xfrm>
+          <a:off x="0" y="0"/>
+          <a:ext cx="0" cy="0"/>
+          <a:chOff x="0" y="0"/>
+          <a:chExt cx="0" cy="0"/>
+        </a:xfrm>
+      </p:grpSpPr>
+      <p:sp>
+        <p:nvSpPr>
+          <p:cNvPr id="2" name="Title 1">
+            <a:extLst>
+              <a:ext uri="{FF2B5EF4-FFF2-40B4-BE49-F238E27FC236}">
+                <a16:creationId xmlns:a16="http://schemas.microsoft.com/office/drawing/2014/main" id="{8AE8B1CA-A968-2D44-8668-F34DB114C338}"/>
+              </a:ext>
+            </a:extLst>
+          </p:cNvPr>
+          <p:cNvSpPr>
+            <a:spLocks noGrp="1"/>
+          </p:cNvSpPr>
+          <p:nvPr>
+            <p:ph type="title"/>
+          </p:nvPr>
+        </p:nvSpPr>
+        <p:spPr/>
+        <p:txBody>
+          <a:bodyPr/>
+          <a:lstStyle/>
+          <a:p>
+            <a:r>
+              <a:rPr lang="en-US" dirty="0"/>
+              <a:t>Limitations and Future Work </a:t>
+            </a:r>
+          </a:p>
+        </p:txBody>
+      </p:sp>
+      <p:sp>
+        <p:nvSpPr>
+          <p:cNvPr id="3" name="Content Placeholder 2">
+            <a:extLst>
+              <a:ext uri="{FF2B5EF4-FFF2-40B4-BE49-F238E27FC236}">
+                <a16:creationId xmlns:a16="http://schemas.microsoft.com/office/drawing/2014/main" id="{8C6D84B9-BB0D-D740-83D6-6989B137616A}"/>
+              </a:ext>
+            </a:extLst>
+          </p:cNvPr>
+          <p:cNvSpPr>
+            <a:spLocks noGrp="1"/>
+          </p:cNvSpPr>
+          <p:nvPr>
+            <p:ph idx="1"/>
+          </p:nvPr>
+        </p:nvSpPr>
+        <p:spPr/>
+        <p:txBody>
+          <a:bodyPr/>
+          <a:lstStyle/>
+          <a:p>
+            <a:endParaRPr lang="en-US" dirty="0"/>
+          </a:p>
+        </p:txBody>
+      </p:sp>
+    </p:spTree>
+    <p:extLst>
+      <p:ext uri="{BB962C8B-B14F-4D97-AF65-F5344CB8AC3E}">
+        <p14:creationId xmlns:p14="http://schemas.microsoft.com/office/powerpoint/2010/main" val="2017981554"/>
+      </p:ext>
+    </p:extLst>
+  </p:cSld>
+  <p:clrMapOvr>
+    <a:masterClrMapping/>
+  </p:clrMapOvr>
+</p:sld>
+</file>
+
+<file path=ppt/slides/slide12.xml><?xml version="1.0" encoding="utf-8"?>
+<p:sld xmlns:a="http://schemas.openxmlformats.org/drawingml/2006/main" xmlns:r="http://schemas.openxmlformats.org/officeDocument/2006/relationships" xmlns:p="http://schemas.openxmlformats.org/presentationml/2006/main">
+  <p:cSld>
+    <p:spTree>
+      <p:nvGrpSpPr>
+        <p:cNvPr id="1" name=""/>
+        <p:cNvGrpSpPr/>
+        <p:nvPr/>
+      </p:nvGrpSpPr>
+      <p:grpSpPr>
+        <a:xfrm>
+          <a:off x="0" y="0"/>
+          <a:ext cx="0" cy="0"/>
+          <a:chOff x="0" y="0"/>
+          <a:chExt cx="0" cy="0"/>
+        </a:xfrm>
+      </p:grpSpPr>
+      <p:sp>
+        <p:nvSpPr>
+          <p:cNvPr id="9" name="Title 8">
+            <a:extLst>
+              <a:ext uri="{FF2B5EF4-FFF2-40B4-BE49-F238E27FC236}">
+                <a16:creationId xmlns:a16="http://schemas.microsoft.com/office/drawing/2014/main" id="{28A4812C-B2D4-9643-BC35-2F907050C39B}"/>
+              </a:ext>
+            </a:extLst>
+          </p:cNvPr>
+          <p:cNvSpPr>
+            <a:spLocks noGrp="1"/>
+          </p:cNvSpPr>
+          <p:nvPr>
+            <p:ph type="title"/>
+          </p:nvPr>
+        </p:nvSpPr>
+        <p:spPr/>
+        <p:txBody>
+          <a:bodyPr/>
+          <a:lstStyle/>
+          <a:p>
+            <a:r>
+              <a:rPr lang="en-US" dirty="0"/>
+              <a:t>Credit and Participation</a:t>
+            </a:r>
+          </a:p>
+        </p:txBody>
+      </p:sp>
+      <p:sp>
+        <p:nvSpPr>
+          <p:cNvPr id="10" name="Content Placeholder 9">
+            <a:extLst>
+              <a:ext uri="{FF2B5EF4-FFF2-40B4-BE49-F238E27FC236}">
+                <a16:creationId xmlns:a16="http://schemas.microsoft.com/office/drawing/2014/main" id="{4381DDD0-94E6-AF4F-A0AB-D548A78C5579}"/>
+              </a:ext>
+            </a:extLst>
+          </p:cNvPr>
+          <p:cNvSpPr>
+            <a:spLocks noGrp="1"/>
+          </p:cNvSpPr>
+          <p:nvPr>
+            <p:ph sz="half" idx="1"/>
+          </p:nvPr>
+        </p:nvSpPr>
+        <p:spPr/>
+        <p:txBody>
+          <a:bodyPr>
+            <a:normAutofit/>
+          </a:bodyPr>
+          <a:lstStyle/>
+          <a:p>
+            <a:r>
+              <a:rPr lang="en-US" dirty="0"/>
+              <a:t>Tanuja </a:t>
+            </a:r>
+            <a:r>
+              <a:rPr lang="en-US" dirty="0" err="1"/>
+              <a:t>Addanki</a:t>
+            </a:r>
+            <a:endParaRPr lang="en-US" dirty="0"/>
+          </a:p>
+          <a:p>
+            <a:endParaRPr lang="en-US" dirty="0"/>
+          </a:p>
+          <a:p>
+            <a:r>
+              <a:rPr lang="en-US" dirty="0"/>
+              <a:t>Alec Petrack</a:t>
+            </a:r>
+          </a:p>
+        </p:txBody>
+      </p:sp>
+      <p:sp>
+        <p:nvSpPr>
+          <p:cNvPr id="11" name="Content Placeholder 10">
+            <a:extLst>
+              <a:ext uri="{FF2B5EF4-FFF2-40B4-BE49-F238E27FC236}">
+                <a16:creationId xmlns:a16="http://schemas.microsoft.com/office/drawing/2014/main" id="{6CA48DC9-CF61-264E-AFCB-F1867A07B3ED}"/>
+              </a:ext>
+            </a:extLst>
+          </p:cNvPr>
+          <p:cNvSpPr>
+            <a:spLocks noGrp="1"/>
+          </p:cNvSpPr>
+          <p:nvPr>
+            <p:ph sz="half" idx="2"/>
+          </p:nvPr>
+        </p:nvSpPr>
+        <p:spPr/>
+        <p:txBody>
+          <a:bodyPr/>
+          <a:lstStyle/>
+          <a:p>
+            <a:r>
+              <a:rPr lang="en-US" dirty="0"/>
+              <a:t>Matthew </a:t>
+            </a:r>
+            <a:r>
+              <a:rPr lang="en-US" dirty="0" err="1"/>
+              <a:t>Randles</a:t>
+            </a:r>
+            <a:endParaRPr lang="en-US" dirty="0"/>
+          </a:p>
+          <a:p>
+            <a:pPr lvl="1"/>
+            <a:endParaRPr lang="en-US" dirty="0"/>
+          </a:p>
+          <a:p>
+            <a:r>
+              <a:rPr lang="en-US" dirty="0"/>
+              <a:t>Andrew Young</a:t>
+            </a:r>
+          </a:p>
+          <a:p>
+            <a:endParaRPr lang="en-US" dirty="0"/>
+          </a:p>
+        </p:txBody>
+      </p:sp>
+    </p:spTree>
+    <p:extLst>
+      <p:ext uri="{BB962C8B-B14F-4D97-AF65-F5344CB8AC3E}">
+        <p14:creationId xmlns:p14="http://schemas.microsoft.com/office/powerpoint/2010/main" val="1662116690"/>
+      </p:ext>
+    </p:extLst>
+  </p:cSld>
+  <p:clrMapOvr>
+    <a:masterClrMapping/>
+  </p:clrMapOvr>
+</p:sld>
+</file>
+
+<file path=ppt/slides/slide13.xml><?xml version="1.0" encoding="utf-8"?>
+<p:sld xmlns:a="http://schemas.openxmlformats.org/drawingml/2006/main" xmlns:r="http://schemas.openxmlformats.org/officeDocument/2006/relationships" xmlns:p="http://schemas.openxmlformats.org/presentationml/2006/main">
+  <p:cSld>
+    <p:spTree>
+      <p:nvGrpSpPr>
+        <p:cNvPr id="1" name=""/>
+        <p:cNvGrpSpPr/>
+        <p:nvPr/>
+      </p:nvGrpSpPr>
+      <p:grpSpPr>
+        <a:xfrm>
+          <a:off x="0" y="0"/>
+          <a:ext cx="0" cy="0"/>
+          <a:chOff x="0" y="0"/>
+          <a:chExt cx="0" cy="0"/>
+        </a:xfrm>
+      </p:grpSpPr>
+      <p:sp>
+        <p:nvSpPr>
+          <p:cNvPr id="2" name="Title 1">
+            <a:extLst>
+              <a:ext uri="{FF2B5EF4-FFF2-40B4-BE49-F238E27FC236}">
+                <a16:creationId xmlns:a16="http://schemas.microsoft.com/office/drawing/2014/main" id="{511B7BDD-B6D0-AB4E-9210-7715FD386CFC}"/>
+              </a:ext>
+            </a:extLst>
+          </p:cNvPr>
+          <p:cNvSpPr>
+            <a:spLocks noGrp="1"/>
+          </p:cNvSpPr>
+          <p:nvPr>
+            <p:ph type="title"/>
+          </p:nvPr>
+        </p:nvSpPr>
+        <p:spPr/>
+        <p:txBody>
+          <a:bodyPr/>
+          <a:lstStyle/>
+          <a:p>
+            <a:r>
+              <a:rPr lang="en-US" dirty="0"/>
+              <a:t>Citation</a:t>
+            </a:r>
+          </a:p>
+        </p:txBody>
+      </p:sp>
+      <p:sp>
+        <p:nvSpPr>
+          <p:cNvPr id="3" name="Text Placeholder 2">
+            <a:extLst>
+              <a:ext uri="{FF2B5EF4-FFF2-40B4-BE49-F238E27FC236}">
+                <a16:creationId xmlns:a16="http://schemas.microsoft.com/office/drawing/2014/main" id="{B550371B-2282-9749-B165-0ED799177D81}"/>
+              </a:ext>
+            </a:extLst>
+          </p:cNvPr>
+          <p:cNvSpPr>
+            <a:spLocks noGrp="1"/>
+          </p:cNvSpPr>
+          <p:nvPr>
+            <p:ph type="body" idx="1"/>
+          </p:nvPr>
+        </p:nvSpPr>
+        <p:spPr/>
+        <p:txBody>
+          <a:bodyPr/>
+          <a:lstStyle/>
+          <a:p>
+            <a:endParaRPr lang="en-US"/>
+          </a:p>
+        </p:txBody>
+      </p:sp>
+      <p:sp>
+        <p:nvSpPr>
+          <p:cNvPr id="4" name="Content Placeholder 3">
+            <a:extLst>
+              <a:ext uri="{FF2B5EF4-FFF2-40B4-BE49-F238E27FC236}">
+                <a16:creationId xmlns:a16="http://schemas.microsoft.com/office/drawing/2014/main" id="{B26E8571-D6AF-684C-9589-98B73EFDEE5D}"/>
+              </a:ext>
+            </a:extLst>
+          </p:cNvPr>
+          <p:cNvSpPr>
+            <a:spLocks noGrp="1"/>
+          </p:cNvSpPr>
+          <p:nvPr>
+            <p:ph sz="half" idx="2"/>
+          </p:nvPr>
+        </p:nvSpPr>
+        <p:spPr/>
+        <p:txBody>
+          <a:bodyPr/>
+          <a:lstStyle/>
+          <a:p>
+            <a:endParaRPr lang="en-US"/>
+          </a:p>
+        </p:txBody>
+      </p:sp>
+      <p:sp>
+        <p:nvSpPr>
+          <p:cNvPr id="5" name="Text Placeholder 4">
+            <a:extLst>
+              <a:ext uri="{FF2B5EF4-FFF2-40B4-BE49-F238E27FC236}">
+                <a16:creationId xmlns:a16="http://schemas.microsoft.com/office/drawing/2014/main" id="{46D85A8F-D2F6-D344-B54C-B9766AAC5B78}"/>
+              </a:ext>
+            </a:extLst>
+          </p:cNvPr>
+          <p:cNvSpPr>
+            <a:spLocks noGrp="1"/>
+          </p:cNvSpPr>
+          <p:nvPr>
+            <p:ph type="body" sz="quarter" idx="3"/>
+          </p:nvPr>
+        </p:nvSpPr>
+        <p:spPr/>
+        <p:txBody>
+          <a:bodyPr/>
+          <a:lstStyle/>
+          <a:p>
+            <a:endParaRPr lang="en-US"/>
+          </a:p>
+        </p:txBody>
+      </p:sp>
+      <p:sp>
+        <p:nvSpPr>
+          <p:cNvPr id="6" name="Content Placeholder 5">
+            <a:extLst>
+              <a:ext uri="{FF2B5EF4-FFF2-40B4-BE49-F238E27FC236}">
+                <a16:creationId xmlns:a16="http://schemas.microsoft.com/office/drawing/2014/main" id="{AF118756-211A-6040-A760-AA8C1FD2BD28}"/>
+              </a:ext>
+            </a:extLst>
+          </p:cNvPr>
+          <p:cNvSpPr>
+            <a:spLocks noGrp="1"/>
+          </p:cNvSpPr>
+          <p:nvPr>
+            <p:ph sz="quarter" idx="4"/>
+          </p:nvPr>
+        </p:nvSpPr>
+        <p:spPr/>
+        <p:txBody>
+          <a:bodyPr/>
+          <a:lstStyle/>
+          <a:p>
+            <a:endParaRPr lang="en-US"/>
+          </a:p>
+        </p:txBody>
+      </p:sp>
+    </p:spTree>
+    <p:extLst>
+      <p:ext uri="{BB962C8B-B14F-4D97-AF65-F5344CB8AC3E}">
+        <p14:creationId xmlns:p14="http://schemas.microsoft.com/office/powerpoint/2010/main" val="3191423677"/>
+      </p:ext>
+    </p:extLst>
+  </p:cSld>
+  <p:clrMapOvr>
+    <a:masterClrMapping/>
+  </p:clrMapOvr>
+</p:sld>
+</file>
+
 <file path=ppt/slides/slide2.xml><?xml version="1.0" encoding="utf-8"?>
 <p:sld xmlns:a="http://schemas.openxmlformats.org/drawingml/2006/main" xmlns:r="http://schemas.openxmlformats.org/officeDocument/2006/relationships" xmlns:p="http://schemas.openxmlformats.org/presentationml/2006/main">
   <p:cSld>
@@ -3427,7 +3909,7 @@
           <p:cNvPr id="2" name="Title 1">
             <a:extLst>
               <a:ext uri="{FF2B5EF4-FFF2-40B4-BE49-F238E27FC236}">
-                <a16:creationId xmlns:a16="http://schemas.microsoft.com/office/drawing/2014/main" id="{55A5CAAA-4B11-E245-A740-6DDE7751B0FE}"/>
+                <a16:creationId xmlns:a16="http://schemas.microsoft.com/office/drawing/2014/main" id="{454FA727-1545-B148-ABDF-2B22A5C77F11}"/>
               </a:ext>
             </a:extLst>
           </p:cNvPr>
@@ -3440,7 +3922,7 @@
         </p:nvSpPr>
         <p:spPr>
           <a:xfrm>
-            <a:off x="838200" y="1836573"/>
+            <a:off x="838200" y="365125"/>
             <a:ext cx="10515600" cy="1325563"/>
           </a:xfrm>
         </p:spPr>
@@ -3450,15 +3932,594 @@
           <a:p>
             <a:r>
               <a:rPr lang="en-US" dirty="0"/>
-              <a:t>Feature Description</a:t>
-            </a:r>
-          </a:p>
-        </p:txBody>
-      </p:sp>
+              <a:t>Feature Description – Categorical Features</a:t>
+            </a:r>
+          </a:p>
+        </p:txBody>
+      </p:sp>
+      <p:graphicFrame>
+        <p:nvGraphicFramePr>
+          <p:cNvPr id="4" name="Table 3">
+            <a:extLst>
+              <a:ext uri="{FF2B5EF4-FFF2-40B4-BE49-F238E27FC236}">
+                <a16:creationId xmlns:a16="http://schemas.microsoft.com/office/drawing/2014/main" id="{6D050608-CB9F-5848-AAC9-F91E492F654F}"/>
+              </a:ext>
+            </a:extLst>
+          </p:cNvPr>
+          <p:cNvGraphicFramePr>
+            <a:graphicFrameLocks noGrp="1"/>
+          </p:cNvGraphicFramePr>
+          <p:nvPr>
+            <p:extLst>
+              <p:ext uri="{D42A27DB-BD31-4B8C-83A1-F6EECF244321}">
+                <p14:modId xmlns:p14="http://schemas.microsoft.com/office/powerpoint/2010/main" val="900296813"/>
+              </p:ext>
+            </p:extLst>
+          </p:nvPr>
+        </p:nvGraphicFramePr>
+        <p:xfrm>
+          <a:off x="943304" y="1345324"/>
+          <a:ext cx="9892862" cy="4813984"/>
+        </p:xfrm>
+        <a:graphic>
+          <a:graphicData uri="http://schemas.openxmlformats.org/drawingml/2006/table">
+            <a:tbl>
+              <a:tblPr firstRow="1" bandRow="1">
+                <a:tableStyleId>{5C22544A-7EE6-4342-B048-85BDC9FD1C3A}</a:tableStyleId>
+              </a:tblPr>
+              <a:tblGrid>
+                <a:gridCol w="2116070">
+                  <a:extLst>
+                    <a:ext uri="{9D8B030D-6E8A-4147-A177-3AD203B41FA5}">
+                      <a16:colId xmlns:a16="http://schemas.microsoft.com/office/drawing/2014/main" val="1198685663"/>
+                    </a:ext>
+                  </a:extLst>
+                </a:gridCol>
+                <a:gridCol w="2138145">
+                  <a:extLst>
+                    <a:ext uri="{9D8B030D-6E8A-4147-A177-3AD203B41FA5}">
+                      <a16:colId xmlns:a16="http://schemas.microsoft.com/office/drawing/2014/main" val="2758735154"/>
+                    </a:ext>
+                  </a:extLst>
+                </a:gridCol>
+                <a:gridCol w="1930008">
+                  <a:extLst>
+                    <a:ext uri="{9D8B030D-6E8A-4147-A177-3AD203B41FA5}">
+                      <a16:colId xmlns:a16="http://schemas.microsoft.com/office/drawing/2014/main" val="2296179317"/>
+                    </a:ext>
+                  </a:extLst>
+                </a:gridCol>
+                <a:gridCol w="3708639">
+                  <a:extLst>
+                    <a:ext uri="{9D8B030D-6E8A-4147-A177-3AD203B41FA5}">
+                      <a16:colId xmlns:a16="http://schemas.microsoft.com/office/drawing/2014/main" val="2572857500"/>
+                    </a:ext>
+                  </a:extLst>
+                </a:gridCol>
+              </a:tblGrid>
+              <a:tr h="602049">
+                <a:tc>
+                  <a:txBody>
+                    <a:bodyPr/>
+                    <a:lstStyle/>
+                    <a:p>
+                      <a:r>
+                        <a:rPr lang="en-US" dirty="0"/>
+                        <a:t>Feature</a:t>
+                      </a:r>
+                    </a:p>
+                  </a:txBody>
+                  <a:tcPr/>
+                </a:tc>
+                <a:tc>
+                  <a:txBody>
+                    <a:bodyPr/>
+                    <a:lstStyle/>
+                    <a:p>
+                      <a:r>
+                        <a:rPr lang="en-US" dirty="0"/>
+                        <a:t>Number of Categories</a:t>
+                      </a:r>
+                    </a:p>
+                  </a:txBody>
+                  <a:tcPr/>
+                </a:tc>
+                <a:tc>
+                  <a:txBody>
+                    <a:bodyPr/>
+                    <a:lstStyle/>
+                    <a:p>
+                      <a:r>
+                        <a:rPr lang="en-US" dirty="0"/>
+                        <a:t>Pre-processing</a:t>
+                      </a:r>
+                    </a:p>
+                  </a:txBody>
+                  <a:tcPr/>
+                </a:tc>
+                <a:tc>
+                  <a:txBody>
+                    <a:bodyPr/>
+                    <a:lstStyle/>
+                    <a:p>
+                      <a:r>
+                        <a:rPr lang="en-US" dirty="0"/>
+                        <a:t>Description</a:t>
+                      </a:r>
+                    </a:p>
+                  </a:txBody>
+                  <a:tcPr/>
+                </a:tc>
+                <a:extLst>
+                  <a:ext uri="{0D108BD9-81ED-4DB2-BD59-A6C34878D82A}">
+                    <a16:rowId xmlns:a16="http://schemas.microsoft.com/office/drawing/2014/main" val="538257876"/>
+                  </a:ext>
+                </a:extLst>
+              </a:tr>
+              <a:tr h="586355">
+                <a:tc>
+                  <a:txBody>
+                    <a:bodyPr/>
+                    <a:lstStyle/>
+                    <a:p>
+                      <a:r>
+                        <a:rPr lang="en-US" dirty="0"/>
+                        <a:t>Sex</a:t>
+                      </a:r>
+                    </a:p>
+                  </a:txBody>
+                  <a:tcPr/>
+                </a:tc>
+                <a:tc>
+                  <a:txBody>
+                    <a:bodyPr/>
+                    <a:lstStyle/>
+                    <a:p>
+                      <a:r>
+                        <a:rPr lang="en-US" dirty="0"/>
+                        <a:t>2</a:t>
+                      </a:r>
+                    </a:p>
+                  </a:txBody>
+                  <a:tcPr/>
+                </a:tc>
+                <a:tc>
+                  <a:txBody>
+                    <a:bodyPr/>
+                    <a:lstStyle/>
+                    <a:p>
+                      <a:r>
+                        <a:rPr lang="en-US" dirty="0"/>
+                        <a:t>~</a:t>
+                      </a:r>
+                    </a:p>
+                  </a:txBody>
+                  <a:tcPr/>
+                </a:tc>
+                <a:tc>
+                  <a:txBody>
+                    <a:bodyPr/>
+                    <a:lstStyle/>
+                    <a:p>
+                      <a:r>
+                        <a:rPr lang="en-US" dirty="0"/>
+                        <a:t>Gender</a:t>
+                      </a:r>
+                    </a:p>
+                  </a:txBody>
+                  <a:tcPr/>
+                </a:tc>
+                <a:extLst>
+                  <a:ext uri="{0D108BD9-81ED-4DB2-BD59-A6C34878D82A}">
+                    <a16:rowId xmlns:a16="http://schemas.microsoft.com/office/drawing/2014/main" val="3383594947"/>
+                  </a:ext>
+                </a:extLst>
+              </a:tr>
+              <a:tr h="586355">
+                <a:tc>
+                  <a:txBody>
+                    <a:bodyPr/>
+                    <a:lstStyle/>
+                    <a:p>
+                      <a:r>
+                        <a:rPr lang="en-US" dirty="0"/>
+                        <a:t>CP</a:t>
+                      </a:r>
+                    </a:p>
+                  </a:txBody>
+                  <a:tcPr/>
+                </a:tc>
+                <a:tc>
+                  <a:txBody>
+                    <a:bodyPr/>
+                    <a:lstStyle/>
+                    <a:p>
+                      <a:r>
+                        <a:rPr lang="en-US" dirty="0"/>
+                        <a:t>4</a:t>
+                      </a:r>
+                    </a:p>
+                  </a:txBody>
+                  <a:tcPr/>
+                </a:tc>
+                <a:tc>
+                  <a:txBody>
+                    <a:bodyPr/>
+                    <a:lstStyle/>
+                    <a:p>
+                      <a:r>
+                        <a:rPr lang="en-US" dirty="0"/>
+                        <a:t>One-Hot</a:t>
+                      </a:r>
+                    </a:p>
+                  </a:txBody>
+                  <a:tcPr/>
+                </a:tc>
+                <a:tc>
+                  <a:txBody>
+                    <a:bodyPr/>
+                    <a:lstStyle/>
+                    <a:p>
+                      <a:r>
+                        <a:rPr lang="en-US" dirty="0"/>
+                        <a:t>Chest Pain</a:t>
+                      </a:r>
+                    </a:p>
+                  </a:txBody>
+                  <a:tcPr/>
+                </a:tc>
+                <a:extLst>
+                  <a:ext uri="{0D108BD9-81ED-4DB2-BD59-A6C34878D82A}">
+                    <a16:rowId xmlns:a16="http://schemas.microsoft.com/office/drawing/2014/main" val="1958690204"/>
+                  </a:ext>
+                </a:extLst>
+              </a:tr>
+              <a:tr h="602049">
+                <a:tc>
+                  <a:txBody>
+                    <a:bodyPr/>
+                    <a:lstStyle/>
+                    <a:p>
+                      <a:r>
+                        <a:rPr lang="en-US" dirty="0"/>
+                        <a:t>FBS</a:t>
+                      </a:r>
+                    </a:p>
+                  </a:txBody>
+                  <a:tcPr/>
+                </a:tc>
+                <a:tc>
+                  <a:txBody>
+                    <a:bodyPr/>
+                    <a:lstStyle/>
+                    <a:p>
+                      <a:r>
+                        <a:rPr lang="en-US" dirty="0"/>
+                        <a:t>2</a:t>
+                      </a:r>
+                    </a:p>
+                  </a:txBody>
+                  <a:tcPr/>
+                </a:tc>
+                <a:tc>
+                  <a:txBody>
+                    <a:bodyPr/>
+                    <a:lstStyle/>
+                    <a:p>
+                      <a:r>
+                        <a:rPr lang="en-US" dirty="0"/>
+                        <a:t>~</a:t>
+                      </a:r>
+                    </a:p>
+                  </a:txBody>
+                  <a:tcPr/>
+                </a:tc>
+                <a:tc>
+                  <a:txBody>
+                    <a:bodyPr/>
+                    <a:lstStyle/>
+                    <a:p>
+                      <a:r>
+                        <a:rPr lang="en-US" dirty="0"/>
+                        <a:t>Fasting Blood Sugar</a:t>
+                      </a:r>
+                    </a:p>
+                    <a:p>
+                      <a:r>
+                        <a:rPr lang="en-US" dirty="0"/>
+                        <a:t>&gt;120 mg/dl</a:t>
+                      </a:r>
+                    </a:p>
+                  </a:txBody>
+                  <a:tcPr/>
+                </a:tc>
+                <a:extLst>
+                  <a:ext uri="{0D108BD9-81ED-4DB2-BD59-A6C34878D82A}">
+                    <a16:rowId xmlns:a16="http://schemas.microsoft.com/office/drawing/2014/main" val="3620477404"/>
+                  </a:ext>
+                </a:extLst>
+              </a:tr>
+              <a:tr h="586355">
+                <a:tc>
+                  <a:txBody>
+                    <a:bodyPr/>
+                    <a:lstStyle/>
+                    <a:p>
+                      <a:r>
+                        <a:rPr lang="en-US" dirty="0" err="1"/>
+                        <a:t>restecg</a:t>
+                      </a:r>
+                      <a:endParaRPr lang="en-US" dirty="0"/>
+                    </a:p>
+                  </a:txBody>
+                  <a:tcPr/>
+                </a:tc>
+                <a:tc>
+                  <a:txBody>
+                    <a:bodyPr/>
+                    <a:lstStyle/>
+                    <a:p>
+                      <a:r>
+                        <a:rPr lang="en-US" dirty="0"/>
+                        <a:t>3</a:t>
+                      </a:r>
+                    </a:p>
+                  </a:txBody>
+                  <a:tcPr/>
+                </a:tc>
+                <a:tc>
+                  <a:txBody>
+                    <a:bodyPr/>
+                    <a:lstStyle/>
+                    <a:p>
+                      <a:r>
+                        <a:rPr lang="en-US" dirty="0"/>
+                        <a:t>One-Hot</a:t>
+                      </a:r>
+                    </a:p>
+                  </a:txBody>
+                  <a:tcPr/>
+                </a:tc>
+                <a:tc>
+                  <a:txBody>
+                    <a:bodyPr/>
+                    <a:lstStyle/>
+                    <a:p>
+                      <a:r>
+                        <a:rPr lang="en-US" dirty="0"/>
+                        <a:t>Resting Electrocardiogram Results</a:t>
+                      </a:r>
+                    </a:p>
+                  </a:txBody>
+                  <a:tcPr/>
+                </a:tc>
+                <a:extLst>
+                  <a:ext uri="{0D108BD9-81ED-4DB2-BD59-A6C34878D82A}">
+                    <a16:rowId xmlns:a16="http://schemas.microsoft.com/office/drawing/2014/main" val="2210812529"/>
+                  </a:ext>
+                </a:extLst>
+              </a:tr>
+              <a:tr h="586355">
+                <a:tc>
+                  <a:txBody>
+                    <a:bodyPr/>
+                    <a:lstStyle/>
+                    <a:p>
+                      <a:r>
+                        <a:rPr lang="en-US" dirty="0" err="1"/>
+                        <a:t>Exang</a:t>
+                      </a:r>
+                      <a:endParaRPr lang="en-US" dirty="0"/>
+                    </a:p>
+                  </a:txBody>
+                  <a:tcPr/>
+                </a:tc>
+                <a:tc>
+                  <a:txBody>
+                    <a:bodyPr/>
+                    <a:lstStyle/>
+                    <a:p>
+                      <a:r>
+                        <a:rPr lang="en-US" dirty="0"/>
+                        <a:t>2</a:t>
+                      </a:r>
+                    </a:p>
+                  </a:txBody>
+                  <a:tcPr/>
+                </a:tc>
+                <a:tc>
+                  <a:txBody>
+                    <a:bodyPr/>
+                    <a:lstStyle/>
+                    <a:p>
+                      <a:r>
+                        <a:rPr lang="en-US" dirty="0"/>
+                        <a:t>~</a:t>
+                      </a:r>
+                    </a:p>
+                  </a:txBody>
+                  <a:tcPr/>
+                </a:tc>
+                <a:tc>
+                  <a:txBody>
+                    <a:bodyPr/>
+                    <a:lstStyle/>
+                    <a:p>
+                      <a:r>
+                        <a:rPr lang="en-US" dirty="0"/>
+                        <a:t>Exercise Induced Angina</a:t>
+                      </a:r>
+                    </a:p>
+                  </a:txBody>
+                  <a:tcPr/>
+                </a:tc>
+                <a:extLst>
+                  <a:ext uri="{0D108BD9-81ED-4DB2-BD59-A6C34878D82A}">
+                    <a16:rowId xmlns:a16="http://schemas.microsoft.com/office/drawing/2014/main" val="2603487443"/>
+                  </a:ext>
+                </a:extLst>
+              </a:tr>
+              <a:tr h="602049">
+                <a:tc>
+                  <a:txBody>
+                    <a:bodyPr/>
+                    <a:lstStyle/>
+                    <a:p>
+                      <a:pPr marL="0" marR="0" lvl="0" indent="0" algn="l" defTabSz="914400" rtl="0" eaLnBrk="1" fontAlgn="auto" latinLnBrk="0" hangingPunct="1">
+                        <a:lnSpc>
+                          <a:spcPct val="100000"/>
+                        </a:lnSpc>
+                        <a:spcBef>
+                          <a:spcPts val="0"/>
+                        </a:spcBef>
+                        <a:spcAft>
+                          <a:spcPts val="0"/>
+                        </a:spcAft>
+                        <a:buClrTx/>
+                        <a:buSzTx/>
+                        <a:buFontTx/>
+                        <a:buNone/>
+                        <a:tabLst/>
+                        <a:defRPr/>
+                      </a:pPr>
+                      <a:r>
+                        <a:rPr lang="en-US" dirty="0" err="1"/>
+                        <a:t>Thal</a:t>
+                      </a:r>
+                      <a:endParaRPr lang="en-US" dirty="0"/>
+                    </a:p>
+                  </a:txBody>
+                  <a:tcPr/>
+                </a:tc>
+                <a:tc>
+                  <a:txBody>
+                    <a:bodyPr/>
+                    <a:lstStyle/>
+                    <a:p>
+                      <a:r>
+                        <a:rPr lang="en-US" dirty="0"/>
+                        <a:t>3</a:t>
+                      </a:r>
+                    </a:p>
+                  </a:txBody>
+                  <a:tcPr/>
+                </a:tc>
+                <a:tc>
+                  <a:txBody>
+                    <a:bodyPr/>
+                    <a:lstStyle/>
+                    <a:p>
+                      <a:r>
+                        <a:rPr lang="en-US" dirty="0"/>
+                        <a:t>One-Hot</a:t>
+                      </a:r>
+                    </a:p>
+                  </a:txBody>
+                  <a:tcPr/>
+                </a:tc>
+                <a:tc>
+                  <a:txBody>
+                    <a:bodyPr/>
+                    <a:lstStyle/>
+                    <a:p>
+                      <a:r>
+                        <a:rPr lang="en-US" dirty="0"/>
+                        <a:t>Thalassemia</a:t>
+                      </a:r>
+                    </a:p>
+                  </a:txBody>
+                  <a:tcPr/>
+                </a:tc>
+                <a:extLst>
+                  <a:ext uri="{0D108BD9-81ED-4DB2-BD59-A6C34878D82A}">
+                    <a16:rowId xmlns:a16="http://schemas.microsoft.com/office/drawing/2014/main" val="2857208965"/>
+                  </a:ext>
+                </a:extLst>
+              </a:tr>
+              <a:tr h="586355">
+                <a:tc>
+                  <a:txBody>
+                    <a:bodyPr/>
+                    <a:lstStyle/>
+                    <a:p>
+                      <a:pPr marL="0" marR="0" lvl="0" indent="0" algn="l" defTabSz="914400" rtl="0" eaLnBrk="1" fontAlgn="auto" latinLnBrk="0" hangingPunct="1">
+                        <a:lnSpc>
+                          <a:spcPct val="100000"/>
+                        </a:lnSpc>
+                        <a:spcBef>
+                          <a:spcPts val="0"/>
+                        </a:spcBef>
+                        <a:spcAft>
+                          <a:spcPts val="0"/>
+                        </a:spcAft>
+                        <a:buClrTx/>
+                        <a:buSzTx/>
+                        <a:buFontTx/>
+                        <a:buNone/>
+                        <a:tabLst/>
+                        <a:defRPr/>
+                      </a:pPr>
+                      <a:r>
+                        <a:rPr lang="en-US" dirty="0"/>
+                        <a:t>Target</a:t>
+                      </a:r>
+                    </a:p>
+                  </a:txBody>
+                  <a:tcPr/>
+                </a:tc>
+                <a:tc>
+                  <a:txBody>
+                    <a:bodyPr/>
+                    <a:lstStyle/>
+                    <a:p>
+                      <a:r>
+                        <a:rPr lang="en-US" dirty="0"/>
+                        <a:t>2</a:t>
+                      </a:r>
+                    </a:p>
+                  </a:txBody>
+                  <a:tcPr/>
+                </a:tc>
+                <a:tc>
+                  <a:txBody>
+                    <a:bodyPr/>
+                    <a:lstStyle/>
+                    <a:p>
+                      <a:r>
+                        <a:rPr lang="en-US" dirty="0"/>
+                        <a:t>~</a:t>
+                      </a:r>
+                    </a:p>
+                  </a:txBody>
+                  <a:tcPr/>
+                </a:tc>
+                <a:tc>
+                  <a:txBody>
+                    <a:bodyPr/>
+                    <a:lstStyle/>
+                    <a:p>
+                      <a:r>
+                        <a:rPr lang="en-US" dirty="0"/>
+                        <a:t>Has heart disease or not?</a:t>
+                      </a:r>
+                    </a:p>
+                  </a:txBody>
+                  <a:tcPr/>
+                </a:tc>
+                <a:extLst>
+                  <a:ext uri="{0D108BD9-81ED-4DB2-BD59-A6C34878D82A}">
+                    <a16:rowId xmlns:a16="http://schemas.microsoft.com/office/drawing/2014/main" val="4188634406"/>
+                  </a:ext>
+                </a:extLst>
+              </a:tr>
+            </a:tbl>
+          </a:graphicData>
+        </a:graphic>
+      </p:graphicFrame>
     </p:spTree>
     <p:extLst>
       <p:ext uri="{BB962C8B-B14F-4D97-AF65-F5344CB8AC3E}">
-        <p14:creationId xmlns:p14="http://schemas.microsoft.com/office/powerpoint/2010/main" val="168312086"/>
+        <p14:creationId xmlns:p14="http://schemas.microsoft.com/office/powerpoint/2010/main" val="109117949"/>
       </p:ext>
     </p:extLst>
   </p:cSld>
@@ -3501,68 +4562,763 @@
             <p:ph type="title"/>
           </p:nvPr>
         </p:nvSpPr>
-        <p:spPr/>
+        <p:spPr>
+          <a:xfrm>
+            <a:off x="838200" y="365125"/>
+            <a:ext cx="10515600" cy="1325563"/>
+          </a:xfrm>
+        </p:spPr>
         <p:txBody>
           <a:bodyPr/>
           <a:lstStyle/>
           <a:p>
             <a:r>
               <a:rPr lang="en-US" dirty="0"/>
-              <a:t>Feature Description</a:t>
-            </a:r>
-          </a:p>
-        </p:txBody>
-      </p:sp>
-      <p:sp>
-        <p:nvSpPr>
-          <p:cNvPr id="3" name="Content Placeholder 2">
-            <a:extLst>
-              <a:ext uri="{FF2B5EF4-FFF2-40B4-BE49-F238E27FC236}">
-                <a16:creationId xmlns:a16="http://schemas.microsoft.com/office/drawing/2014/main" id="{58390AA8-0C5E-D94A-AB9B-2FF948453AA8}"/>
-              </a:ext>
-            </a:extLst>
-          </p:cNvPr>
-          <p:cNvSpPr>
-            <a:spLocks noGrp="1"/>
-          </p:cNvSpPr>
-          <p:nvPr>
-            <p:ph idx="1"/>
-          </p:nvPr>
-        </p:nvSpPr>
-        <p:spPr/>
-        <p:txBody>
-          <a:bodyPr/>
-          <a:lstStyle/>
-          <a:p>
-            <a:r>
-              <a:rPr lang="en-US" dirty="0"/>
-              <a:t>Describe what features are. </a:t>
-            </a:r>
-          </a:p>
-          <a:p>
-            <a:r>
-              <a:rPr lang="en-US" dirty="0"/>
-              <a:t>Let people know what we aim to achieve from our analysis.</a:t>
-            </a:r>
-          </a:p>
-          <a:p>
-            <a:pPr marL="0" indent="0">
-              <a:buNone/>
-            </a:pPr>
-            <a:endParaRPr lang="en-US" dirty="0"/>
-          </a:p>
-          <a:p>
-            <a:endParaRPr lang="en-US" dirty="0"/>
-          </a:p>
-          <a:p>
-            <a:endParaRPr lang="en-US" dirty="0"/>
-          </a:p>
-        </p:txBody>
-      </p:sp>
+              <a:t>Feature Description – Numerical Features</a:t>
+            </a:r>
+          </a:p>
+        </p:txBody>
+      </p:sp>
+      <p:graphicFrame>
+        <p:nvGraphicFramePr>
+          <p:cNvPr id="4" name="Table 3">
+            <a:extLst>
+              <a:ext uri="{FF2B5EF4-FFF2-40B4-BE49-F238E27FC236}">
+                <a16:creationId xmlns:a16="http://schemas.microsoft.com/office/drawing/2014/main" id="{6D050608-CB9F-5848-AAC9-F91E492F654F}"/>
+              </a:ext>
+            </a:extLst>
+          </p:cNvPr>
+          <p:cNvGraphicFramePr>
+            <a:graphicFrameLocks noGrp="1"/>
+          </p:cNvGraphicFramePr>
+          <p:nvPr>
+            <p:extLst>
+              <p:ext uri="{D42A27DB-BD31-4B8C-83A1-F6EECF244321}">
+                <p14:modId xmlns:p14="http://schemas.microsoft.com/office/powerpoint/2010/main" val="2974486863"/>
+              </p:ext>
+            </p:extLst>
+          </p:nvPr>
+        </p:nvGraphicFramePr>
+        <p:xfrm>
+          <a:off x="943304" y="1345324"/>
+          <a:ext cx="9892863" cy="5195754"/>
+        </p:xfrm>
+        <a:graphic>
+          <a:graphicData uri="http://schemas.openxmlformats.org/drawingml/2006/table">
+            <a:tbl>
+              <a:tblPr firstRow="1" bandRow="1">
+                <a:tableStyleId>{5C22544A-7EE6-4342-B048-85BDC9FD1C3A}</a:tableStyleId>
+              </a:tblPr>
+              <a:tblGrid>
+                <a:gridCol w="1522153">
+                  <a:extLst>
+                    <a:ext uri="{9D8B030D-6E8A-4147-A177-3AD203B41FA5}">
+                      <a16:colId xmlns:a16="http://schemas.microsoft.com/office/drawing/2014/main" val="1198685663"/>
+                    </a:ext>
+                  </a:extLst>
+                </a:gridCol>
+                <a:gridCol w="1538032">
+                  <a:extLst>
+                    <a:ext uri="{9D8B030D-6E8A-4147-A177-3AD203B41FA5}">
+                      <a16:colId xmlns:a16="http://schemas.microsoft.com/office/drawing/2014/main" val="2758735154"/>
+                    </a:ext>
+                  </a:extLst>
+                </a:gridCol>
+                <a:gridCol w="1388314">
+                  <a:extLst>
+                    <a:ext uri="{9D8B030D-6E8A-4147-A177-3AD203B41FA5}">
+                      <a16:colId xmlns:a16="http://schemas.microsoft.com/office/drawing/2014/main" val="2296179317"/>
+                    </a:ext>
+                  </a:extLst>
+                </a:gridCol>
+                <a:gridCol w="1388314">
+                  <a:extLst>
+                    <a:ext uri="{9D8B030D-6E8A-4147-A177-3AD203B41FA5}">
+                      <a16:colId xmlns:a16="http://schemas.microsoft.com/office/drawing/2014/main" val="2919488310"/>
+                    </a:ext>
+                  </a:extLst>
+                </a:gridCol>
+                <a:gridCol w="1388314">
+                  <a:extLst>
+                    <a:ext uri="{9D8B030D-6E8A-4147-A177-3AD203B41FA5}">
+                      <a16:colId xmlns:a16="http://schemas.microsoft.com/office/drawing/2014/main" val="1520325929"/>
+                    </a:ext>
+                  </a:extLst>
+                </a:gridCol>
+                <a:gridCol w="2667736">
+                  <a:extLst>
+                    <a:ext uri="{9D8B030D-6E8A-4147-A177-3AD203B41FA5}">
+                      <a16:colId xmlns:a16="http://schemas.microsoft.com/office/drawing/2014/main" val="2572857500"/>
+                    </a:ext>
+                  </a:extLst>
+                </a:gridCol>
+              </a:tblGrid>
+              <a:tr h="602049">
+                <a:tc>
+                  <a:txBody>
+                    <a:bodyPr/>
+                    <a:lstStyle/>
+                    <a:p>
+                      <a:r>
+                        <a:rPr lang="en-US" dirty="0"/>
+                        <a:t>Feature</a:t>
+                      </a:r>
+                    </a:p>
+                  </a:txBody>
+                  <a:tcPr/>
+                </a:tc>
+                <a:tc>
+                  <a:txBody>
+                    <a:bodyPr/>
+                    <a:lstStyle/>
+                    <a:p>
+                      <a:r>
+                        <a:rPr lang="en-US" dirty="0"/>
+                        <a:t>Mean</a:t>
+                      </a:r>
+                    </a:p>
+                  </a:txBody>
+                  <a:tcPr/>
+                </a:tc>
+                <a:tc>
+                  <a:txBody>
+                    <a:bodyPr/>
+                    <a:lstStyle/>
+                    <a:p>
+                      <a:r>
+                        <a:rPr lang="en-US" dirty="0"/>
+                        <a:t>Standard Deviation</a:t>
+                      </a:r>
+                    </a:p>
+                  </a:txBody>
+                  <a:tcPr/>
+                </a:tc>
+                <a:tc>
+                  <a:txBody>
+                    <a:bodyPr/>
+                    <a:lstStyle/>
+                    <a:p>
+                      <a:r>
+                        <a:rPr lang="en-US" dirty="0"/>
+                        <a:t>Range</a:t>
+                      </a:r>
+                    </a:p>
+                  </a:txBody>
+                  <a:tcPr/>
+                </a:tc>
+                <a:tc>
+                  <a:txBody>
+                    <a:bodyPr/>
+                    <a:lstStyle/>
+                    <a:p>
+                      <a:r>
+                        <a:rPr lang="en-US" dirty="0"/>
+                        <a:t>Pre-Processing</a:t>
+                      </a:r>
+                    </a:p>
+                  </a:txBody>
+                  <a:tcPr/>
+                </a:tc>
+                <a:tc>
+                  <a:txBody>
+                    <a:bodyPr/>
+                    <a:lstStyle/>
+                    <a:p>
+                      <a:r>
+                        <a:rPr lang="en-US" dirty="0"/>
+                        <a:t>Description</a:t>
+                      </a:r>
+                    </a:p>
+                  </a:txBody>
+                  <a:tcPr/>
+                </a:tc>
+                <a:extLst>
+                  <a:ext uri="{0D108BD9-81ED-4DB2-BD59-A6C34878D82A}">
+                    <a16:rowId xmlns:a16="http://schemas.microsoft.com/office/drawing/2014/main" val="538257876"/>
+                  </a:ext>
+                </a:extLst>
+              </a:tr>
+              <a:tr h="586355">
+                <a:tc>
+                  <a:txBody>
+                    <a:bodyPr/>
+                    <a:lstStyle/>
+                    <a:p>
+                      <a:r>
+                        <a:rPr lang="en-US" dirty="0"/>
+                        <a:t>Age</a:t>
+                      </a:r>
+                    </a:p>
+                  </a:txBody>
+                  <a:tcPr/>
+                </a:tc>
+                <a:tc>
+                  <a:txBody>
+                    <a:bodyPr/>
+                    <a:lstStyle/>
+                    <a:p>
+                      <a:r>
+                        <a:rPr lang="en-US" dirty="0"/>
+                        <a:t>2</a:t>
+                      </a:r>
+                    </a:p>
+                  </a:txBody>
+                  <a:tcPr/>
+                </a:tc>
+                <a:tc>
+                  <a:txBody>
+                    <a:bodyPr/>
+                    <a:lstStyle/>
+                    <a:p>
+                      <a:endParaRPr lang="en-US" dirty="0"/>
+                    </a:p>
+                  </a:txBody>
+                  <a:tcPr/>
+                </a:tc>
+                <a:tc>
+                  <a:txBody>
+                    <a:bodyPr/>
+                    <a:lstStyle/>
+                    <a:p>
+                      <a:endParaRPr lang="en-US" dirty="0"/>
+                    </a:p>
+                  </a:txBody>
+                  <a:tcPr/>
+                </a:tc>
+                <a:tc>
+                  <a:txBody>
+                    <a:bodyPr/>
+                    <a:lstStyle/>
+                    <a:p>
+                      <a:r>
+                        <a:rPr lang="en-US" dirty="0"/>
+                        <a:t>Z-Score</a:t>
+                      </a:r>
+                    </a:p>
+                  </a:txBody>
+                  <a:tcPr/>
+                </a:tc>
+                <a:tc>
+                  <a:txBody>
+                    <a:bodyPr/>
+                    <a:lstStyle/>
+                    <a:p>
+                      <a:r>
+                        <a:rPr lang="en-US" dirty="0"/>
+                        <a:t>Age of Patient</a:t>
+                      </a:r>
+                    </a:p>
+                  </a:txBody>
+                  <a:tcPr/>
+                </a:tc>
+                <a:extLst>
+                  <a:ext uri="{0D108BD9-81ED-4DB2-BD59-A6C34878D82A}">
+                    <a16:rowId xmlns:a16="http://schemas.microsoft.com/office/drawing/2014/main" val="3383594947"/>
+                  </a:ext>
+                </a:extLst>
+              </a:tr>
+              <a:tr h="586355">
+                <a:tc>
+                  <a:txBody>
+                    <a:bodyPr/>
+                    <a:lstStyle/>
+                    <a:p>
+                      <a:r>
+                        <a:rPr lang="en-US" dirty="0" err="1"/>
+                        <a:t>Trestbps</a:t>
+                      </a:r>
+                      <a:endParaRPr lang="en-US" dirty="0"/>
+                    </a:p>
+                  </a:txBody>
+                  <a:tcPr/>
+                </a:tc>
+                <a:tc>
+                  <a:txBody>
+                    <a:bodyPr/>
+                    <a:lstStyle/>
+                    <a:p>
+                      <a:r>
+                        <a:rPr lang="en-US" dirty="0"/>
+                        <a:t>4</a:t>
+                      </a:r>
+                    </a:p>
+                  </a:txBody>
+                  <a:tcPr/>
+                </a:tc>
+                <a:tc>
+                  <a:txBody>
+                    <a:bodyPr/>
+                    <a:lstStyle/>
+                    <a:p>
+                      <a:endParaRPr lang="en-US"/>
+                    </a:p>
+                  </a:txBody>
+                  <a:tcPr/>
+                </a:tc>
+                <a:tc>
+                  <a:txBody>
+                    <a:bodyPr/>
+                    <a:lstStyle/>
+                    <a:p>
+                      <a:endParaRPr lang="en-US"/>
+                    </a:p>
+                  </a:txBody>
+                  <a:tcPr/>
+                </a:tc>
+                <a:tc>
+                  <a:txBody>
+                    <a:bodyPr/>
+                    <a:lstStyle/>
+                    <a:p>
+                      <a:endParaRPr lang="en-US" dirty="0"/>
+                    </a:p>
+                  </a:txBody>
+                  <a:tcPr/>
+                </a:tc>
+                <a:tc>
+                  <a:txBody>
+                    <a:bodyPr/>
+                    <a:lstStyle/>
+                    <a:p>
+                      <a:r>
+                        <a:rPr lang="en-US" dirty="0"/>
+                        <a:t>Resting Blood Pressure</a:t>
+                      </a:r>
+                    </a:p>
+                  </a:txBody>
+                  <a:tcPr/>
+                </a:tc>
+                <a:extLst>
+                  <a:ext uri="{0D108BD9-81ED-4DB2-BD59-A6C34878D82A}">
+                    <a16:rowId xmlns:a16="http://schemas.microsoft.com/office/drawing/2014/main" val="1958690204"/>
+                  </a:ext>
+                </a:extLst>
+              </a:tr>
+              <a:tr h="602049">
+                <a:tc>
+                  <a:txBody>
+                    <a:bodyPr/>
+                    <a:lstStyle/>
+                    <a:p>
+                      <a:r>
+                        <a:rPr lang="en-US" dirty="0"/>
+                        <a:t>Chol</a:t>
+                      </a:r>
+                    </a:p>
+                  </a:txBody>
+                  <a:tcPr/>
+                </a:tc>
+                <a:tc>
+                  <a:txBody>
+                    <a:bodyPr/>
+                    <a:lstStyle/>
+                    <a:p>
+                      <a:r>
+                        <a:rPr lang="en-US" dirty="0"/>
+                        <a:t>2</a:t>
+                      </a:r>
+                    </a:p>
+                  </a:txBody>
+                  <a:tcPr/>
+                </a:tc>
+                <a:tc>
+                  <a:txBody>
+                    <a:bodyPr/>
+                    <a:lstStyle/>
+                    <a:p>
+                      <a:endParaRPr lang="en-US"/>
+                    </a:p>
+                  </a:txBody>
+                  <a:tcPr/>
+                </a:tc>
+                <a:tc>
+                  <a:txBody>
+                    <a:bodyPr/>
+                    <a:lstStyle/>
+                    <a:p>
+                      <a:endParaRPr lang="en-US" dirty="0"/>
+                    </a:p>
+                  </a:txBody>
+                  <a:tcPr/>
+                </a:tc>
+                <a:tc>
+                  <a:txBody>
+                    <a:bodyPr/>
+                    <a:lstStyle/>
+                    <a:p>
+                      <a:endParaRPr lang="en-US"/>
+                    </a:p>
+                  </a:txBody>
+                  <a:tcPr/>
+                </a:tc>
+                <a:tc>
+                  <a:txBody>
+                    <a:bodyPr/>
+                    <a:lstStyle/>
+                    <a:p>
+                      <a:r>
+                        <a:rPr lang="en-US" dirty="0" err="1"/>
+                        <a:t>Cholestrol</a:t>
+                      </a:r>
+                      <a:endParaRPr lang="en-US" dirty="0"/>
+                    </a:p>
+                  </a:txBody>
+                  <a:tcPr/>
+                </a:tc>
+                <a:extLst>
+                  <a:ext uri="{0D108BD9-81ED-4DB2-BD59-A6C34878D82A}">
+                    <a16:rowId xmlns:a16="http://schemas.microsoft.com/office/drawing/2014/main" val="3620477404"/>
+                  </a:ext>
+                </a:extLst>
+              </a:tr>
+              <a:tr h="586355">
+                <a:tc>
+                  <a:txBody>
+                    <a:bodyPr/>
+                    <a:lstStyle/>
+                    <a:p>
+                      <a:r>
+                        <a:rPr lang="en-US" dirty="0" err="1"/>
+                        <a:t>Thalach</a:t>
+                      </a:r>
+                      <a:endParaRPr lang="en-US" dirty="0"/>
+                    </a:p>
+                  </a:txBody>
+                  <a:tcPr/>
+                </a:tc>
+                <a:tc>
+                  <a:txBody>
+                    <a:bodyPr/>
+                    <a:lstStyle/>
+                    <a:p>
+                      <a:r>
+                        <a:rPr lang="en-US" dirty="0"/>
+                        <a:t>3</a:t>
+                      </a:r>
+                    </a:p>
+                  </a:txBody>
+                  <a:tcPr/>
+                </a:tc>
+                <a:tc>
+                  <a:txBody>
+                    <a:bodyPr/>
+                    <a:lstStyle/>
+                    <a:p>
+                      <a:endParaRPr lang="en-US"/>
+                    </a:p>
+                  </a:txBody>
+                  <a:tcPr/>
+                </a:tc>
+                <a:tc>
+                  <a:txBody>
+                    <a:bodyPr/>
+                    <a:lstStyle/>
+                    <a:p>
+                      <a:endParaRPr lang="en-US" dirty="0"/>
+                    </a:p>
+                  </a:txBody>
+                  <a:tcPr/>
+                </a:tc>
+                <a:tc>
+                  <a:txBody>
+                    <a:bodyPr/>
+                    <a:lstStyle/>
+                    <a:p>
+                      <a:endParaRPr lang="en-US" dirty="0"/>
+                    </a:p>
+                  </a:txBody>
+                  <a:tcPr/>
+                </a:tc>
+                <a:tc>
+                  <a:txBody>
+                    <a:bodyPr/>
+                    <a:lstStyle/>
+                    <a:p>
+                      <a:r>
+                        <a:rPr lang="en-US" dirty="0"/>
+                        <a:t>Max Heart Rate Achieved</a:t>
+                      </a:r>
+                    </a:p>
+                  </a:txBody>
+                  <a:tcPr/>
+                </a:tc>
+                <a:extLst>
+                  <a:ext uri="{0D108BD9-81ED-4DB2-BD59-A6C34878D82A}">
+                    <a16:rowId xmlns:a16="http://schemas.microsoft.com/office/drawing/2014/main" val="2210812529"/>
+                  </a:ext>
+                </a:extLst>
+              </a:tr>
+              <a:tr h="586355">
+                <a:tc>
+                  <a:txBody>
+                    <a:bodyPr/>
+                    <a:lstStyle/>
+                    <a:p>
+                      <a:r>
+                        <a:rPr lang="en-US" dirty="0" err="1"/>
+                        <a:t>Oldpeak</a:t>
+                      </a:r>
+                      <a:endParaRPr lang="en-US" dirty="0"/>
+                    </a:p>
+                  </a:txBody>
+                  <a:tcPr/>
+                </a:tc>
+                <a:tc>
+                  <a:txBody>
+                    <a:bodyPr/>
+                    <a:lstStyle/>
+                    <a:p>
+                      <a:r>
+                        <a:rPr lang="en-US" dirty="0"/>
+                        <a:t>2</a:t>
+                      </a:r>
+                    </a:p>
+                  </a:txBody>
+                  <a:tcPr/>
+                </a:tc>
+                <a:tc>
+                  <a:txBody>
+                    <a:bodyPr/>
+                    <a:lstStyle/>
+                    <a:p>
+                      <a:endParaRPr lang="en-US"/>
+                    </a:p>
+                  </a:txBody>
+                  <a:tcPr/>
+                </a:tc>
+                <a:tc>
+                  <a:txBody>
+                    <a:bodyPr/>
+                    <a:lstStyle/>
+                    <a:p>
+                      <a:endParaRPr lang="en-US"/>
+                    </a:p>
+                  </a:txBody>
+                  <a:tcPr/>
+                </a:tc>
+                <a:tc>
+                  <a:txBody>
+                    <a:bodyPr/>
+                    <a:lstStyle/>
+                    <a:p>
+                      <a:endParaRPr lang="en-US"/>
+                    </a:p>
+                  </a:txBody>
+                  <a:tcPr/>
+                </a:tc>
+                <a:tc>
+                  <a:txBody>
+                    <a:bodyPr/>
+                    <a:lstStyle/>
+                    <a:p>
+                      <a:r>
+                        <a:rPr lang="en-US" dirty="0"/>
+                        <a:t>ST Depression Induced by Exercise Relative to Rest</a:t>
+                      </a:r>
+                    </a:p>
+                  </a:txBody>
+                  <a:tcPr/>
+                </a:tc>
+                <a:extLst>
+                  <a:ext uri="{0D108BD9-81ED-4DB2-BD59-A6C34878D82A}">
+                    <a16:rowId xmlns:a16="http://schemas.microsoft.com/office/drawing/2014/main" val="2603487443"/>
+                  </a:ext>
+                </a:extLst>
+              </a:tr>
+              <a:tr h="602049">
+                <a:tc>
+                  <a:txBody>
+                    <a:bodyPr/>
+                    <a:lstStyle/>
+                    <a:p>
+                      <a:pPr marL="0" marR="0" lvl="0" indent="0" algn="l" defTabSz="914400" rtl="0" eaLnBrk="1" fontAlgn="auto" latinLnBrk="0" hangingPunct="1">
+                        <a:lnSpc>
+                          <a:spcPct val="100000"/>
+                        </a:lnSpc>
+                        <a:spcBef>
+                          <a:spcPts val="0"/>
+                        </a:spcBef>
+                        <a:spcAft>
+                          <a:spcPts val="0"/>
+                        </a:spcAft>
+                        <a:buClrTx/>
+                        <a:buSzTx/>
+                        <a:buFontTx/>
+                        <a:buNone/>
+                        <a:tabLst/>
+                        <a:defRPr/>
+                      </a:pPr>
+                      <a:r>
+                        <a:rPr lang="en-US" dirty="0"/>
+                        <a:t>Slope</a:t>
+                      </a:r>
+                    </a:p>
+                  </a:txBody>
+                  <a:tcPr/>
+                </a:tc>
+                <a:tc>
+                  <a:txBody>
+                    <a:bodyPr/>
+                    <a:lstStyle/>
+                    <a:p>
+                      <a:r>
+                        <a:rPr lang="en-US" dirty="0"/>
+                        <a:t>3</a:t>
+                      </a:r>
+                    </a:p>
+                  </a:txBody>
+                  <a:tcPr/>
+                </a:tc>
+                <a:tc>
+                  <a:txBody>
+                    <a:bodyPr/>
+                    <a:lstStyle/>
+                    <a:p>
+                      <a:endParaRPr lang="en-US"/>
+                    </a:p>
+                  </a:txBody>
+                  <a:tcPr/>
+                </a:tc>
+                <a:tc>
+                  <a:txBody>
+                    <a:bodyPr/>
+                    <a:lstStyle/>
+                    <a:p>
+                      <a:endParaRPr lang="en-US"/>
+                    </a:p>
+                  </a:txBody>
+                  <a:tcPr/>
+                </a:tc>
+                <a:tc>
+                  <a:txBody>
+                    <a:bodyPr/>
+                    <a:lstStyle/>
+                    <a:p>
+                      <a:endParaRPr lang="en-US"/>
+                    </a:p>
+                  </a:txBody>
+                  <a:tcPr/>
+                </a:tc>
+                <a:tc>
+                  <a:txBody>
+                    <a:bodyPr/>
+                    <a:lstStyle/>
+                    <a:p>
+                      <a:r>
+                        <a:rPr lang="en-US" dirty="0"/>
+                        <a:t>Slope of the Peak Exercise Relative to Rest</a:t>
+                      </a:r>
+                    </a:p>
+                  </a:txBody>
+                  <a:tcPr/>
+                </a:tc>
+                <a:extLst>
+                  <a:ext uri="{0D108BD9-81ED-4DB2-BD59-A6C34878D82A}">
+                    <a16:rowId xmlns:a16="http://schemas.microsoft.com/office/drawing/2014/main" val="2857208965"/>
+                  </a:ext>
+                </a:extLst>
+              </a:tr>
+              <a:tr h="586355">
+                <a:tc>
+                  <a:txBody>
+                    <a:bodyPr/>
+                    <a:lstStyle/>
+                    <a:p>
+                      <a:pPr marL="0" marR="0" lvl="0" indent="0" algn="l" defTabSz="914400" rtl="0" eaLnBrk="1" fontAlgn="auto" latinLnBrk="0" hangingPunct="1">
+                        <a:lnSpc>
+                          <a:spcPct val="100000"/>
+                        </a:lnSpc>
+                        <a:spcBef>
+                          <a:spcPts val="0"/>
+                        </a:spcBef>
+                        <a:spcAft>
+                          <a:spcPts val="0"/>
+                        </a:spcAft>
+                        <a:buClrTx/>
+                        <a:buSzTx/>
+                        <a:buFontTx/>
+                        <a:buNone/>
+                        <a:tabLst/>
+                        <a:defRPr/>
+                      </a:pPr>
+                      <a:r>
+                        <a:rPr lang="en-US" dirty="0"/>
+                        <a:t>Ca</a:t>
+                      </a:r>
+                    </a:p>
+                  </a:txBody>
+                  <a:tcPr/>
+                </a:tc>
+                <a:tc>
+                  <a:txBody>
+                    <a:bodyPr/>
+                    <a:lstStyle/>
+                    <a:p>
+                      <a:r>
+                        <a:rPr lang="en-US" dirty="0"/>
+                        <a:t>2</a:t>
+                      </a:r>
+                    </a:p>
+                  </a:txBody>
+                  <a:tcPr/>
+                </a:tc>
+                <a:tc>
+                  <a:txBody>
+                    <a:bodyPr/>
+                    <a:lstStyle/>
+                    <a:p>
+                      <a:endParaRPr lang="en-US"/>
+                    </a:p>
+                  </a:txBody>
+                  <a:tcPr/>
+                </a:tc>
+                <a:tc>
+                  <a:txBody>
+                    <a:bodyPr/>
+                    <a:lstStyle/>
+                    <a:p>
+                      <a:endParaRPr lang="en-US" dirty="0"/>
+                    </a:p>
+                  </a:txBody>
+                  <a:tcPr/>
+                </a:tc>
+                <a:tc>
+                  <a:txBody>
+                    <a:bodyPr/>
+                    <a:lstStyle/>
+                    <a:p>
+                      <a:endParaRPr lang="en-US" dirty="0"/>
+                    </a:p>
+                  </a:txBody>
+                  <a:tcPr/>
+                </a:tc>
+                <a:tc>
+                  <a:txBody>
+                    <a:bodyPr/>
+                    <a:lstStyle/>
+                    <a:p>
+                      <a:r>
+                        <a:rPr lang="en-US" dirty="0"/>
+                        <a:t>Number of Major Blood Vessels Colored by Fluoroscopy</a:t>
+                      </a:r>
+                    </a:p>
+                  </a:txBody>
+                  <a:tcPr/>
+                </a:tc>
+                <a:extLst>
+                  <a:ext uri="{0D108BD9-81ED-4DB2-BD59-A6C34878D82A}">
+                    <a16:rowId xmlns:a16="http://schemas.microsoft.com/office/drawing/2014/main" val="4188634406"/>
+                  </a:ext>
+                </a:extLst>
+              </a:tr>
+            </a:tbl>
+          </a:graphicData>
+        </a:graphic>
+      </p:graphicFrame>
     </p:spTree>
     <p:extLst>
       <p:ext uri="{BB962C8B-B14F-4D97-AF65-F5344CB8AC3E}">
-        <p14:creationId xmlns:p14="http://schemas.microsoft.com/office/powerpoint/2010/main" val="109117949"/>
+        <p14:creationId xmlns:p14="http://schemas.microsoft.com/office/powerpoint/2010/main" val="2678161797"/>
       </p:ext>
     </p:extLst>
   </p:cSld>
@@ -3594,7 +5350,7 @@
           <p:cNvPr id="2" name="Title 1">
             <a:extLst>
               <a:ext uri="{FF2B5EF4-FFF2-40B4-BE49-F238E27FC236}">
-                <a16:creationId xmlns:a16="http://schemas.microsoft.com/office/drawing/2014/main" id="{55A5CAAA-4B11-E245-A740-6DDE7751B0FE}"/>
+                <a16:creationId xmlns:a16="http://schemas.microsoft.com/office/drawing/2014/main" id="{454FA727-1545-B148-ABDF-2B22A5C77F11}"/>
               </a:ext>
             </a:extLst>
           </p:cNvPr>
@@ -3605,12 +5361,7 @@
             <p:ph type="title"/>
           </p:nvPr>
         </p:nvSpPr>
-        <p:spPr>
-          <a:xfrm>
-            <a:off x="838200" y="1836573"/>
-            <a:ext cx="10515600" cy="1325563"/>
-          </a:xfrm>
-        </p:spPr>
+        <p:spPr/>
         <p:txBody>
           <a:bodyPr/>
           <a:lstStyle/>
@@ -3619,13 +5370,74 @@
               <a:rPr lang="en-US" dirty="0"/>
               <a:t>Descriptive Statistics</a:t>
             </a:r>
+          </a:p>
+        </p:txBody>
+      </p:sp>
+      <p:sp>
+        <p:nvSpPr>
+          <p:cNvPr id="3" name="Content Placeholder 2">
+            <a:extLst>
+              <a:ext uri="{FF2B5EF4-FFF2-40B4-BE49-F238E27FC236}">
+                <a16:creationId xmlns:a16="http://schemas.microsoft.com/office/drawing/2014/main" id="{58390AA8-0C5E-D94A-AB9B-2FF948453AA8}"/>
+              </a:ext>
+            </a:extLst>
+          </p:cNvPr>
+          <p:cNvSpPr>
+            <a:spLocks noGrp="1"/>
+          </p:cNvSpPr>
+          <p:nvPr>
+            <p:ph idx="1"/>
+          </p:nvPr>
+        </p:nvSpPr>
+        <p:spPr/>
+        <p:txBody>
+          <a:bodyPr/>
+          <a:lstStyle/>
+          <a:p>
+            <a:r>
+              <a:rPr lang="en-US" dirty="0"/>
+              <a:t>Descriptive Statistics</a:t>
+            </a:r>
+          </a:p>
+          <a:p>
+            <a:pPr lvl="1"/>
+            <a:r>
+              <a:rPr lang="en-US" dirty="0"/>
+              <a:t>PCA</a:t>
+            </a:r>
+          </a:p>
+          <a:p>
+            <a:pPr lvl="1"/>
+            <a:r>
+              <a:rPr lang="en-US" dirty="0"/>
+              <a:t>Distribution of features plots</a:t>
+            </a:r>
+          </a:p>
+          <a:p>
+            <a:pPr lvl="1"/>
+            <a:r>
+              <a:rPr lang="en-US" dirty="0"/>
+              <a:t>Pearson’s R-value</a:t>
+            </a:r>
+          </a:p>
+          <a:p>
+            <a:pPr marL="0" indent="0">
+              <a:buNone/>
+            </a:pPr>
+            <a:endParaRPr lang="en-US" dirty="0"/>
+          </a:p>
+          <a:p>
+            <a:endParaRPr lang="en-US" dirty="0"/>
+          </a:p>
+          <a:p>
+            <a:endParaRPr lang="en-US" dirty="0"/>
           </a:p>
         </p:txBody>
       </p:sp>
     </p:spTree>
     <p:extLst>
       <p:ext uri="{BB962C8B-B14F-4D97-AF65-F5344CB8AC3E}">
-        <p14:creationId xmlns:p14="http://schemas.microsoft.com/office/powerpoint/2010/main" val="4191786739"/>
+        <p14:creationId xmlns:p14="http://schemas.microsoft.com/office/powerpoint/2010/main" val="2199094029"/>
       </p:ext>
     </p:extLst>
   </p:cSld>
@@ -3657,7 +5469,7 @@
           <p:cNvPr id="2" name="Title 1">
             <a:extLst>
               <a:ext uri="{FF2B5EF4-FFF2-40B4-BE49-F238E27FC236}">
-                <a16:creationId xmlns:a16="http://schemas.microsoft.com/office/drawing/2014/main" id="{454FA727-1545-B148-ABDF-2B22A5C77F11}"/>
+                <a16:creationId xmlns:a16="http://schemas.microsoft.com/office/drawing/2014/main" id="{4F37A3B1-DCAE-3047-8F0A-C8274DF99F00}"/>
               </a:ext>
             </a:extLst>
           </p:cNvPr>
@@ -3675,7 +5487,7 @@
           <a:p>
             <a:r>
               <a:rPr lang="en-US" dirty="0"/>
-              <a:t>Descriptive Statistics</a:t>
+              <a:t>Dataset Engineering</a:t>
             </a:r>
           </a:p>
         </p:txBody>
@@ -3685,7 +5497,7 @@
           <p:cNvPr id="3" name="Content Placeholder 2">
             <a:extLst>
               <a:ext uri="{FF2B5EF4-FFF2-40B4-BE49-F238E27FC236}">
-                <a16:creationId xmlns:a16="http://schemas.microsoft.com/office/drawing/2014/main" id="{58390AA8-0C5E-D94A-AB9B-2FF948453AA8}"/>
+                <a16:creationId xmlns:a16="http://schemas.microsoft.com/office/drawing/2014/main" id="{9B8595B5-705B-E848-B165-5FB3135CE61A}"/>
               </a:ext>
             </a:extLst>
           </p:cNvPr>
@@ -3698,63 +5510,83 @@
         </p:nvSpPr>
         <p:spPr/>
         <p:txBody>
-          <a:bodyPr/>
+          <a:bodyPr>
+            <a:normAutofit/>
+          </a:bodyPr>
           <a:lstStyle/>
           <a:p>
             <a:r>
               <a:rPr lang="en-US" dirty="0"/>
-              <a:t>Descriptive Statistics</a:t>
+              <a:t>Dataset derived from larger dataset by Data Scientists </a:t>
             </a:r>
           </a:p>
           <a:p>
             <a:pPr lvl="1"/>
             <a:r>
               <a:rPr lang="en-US" dirty="0"/>
-              <a:t>PCA</a:t>
+              <a:t>Most valuable features deduced, 75 -&gt; 13</a:t>
             </a:r>
           </a:p>
           <a:p>
             <a:pPr lvl="1"/>
             <a:r>
               <a:rPr lang="en-US" dirty="0"/>
-              <a:t>Distribution of features plots</a:t>
+              <a:t>Observations do not have any null values</a:t>
+            </a:r>
+          </a:p>
+          <a:p>
+            <a:r>
+              <a:rPr lang="en-US" dirty="0"/>
+              <a:t>Class Balance</a:t>
             </a:r>
           </a:p>
           <a:p>
             <a:pPr lvl="1"/>
             <a:r>
               <a:rPr lang="en-US" dirty="0"/>
-              <a:t>Pearson’s R-value</a:t>
+              <a:t>165 – 54.5% yes</a:t>
             </a:r>
           </a:p>
           <a:p>
             <a:pPr lvl="1"/>
-            <a:endParaRPr lang="en-US" dirty="0"/>
-          </a:p>
-          <a:p>
             <a:r>
               <a:rPr lang="en-US" dirty="0"/>
-              <a:t>Selection of specific features (all features and some subsets of features)</a:t>
-            </a:r>
-          </a:p>
-          <a:p>
-            <a:pPr marL="0" indent="0">
-              <a:buNone/>
-            </a:pPr>
-            <a:endParaRPr lang="en-US" dirty="0"/>
-          </a:p>
-          <a:p>
-            <a:endParaRPr lang="en-US" dirty="0"/>
-          </a:p>
-          <a:p>
-            <a:endParaRPr lang="en-US" dirty="0"/>
+              <a:t>138 – 45.5% no</a:t>
+            </a:r>
+          </a:p>
+          <a:p>
+            <a:r>
+              <a:rPr lang="en-US" dirty="0"/>
+              <a:t>Cross-validation </a:t>
+            </a:r>
+          </a:p>
+          <a:p>
+            <a:pPr lvl="1"/>
+            <a:r>
+              <a:rPr lang="en-US" dirty="0"/>
+              <a:t>80% training -&gt; 243 observations</a:t>
+            </a:r>
+          </a:p>
+          <a:p>
+            <a:pPr lvl="1"/>
+            <a:r>
+              <a:rPr lang="en-US" dirty="0"/>
+              <a:t>20% testing -&gt; 61 observations</a:t>
+            </a:r>
+          </a:p>
+          <a:p>
+            <a:pPr lvl="1"/>
+            <a:r>
+              <a:rPr lang="en-US" dirty="0"/>
+              <a:t>Repeated 5 Times for different Sampling</a:t>
+            </a:r>
           </a:p>
         </p:txBody>
       </p:sp>
     </p:spTree>
     <p:extLst>
       <p:ext uri="{BB962C8B-B14F-4D97-AF65-F5344CB8AC3E}">
-        <p14:creationId xmlns:p14="http://schemas.microsoft.com/office/powerpoint/2010/main" val="2199094029"/>
+        <p14:creationId xmlns:p14="http://schemas.microsoft.com/office/powerpoint/2010/main" val="836636437"/>
       </p:ext>
     </p:extLst>
   </p:cSld>
@@ -3786,7 +5618,7 @@
           <p:cNvPr id="2" name="Title 1">
             <a:extLst>
               <a:ext uri="{FF2B5EF4-FFF2-40B4-BE49-F238E27FC236}">
-                <a16:creationId xmlns:a16="http://schemas.microsoft.com/office/drawing/2014/main" id="{55A5CAAA-4B11-E245-A740-6DDE7751B0FE}"/>
+                <a16:creationId xmlns:a16="http://schemas.microsoft.com/office/drawing/2014/main" id="{BF095CB9-0072-F049-90F0-56A100AD81B1}"/>
               </a:ext>
             </a:extLst>
           </p:cNvPr>
@@ -3797,27 +5629,101 @@
             <p:ph type="title"/>
           </p:nvPr>
         </p:nvSpPr>
-        <p:spPr>
-          <a:xfrm>
-            <a:off x="838200" y="1836573"/>
-            <a:ext cx="10515600" cy="1325563"/>
-          </a:xfrm>
-        </p:spPr>
+        <p:spPr/>
         <p:txBody>
           <a:bodyPr/>
           <a:lstStyle/>
           <a:p>
             <a:r>
               <a:rPr lang="en-US" dirty="0"/>
-              <a:t>Feature Engineering</a:t>
-            </a:r>
+              <a:t>Data Analysis – Model Overview</a:t>
+            </a:r>
+          </a:p>
+        </p:txBody>
+      </p:sp>
+      <p:sp>
+        <p:nvSpPr>
+          <p:cNvPr id="3" name="Content Placeholder 2">
+            <a:extLst>
+              <a:ext uri="{FF2B5EF4-FFF2-40B4-BE49-F238E27FC236}">
+                <a16:creationId xmlns:a16="http://schemas.microsoft.com/office/drawing/2014/main" id="{0C98DF47-3C30-0841-85C9-A63FC861B00F}"/>
+              </a:ext>
+            </a:extLst>
+          </p:cNvPr>
+          <p:cNvSpPr>
+            <a:spLocks noGrp="1"/>
+          </p:cNvSpPr>
+          <p:nvPr>
+            <p:ph idx="1"/>
+          </p:nvPr>
+        </p:nvSpPr>
+        <p:spPr/>
+        <p:txBody>
+          <a:bodyPr/>
+          <a:lstStyle/>
+          <a:p>
+            <a:r>
+              <a:rPr lang="en-US" dirty="0"/>
+              <a:t>Un-supervised Methods</a:t>
+            </a:r>
+          </a:p>
+          <a:p>
+            <a:pPr lvl="1"/>
+            <a:r>
+              <a:rPr lang="en-US" dirty="0"/>
+              <a:t>Fuzzy K-means Clustering (Tanuja)</a:t>
+            </a:r>
+          </a:p>
+          <a:p>
+            <a:pPr lvl="1"/>
+            <a:endParaRPr lang="en-US" dirty="0"/>
+          </a:p>
+          <a:p>
+            <a:r>
+              <a:rPr lang="en-US" dirty="0"/>
+              <a:t>Supervised Methods Covered in Class </a:t>
+            </a:r>
+          </a:p>
+          <a:p>
+            <a:pPr lvl="1"/>
+            <a:r>
+              <a:rPr lang="en-US" dirty="0"/>
+              <a:t>Multi-variable Logistic Regression, Support Vector Machines (Alec)</a:t>
+            </a:r>
+          </a:p>
+          <a:p>
+            <a:pPr lvl="1"/>
+            <a:r>
+              <a:rPr lang="en-US" dirty="0"/>
+              <a:t>Multi-Layer Perceptron (Matt)</a:t>
+            </a:r>
+          </a:p>
+          <a:p>
+            <a:pPr lvl="1"/>
+            <a:endParaRPr lang="en-US" dirty="0"/>
+          </a:p>
+          <a:p>
+            <a:r>
+              <a:rPr lang="en-US" dirty="0"/>
+              <a:t>Supervised Methods Not Covered in Class </a:t>
+            </a:r>
+          </a:p>
+          <a:p>
+            <a:pPr lvl="1"/>
+            <a:r>
+              <a:rPr lang="en-US" dirty="0"/>
+              <a:t>Random Forest, K – Nearest Neighbor  (Andrew)</a:t>
+            </a:r>
+          </a:p>
+          <a:p>
+            <a:endParaRPr lang="en-US" dirty="0"/>
           </a:p>
         </p:txBody>
       </p:sp>
     </p:spTree>
     <p:extLst>
       <p:ext uri="{BB962C8B-B14F-4D97-AF65-F5344CB8AC3E}">
-        <p14:creationId xmlns:p14="http://schemas.microsoft.com/office/powerpoint/2010/main" val="2743128311"/>
+        <p14:creationId xmlns:p14="http://schemas.microsoft.com/office/powerpoint/2010/main" val="116884129"/>
       </p:ext>
     </p:extLst>
   </p:cSld>
@@ -3849,7 +5755,7 @@
           <p:cNvPr id="2" name="Title 1">
             <a:extLst>
               <a:ext uri="{FF2B5EF4-FFF2-40B4-BE49-F238E27FC236}">
-                <a16:creationId xmlns:a16="http://schemas.microsoft.com/office/drawing/2014/main" id="{4F37A3B1-DCAE-3047-8F0A-C8274DF99F00}"/>
+                <a16:creationId xmlns:a16="http://schemas.microsoft.com/office/drawing/2014/main" id="{AE7513E9-EA65-B448-B80A-818CE0EBB4EB}"/>
               </a:ext>
             </a:extLst>
           </p:cNvPr>
@@ -3867,93 +5773,127 @@
           <a:p>
             <a:r>
               <a:rPr lang="en-US" dirty="0"/>
-              <a:t>Feature Engineering</a:t>
-            </a:r>
-          </a:p>
-        </p:txBody>
-      </p:sp>
-      <p:sp>
-        <p:nvSpPr>
-          <p:cNvPr id="3" name="Content Placeholder 2">
-            <a:extLst>
-              <a:ext uri="{FF2B5EF4-FFF2-40B4-BE49-F238E27FC236}">
-                <a16:creationId xmlns:a16="http://schemas.microsoft.com/office/drawing/2014/main" id="{9B8595B5-705B-E848-B165-5FB3135CE61A}"/>
-              </a:ext>
-            </a:extLst>
-          </p:cNvPr>
-          <p:cNvSpPr>
-            <a:spLocks noGrp="1"/>
-          </p:cNvSpPr>
-          <p:nvPr>
-            <p:ph idx="1"/>
+              <a:t>Model Descriptions</a:t>
+            </a:r>
+          </a:p>
+        </p:txBody>
+      </p:sp>
+      <p:sp>
+        <p:nvSpPr>
+          <p:cNvPr id="7" name="Text Placeholder 6">
+            <a:extLst>
+              <a:ext uri="{FF2B5EF4-FFF2-40B4-BE49-F238E27FC236}">
+                <a16:creationId xmlns:a16="http://schemas.microsoft.com/office/drawing/2014/main" id="{1AAD97A7-44AC-334E-B3DA-D96A13930A9B}"/>
+              </a:ext>
+            </a:extLst>
+          </p:cNvPr>
+          <p:cNvSpPr>
+            <a:spLocks noGrp="1"/>
+          </p:cNvSpPr>
+          <p:nvPr>
+            <p:ph type="body" idx="1"/>
           </p:nvPr>
         </p:nvSpPr>
         <p:spPr/>
         <p:txBody>
-          <a:bodyPr>
-            <a:normAutofit lnSpcReduction="10000"/>
-          </a:bodyPr>
+          <a:bodyPr/>
           <a:lstStyle/>
           <a:p>
             <a:r>
               <a:rPr lang="en-US" dirty="0"/>
-              <a:t>Feature Scaling</a:t>
-            </a:r>
-          </a:p>
-          <a:p>
-            <a:pPr lvl="1"/>
+              <a:t>K-Nearest Neighbor</a:t>
+            </a:r>
+          </a:p>
+        </p:txBody>
+      </p:sp>
+      <p:pic>
+        <p:nvPicPr>
+          <p:cNvPr id="12" name="Content Placeholder 11">
+            <a:extLst>
+              <a:ext uri="{FF2B5EF4-FFF2-40B4-BE49-F238E27FC236}">
+                <a16:creationId xmlns:a16="http://schemas.microsoft.com/office/drawing/2014/main" id="{8A5B4DEE-ECC6-2D4A-A2C8-F8181C1837BA}"/>
+              </a:ext>
+            </a:extLst>
+          </p:cNvPr>
+          <p:cNvPicPr>
+            <a:picLocks noGrp="1" noChangeAspect="1"/>
+          </p:cNvPicPr>
+          <p:nvPr>
+            <p:ph sz="half" idx="2"/>
+          </p:nvPr>
+        </p:nvPicPr>
+        <p:blipFill>
+          <a:blip r:embed="rId2"/>
+          <a:stretch>
+            <a:fillRect/>
+          </a:stretch>
+        </p:blipFill>
+        <p:spPr>
+          <a:xfrm>
+            <a:off x="665163" y="2505075"/>
+            <a:ext cx="4886965" cy="3684588"/>
+          </a:xfrm>
+          <a:prstGeom prst="rect">
+            <a:avLst/>
+          </a:prstGeom>
+        </p:spPr>
+      </p:pic>
+      <p:pic>
+        <p:nvPicPr>
+          <p:cNvPr id="13" name="Content Placeholder 12">
+            <a:extLst>
+              <a:ext uri="{FF2B5EF4-FFF2-40B4-BE49-F238E27FC236}">
+                <a16:creationId xmlns:a16="http://schemas.microsoft.com/office/drawing/2014/main" id="{67FC15FF-6C20-8243-85CB-73B9F628BC59}"/>
+              </a:ext>
+            </a:extLst>
+          </p:cNvPr>
+          <p:cNvPicPr>
+            <a:picLocks noGrp="1" noChangeAspect="1"/>
+          </p:cNvPicPr>
+          <p:nvPr>
+            <p:ph sz="quarter" idx="4"/>
+          </p:nvPr>
+        </p:nvPicPr>
+        <p:blipFill>
+          <a:blip r:embed="rId3"/>
+          <a:stretch>
+            <a:fillRect/>
+          </a:stretch>
+        </p:blipFill>
+        <p:spPr>
+          <a:xfrm>
+            <a:off x="6172200" y="2680196"/>
+            <a:ext cx="4734565" cy="3334345"/>
+          </a:xfrm>
+          <a:prstGeom prst="rect">
+            <a:avLst/>
+          </a:prstGeom>
+        </p:spPr>
+      </p:pic>
+      <p:sp>
+        <p:nvSpPr>
+          <p:cNvPr id="11" name="Text Placeholder 10">
+            <a:extLst>
+              <a:ext uri="{FF2B5EF4-FFF2-40B4-BE49-F238E27FC236}">
+                <a16:creationId xmlns:a16="http://schemas.microsoft.com/office/drawing/2014/main" id="{E54CA7B2-0CBF-454A-B5FA-CA3D33D78B82}"/>
+              </a:ext>
+            </a:extLst>
+          </p:cNvPr>
+          <p:cNvSpPr>
+            <a:spLocks noGrp="1"/>
+          </p:cNvSpPr>
+          <p:nvPr>
+            <p:ph type="body" sz="quarter" idx="3"/>
+          </p:nvPr>
+        </p:nvSpPr>
+        <p:spPr/>
+        <p:txBody>
+          <a:bodyPr/>
+          <a:lstStyle/>
+          <a:p>
             <a:r>
               <a:rPr lang="en-US" dirty="0"/>
-              <a:t>Z-score scaling</a:t>
-            </a:r>
-          </a:p>
-          <a:p>
-            <a:pPr marL="0" indent="0">
-              <a:buNone/>
-            </a:pPr>
-            <a:endParaRPr lang="en-US" dirty="0"/>
-          </a:p>
-          <a:p>
-            <a:r>
-              <a:rPr lang="en-US" dirty="0"/>
-              <a:t>One hot encode chest pain feature.</a:t>
-            </a:r>
-          </a:p>
-          <a:p>
-            <a:endParaRPr lang="en-US" dirty="0"/>
-          </a:p>
-          <a:p>
-            <a:r>
-              <a:rPr lang="en-US" dirty="0"/>
-              <a:t> Cross-validation </a:t>
-            </a:r>
-          </a:p>
-          <a:p>
-            <a:pPr lvl="1"/>
-            <a:r>
-              <a:rPr lang="en-US" dirty="0"/>
-              <a:t>75% training -&gt; 227 observations</a:t>
-            </a:r>
-          </a:p>
-          <a:p>
-            <a:pPr lvl="1"/>
-            <a:r>
-              <a:rPr lang="en-US" dirty="0"/>
-              <a:t>15% validation -&gt; 45 observations (neural network)</a:t>
-            </a:r>
-          </a:p>
-          <a:p>
-            <a:pPr lvl="1"/>
-            <a:r>
-              <a:rPr lang="en-US" dirty="0"/>
-              <a:t>10% testing -&gt; 31 observations (neural network) </a:t>
-            </a:r>
-          </a:p>
-          <a:p>
-            <a:pPr lvl="2"/>
-            <a:r>
-              <a:rPr lang="en-US" dirty="0"/>
-              <a:t>{25% -&gt; 76 observations for everyone else)</a:t>
+              <a:t>Random Forest</a:t>
             </a:r>
           </a:p>
         </p:txBody>
@@ -3961,7 +5901,7 @@
     </p:spTree>
     <p:extLst>
       <p:ext uri="{BB962C8B-B14F-4D97-AF65-F5344CB8AC3E}">
-        <p14:creationId xmlns:p14="http://schemas.microsoft.com/office/powerpoint/2010/main" val="836636437"/>
+        <p14:creationId xmlns:p14="http://schemas.microsoft.com/office/powerpoint/2010/main" val="314389676"/>
       </p:ext>
     </p:extLst>
   </p:cSld>
@@ -3990,10 +5930,10 @@
       </p:grpSpPr>
       <p:sp>
         <p:nvSpPr>
-          <p:cNvPr id="2" name="Title 1">
-            <a:extLst>
-              <a:ext uri="{FF2B5EF4-FFF2-40B4-BE49-F238E27FC236}">
-                <a16:creationId xmlns:a16="http://schemas.microsoft.com/office/drawing/2014/main" id="{BF095CB9-0072-F049-90F0-56A100AD81B1}"/>
+          <p:cNvPr id="7" name="Title 6">
+            <a:extLst>
+              <a:ext uri="{FF2B5EF4-FFF2-40B4-BE49-F238E27FC236}">
+                <a16:creationId xmlns:a16="http://schemas.microsoft.com/office/drawing/2014/main" id="{203A6C6A-B05A-204C-80A0-AE4C93D42552}"/>
               </a:ext>
             </a:extLst>
           </p:cNvPr>
@@ -4011,81 +5951,682 @@
           <a:p>
             <a:r>
               <a:rPr lang="en-US" dirty="0"/>
-              <a:t>Data Analysis – Model Overview</a:t>
-            </a:r>
-          </a:p>
-        </p:txBody>
-      </p:sp>
-      <p:sp>
-        <p:nvSpPr>
-          <p:cNvPr id="3" name="Content Placeholder 2">
-            <a:extLst>
-              <a:ext uri="{FF2B5EF4-FFF2-40B4-BE49-F238E27FC236}">
-                <a16:creationId xmlns:a16="http://schemas.microsoft.com/office/drawing/2014/main" id="{0C98DF47-3C30-0841-85C9-A63FC861B00F}"/>
-              </a:ext>
-            </a:extLst>
-          </p:cNvPr>
-          <p:cNvSpPr>
-            <a:spLocks noGrp="1"/>
-          </p:cNvSpPr>
+              <a:t>Results – Best Models</a:t>
+            </a:r>
+          </a:p>
+        </p:txBody>
+      </p:sp>
+      <p:graphicFrame>
+        <p:nvGraphicFramePr>
+          <p:cNvPr id="9" name="Content Placeholder 8">
+            <a:extLst>
+              <a:ext uri="{FF2B5EF4-FFF2-40B4-BE49-F238E27FC236}">
+                <a16:creationId xmlns:a16="http://schemas.microsoft.com/office/drawing/2014/main" id="{C1BB70A2-A26B-A043-9C41-35D06B7CDE8D}"/>
+              </a:ext>
+            </a:extLst>
+          </p:cNvPr>
+          <p:cNvGraphicFramePr>
+            <a:graphicFrameLocks noGrp="1"/>
+          </p:cNvGraphicFramePr>
           <p:nvPr>
             <p:ph idx="1"/>
-          </p:nvPr>
-        </p:nvSpPr>
-        <p:spPr/>
-        <p:txBody>
-          <a:bodyPr/>
-          <a:lstStyle/>
-          <a:p>
-            <a:r>
-              <a:rPr lang="en-US" dirty="0"/>
-              <a:t>Un-supervised Methods</a:t>
-            </a:r>
-          </a:p>
-          <a:p>
-            <a:pPr lvl="1"/>
-            <a:r>
-              <a:rPr lang="en-US" dirty="0"/>
-              <a:t>K-means clustering (Tanuja)</a:t>
-            </a:r>
-          </a:p>
-          <a:p>
-            <a:pPr lvl="1"/>
-            <a:endParaRPr lang="en-US" dirty="0"/>
-          </a:p>
-          <a:p>
-            <a:r>
-              <a:rPr lang="en-US" dirty="0"/>
-              <a:t>Supervised Methods</a:t>
-            </a:r>
-          </a:p>
-          <a:p>
-            <a:pPr lvl="1"/>
-            <a:r>
-              <a:rPr lang="en-US" dirty="0"/>
-              <a:t>Multi-variable logistic regression (Alec)</a:t>
-            </a:r>
-          </a:p>
-          <a:p>
-            <a:pPr lvl="1"/>
-            <a:r>
-              <a:rPr lang="en-US" dirty="0"/>
-              <a:t>Random Forests, k – nearest neighbor  (Andrew)</a:t>
-            </a:r>
-          </a:p>
-          <a:p>
-            <a:pPr lvl="1"/>
-            <a:r>
-              <a:rPr lang="en-US" dirty="0"/>
-              <a:t>Multi-layer perceptron (Matt)</a:t>
-            </a:r>
-          </a:p>
-        </p:txBody>
-      </p:sp>
+            <p:extLst>
+              <p:ext uri="{D42A27DB-BD31-4B8C-83A1-F6EECF244321}">
+                <p14:modId xmlns:p14="http://schemas.microsoft.com/office/powerpoint/2010/main" val="2350542166"/>
+              </p:ext>
+            </p:extLst>
+          </p:nvPr>
+        </p:nvGraphicFramePr>
+        <p:xfrm>
+          <a:off x="838200" y="1825625"/>
+          <a:ext cx="10515603" cy="3845560"/>
+        </p:xfrm>
+        <a:graphic>
+          <a:graphicData uri="http://schemas.openxmlformats.org/drawingml/2006/table">
+            <a:tbl>
+              <a:tblPr firstRow="1" bandRow="1">
+                <a:tableStyleId>{5C22544A-7EE6-4342-B048-85BDC9FD1C3A}</a:tableStyleId>
+              </a:tblPr>
+              <a:tblGrid>
+                <a:gridCol w="1502229">
+                  <a:extLst>
+                    <a:ext uri="{9D8B030D-6E8A-4147-A177-3AD203B41FA5}">
+                      <a16:colId xmlns:a16="http://schemas.microsoft.com/office/drawing/2014/main" val="2993114388"/>
+                    </a:ext>
+                  </a:extLst>
+                </a:gridCol>
+                <a:gridCol w="1502229">
+                  <a:extLst>
+                    <a:ext uri="{9D8B030D-6E8A-4147-A177-3AD203B41FA5}">
+                      <a16:colId xmlns:a16="http://schemas.microsoft.com/office/drawing/2014/main" val="46401700"/>
+                    </a:ext>
+                  </a:extLst>
+                </a:gridCol>
+                <a:gridCol w="1502229">
+                  <a:extLst>
+                    <a:ext uri="{9D8B030D-6E8A-4147-A177-3AD203B41FA5}">
+                      <a16:colId xmlns:a16="http://schemas.microsoft.com/office/drawing/2014/main" val="1599769433"/>
+                    </a:ext>
+                  </a:extLst>
+                </a:gridCol>
+                <a:gridCol w="1502229">
+                  <a:extLst>
+                    <a:ext uri="{9D8B030D-6E8A-4147-A177-3AD203B41FA5}">
+                      <a16:colId xmlns:a16="http://schemas.microsoft.com/office/drawing/2014/main" val="3789596014"/>
+                    </a:ext>
+                  </a:extLst>
+                </a:gridCol>
+                <a:gridCol w="1502229">
+                  <a:extLst>
+                    <a:ext uri="{9D8B030D-6E8A-4147-A177-3AD203B41FA5}">
+                      <a16:colId xmlns:a16="http://schemas.microsoft.com/office/drawing/2014/main" val="1664511034"/>
+                    </a:ext>
+                  </a:extLst>
+                </a:gridCol>
+                <a:gridCol w="1502229">
+                  <a:extLst>
+                    <a:ext uri="{9D8B030D-6E8A-4147-A177-3AD203B41FA5}">
+                      <a16:colId xmlns:a16="http://schemas.microsoft.com/office/drawing/2014/main" val="2778153399"/>
+                    </a:ext>
+                  </a:extLst>
+                </a:gridCol>
+                <a:gridCol w="1502229">
+                  <a:extLst>
+                    <a:ext uri="{9D8B030D-6E8A-4147-A177-3AD203B41FA5}">
+                      <a16:colId xmlns:a16="http://schemas.microsoft.com/office/drawing/2014/main" val="3412367233"/>
+                    </a:ext>
+                  </a:extLst>
+                </a:gridCol>
+              </a:tblGrid>
+              <a:tr h="370840">
+                <a:tc>
+                  <a:txBody>
+                    <a:bodyPr/>
+                    <a:lstStyle/>
+                    <a:p>
+                      <a:r>
+                        <a:rPr lang="en-US" dirty="0"/>
+                        <a:t>Model</a:t>
+                      </a:r>
+                    </a:p>
+                  </a:txBody>
+                  <a:tcPr/>
+                </a:tc>
+                <a:tc>
+                  <a:txBody>
+                    <a:bodyPr/>
+                    <a:lstStyle/>
+                    <a:p>
+                      <a:r>
+                        <a:rPr lang="en-US" dirty="0"/>
+                        <a:t>Accuracy</a:t>
+                      </a:r>
+                    </a:p>
+                  </a:txBody>
+                  <a:tcPr/>
+                </a:tc>
+                <a:tc>
+                  <a:txBody>
+                    <a:bodyPr/>
+                    <a:lstStyle/>
+                    <a:p>
+                      <a:r>
+                        <a:rPr lang="en-US" dirty="0"/>
+                        <a:t>Precision</a:t>
+                      </a:r>
+                    </a:p>
+                  </a:txBody>
+                  <a:tcPr/>
+                </a:tc>
+                <a:tc>
+                  <a:txBody>
+                    <a:bodyPr/>
+                    <a:lstStyle/>
+                    <a:p>
+                      <a:r>
+                        <a:rPr lang="en-US" dirty="0"/>
+                        <a:t>Recall</a:t>
+                      </a:r>
+                    </a:p>
+                  </a:txBody>
+                  <a:tcPr/>
+                </a:tc>
+                <a:tc>
+                  <a:txBody>
+                    <a:bodyPr/>
+                    <a:lstStyle/>
+                    <a:p>
+                      <a:r>
+                        <a:rPr lang="en-US" dirty="0"/>
+                        <a:t>Specificity</a:t>
+                      </a:r>
+                    </a:p>
+                  </a:txBody>
+                  <a:tcPr/>
+                </a:tc>
+                <a:tc>
+                  <a:txBody>
+                    <a:bodyPr/>
+                    <a:lstStyle/>
+                    <a:p>
+                      <a:r>
+                        <a:rPr lang="en-US" dirty="0"/>
+                        <a:t>Sensitivity  </a:t>
+                      </a:r>
+                    </a:p>
+                  </a:txBody>
+                  <a:tcPr/>
+                </a:tc>
+                <a:tc>
+                  <a:txBody>
+                    <a:bodyPr/>
+                    <a:lstStyle/>
+                    <a:p>
+                      <a:r>
+                        <a:rPr lang="en-US" dirty="0"/>
+                        <a:t>F1-Score</a:t>
+                      </a:r>
+                    </a:p>
+                  </a:txBody>
+                  <a:tcPr/>
+                </a:tc>
+                <a:extLst>
+                  <a:ext uri="{0D108BD9-81ED-4DB2-BD59-A6C34878D82A}">
+                    <a16:rowId xmlns:a16="http://schemas.microsoft.com/office/drawing/2014/main" val="4228884047"/>
+                  </a:ext>
+                </a:extLst>
+              </a:tr>
+              <a:tr h="370840">
+                <a:tc>
+                  <a:txBody>
+                    <a:bodyPr/>
+                    <a:lstStyle/>
+                    <a:p>
+                      <a:r>
+                        <a:rPr lang="en-US" dirty="0"/>
+                        <a:t>Fuzzy C Means</a:t>
+                      </a:r>
+                    </a:p>
+                  </a:txBody>
+                  <a:tcPr/>
+                </a:tc>
+                <a:tc>
+                  <a:txBody>
+                    <a:bodyPr/>
+                    <a:lstStyle/>
+                    <a:p>
+                      <a:endParaRPr lang="en-US" dirty="0"/>
+                    </a:p>
+                  </a:txBody>
+                  <a:tcPr/>
+                </a:tc>
+                <a:tc>
+                  <a:txBody>
+                    <a:bodyPr/>
+                    <a:lstStyle/>
+                    <a:p>
+                      <a:endParaRPr lang="en-US"/>
+                    </a:p>
+                  </a:txBody>
+                  <a:tcPr/>
+                </a:tc>
+                <a:tc>
+                  <a:txBody>
+                    <a:bodyPr/>
+                    <a:lstStyle/>
+                    <a:p>
+                      <a:endParaRPr lang="en-US"/>
+                    </a:p>
+                  </a:txBody>
+                  <a:tcPr/>
+                </a:tc>
+                <a:tc>
+                  <a:txBody>
+                    <a:bodyPr/>
+                    <a:lstStyle/>
+                    <a:p>
+                      <a:endParaRPr lang="en-US"/>
+                    </a:p>
+                  </a:txBody>
+                  <a:tcPr/>
+                </a:tc>
+                <a:tc>
+                  <a:txBody>
+                    <a:bodyPr/>
+                    <a:lstStyle/>
+                    <a:p>
+                      <a:endParaRPr lang="en-US"/>
+                    </a:p>
+                  </a:txBody>
+                  <a:tcPr/>
+                </a:tc>
+                <a:tc>
+                  <a:txBody>
+                    <a:bodyPr/>
+                    <a:lstStyle/>
+                    <a:p>
+                      <a:endParaRPr lang="en-US"/>
+                    </a:p>
+                  </a:txBody>
+                  <a:tcPr/>
+                </a:tc>
+                <a:extLst>
+                  <a:ext uri="{0D108BD9-81ED-4DB2-BD59-A6C34878D82A}">
+                    <a16:rowId xmlns:a16="http://schemas.microsoft.com/office/drawing/2014/main" val="866102842"/>
+                  </a:ext>
+                </a:extLst>
+              </a:tr>
+              <a:tr h="370840">
+                <a:tc>
+                  <a:txBody>
+                    <a:bodyPr/>
+                    <a:lstStyle/>
+                    <a:p>
+                      <a:r>
+                        <a:rPr lang="en-US" dirty="0"/>
+                        <a:t>Multi-variable Logistic Regression</a:t>
+                      </a:r>
+                    </a:p>
+                  </a:txBody>
+                  <a:tcPr/>
+                </a:tc>
+                <a:tc>
+                  <a:txBody>
+                    <a:bodyPr/>
+                    <a:lstStyle/>
+                    <a:p>
+                      <a:endParaRPr lang="en-US"/>
+                    </a:p>
+                  </a:txBody>
+                  <a:tcPr/>
+                </a:tc>
+                <a:tc>
+                  <a:txBody>
+                    <a:bodyPr/>
+                    <a:lstStyle/>
+                    <a:p>
+                      <a:endParaRPr lang="en-US"/>
+                    </a:p>
+                  </a:txBody>
+                  <a:tcPr/>
+                </a:tc>
+                <a:tc>
+                  <a:txBody>
+                    <a:bodyPr/>
+                    <a:lstStyle/>
+                    <a:p>
+                      <a:endParaRPr lang="en-US"/>
+                    </a:p>
+                  </a:txBody>
+                  <a:tcPr/>
+                </a:tc>
+                <a:tc>
+                  <a:txBody>
+                    <a:bodyPr/>
+                    <a:lstStyle/>
+                    <a:p>
+                      <a:endParaRPr lang="en-US"/>
+                    </a:p>
+                  </a:txBody>
+                  <a:tcPr/>
+                </a:tc>
+                <a:tc>
+                  <a:txBody>
+                    <a:bodyPr/>
+                    <a:lstStyle/>
+                    <a:p>
+                      <a:endParaRPr lang="en-US"/>
+                    </a:p>
+                  </a:txBody>
+                  <a:tcPr/>
+                </a:tc>
+                <a:tc>
+                  <a:txBody>
+                    <a:bodyPr/>
+                    <a:lstStyle/>
+                    <a:p>
+                      <a:endParaRPr lang="en-US"/>
+                    </a:p>
+                  </a:txBody>
+                  <a:tcPr/>
+                </a:tc>
+                <a:extLst>
+                  <a:ext uri="{0D108BD9-81ED-4DB2-BD59-A6C34878D82A}">
+                    <a16:rowId xmlns:a16="http://schemas.microsoft.com/office/drawing/2014/main" val="391539739"/>
+                  </a:ext>
+                </a:extLst>
+              </a:tr>
+              <a:tr h="370840">
+                <a:tc>
+                  <a:txBody>
+                    <a:bodyPr/>
+                    <a:lstStyle/>
+                    <a:p>
+                      <a:r>
+                        <a:rPr lang="en-US" dirty="0"/>
+                        <a:t>K – Nearest Neighbor</a:t>
+                      </a:r>
+                    </a:p>
+                  </a:txBody>
+                  <a:tcPr/>
+                </a:tc>
+                <a:tc>
+                  <a:txBody>
+                    <a:bodyPr/>
+                    <a:lstStyle/>
+                    <a:p>
+                      <a:endParaRPr lang="en-US"/>
+                    </a:p>
+                  </a:txBody>
+                  <a:tcPr/>
+                </a:tc>
+                <a:tc>
+                  <a:txBody>
+                    <a:bodyPr/>
+                    <a:lstStyle/>
+                    <a:p>
+                      <a:endParaRPr lang="en-US"/>
+                    </a:p>
+                  </a:txBody>
+                  <a:tcPr/>
+                </a:tc>
+                <a:tc>
+                  <a:txBody>
+                    <a:bodyPr/>
+                    <a:lstStyle/>
+                    <a:p>
+                      <a:endParaRPr lang="en-US"/>
+                    </a:p>
+                  </a:txBody>
+                  <a:tcPr/>
+                </a:tc>
+                <a:tc>
+                  <a:txBody>
+                    <a:bodyPr/>
+                    <a:lstStyle/>
+                    <a:p>
+                      <a:endParaRPr lang="en-US"/>
+                    </a:p>
+                  </a:txBody>
+                  <a:tcPr/>
+                </a:tc>
+                <a:tc>
+                  <a:txBody>
+                    <a:bodyPr/>
+                    <a:lstStyle/>
+                    <a:p>
+                      <a:endParaRPr lang="en-US"/>
+                    </a:p>
+                  </a:txBody>
+                  <a:tcPr/>
+                </a:tc>
+                <a:tc>
+                  <a:txBody>
+                    <a:bodyPr/>
+                    <a:lstStyle/>
+                    <a:p>
+                      <a:endParaRPr lang="en-US"/>
+                    </a:p>
+                  </a:txBody>
+                  <a:tcPr/>
+                </a:tc>
+                <a:extLst>
+                  <a:ext uri="{0D108BD9-81ED-4DB2-BD59-A6C34878D82A}">
+                    <a16:rowId xmlns:a16="http://schemas.microsoft.com/office/drawing/2014/main" val="74420869"/>
+                  </a:ext>
+                </a:extLst>
+              </a:tr>
+              <a:tr h="370840">
+                <a:tc>
+                  <a:txBody>
+                    <a:bodyPr/>
+                    <a:lstStyle/>
+                    <a:p>
+                      <a:r>
+                        <a:rPr lang="en-US" dirty="0"/>
+                        <a:t>Random Forest</a:t>
+                      </a:r>
+                    </a:p>
+                  </a:txBody>
+                  <a:tcPr/>
+                </a:tc>
+                <a:tc>
+                  <a:txBody>
+                    <a:bodyPr/>
+                    <a:lstStyle/>
+                    <a:p>
+                      <a:endParaRPr lang="en-US"/>
+                    </a:p>
+                  </a:txBody>
+                  <a:tcPr/>
+                </a:tc>
+                <a:tc>
+                  <a:txBody>
+                    <a:bodyPr/>
+                    <a:lstStyle/>
+                    <a:p>
+                      <a:endParaRPr lang="en-US"/>
+                    </a:p>
+                  </a:txBody>
+                  <a:tcPr/>
+                </a:tc>
+                <a:tc>
+                  <a:txBody>
+                    <a:bodyPr/>
+                    <a:lstStyle/>
+                    <a:p>
+                      <a:endParaRPr lang="en-US"/>
+                    </a:p>
+                  </a:txBody>
+                  <a:tcPr/>
+                </a:tc>
+                <a:tc>
+                  <a:txBody>
+                    <a:bodyPr/>
+                    <a:lstStyle/>
+                    <a:p>
+                      <a:endParaRPr lang="en-US"/>
+                    </a:p>
+                  </a:txBody>
+                  <a:tcPr/>
+                </a:tc>
+                <a:tc>
+                  <a:txBody>
+                    <a:bodyPr/>
+                    <a:lstStyle/>
+                    <a:p>
+                      <a:endParaRPr lang="en-US"/>
+                    </a:p>
+                  </a:txBody>
+                  <a:tcPr/>
+                </a:tc>
+                <a:tc>
+                  <a:txBody>
+                    <a:bodyPr/>
+                    <a:lstStyle/>
+                    <a:p>
+                      <a:endParaRPr lang="en-US"/>
+                    </a:p>
+                  </a:txBody>
+                  <a:tcPr/>
+                </a:tc>
+                <a:extLst>
+                  <a:ext uri="{0D108BD9-81ED-4DB2-BD59-A6C34878D82A}">
+                    <a16:rowId xmlns:a16="http://schemas.microsoft.com/office/drawing/2014/main" val="1353022774"/>
+                  </a:ext>
+                </a:extLst>
+              </a:tr>
+              <a:tr h="370840">
+                <a:tc>
+                  <a:txBody>
+                    <a:bodyPr/>
+                    <a:lstStyle/>
+                    <a:p>
+                      <a:r>
+                        <a:rPr lang="en-US" dirty="0"/>
+                        <a:t>Multi-Layer Perceptron </a:t>
+                      </a:r>
+                    </a:p>
+                  </a:txBody>
+                  <a:tcPr/>
+                </a:tc>
+                <a:tc>
+                  <a:txBody>
+                    <a:bodyPr/>
+                    <a:lstStyle/>
+                    <a:p>
+                      <a:endParaRPr lang="en-US"/>
+                    </a:p>
+                  </a:txBody>
+                  <a:tcPr/>
+                </a:tc>
+                <a:tc>
+                  <a:txBody>
+                    <a:bodyPr/>
+                    <a:lstStyle/>
+                    <a:p>
+                      <a:endParaRPr lang="en-US"/>
+                    </a:p>
+                  </a:txBody>
+                  <a:tcPr/>
+                </a:tc>
+                <a:tc>
+                  <a:txBody>
+                    <a:bodyPr/>
+                    <a:lstStyle/>
+                    <a:p>
+                      <a:endParaRPr lang="en-US"/>
+                    </a:p>
+                  </a:txBody>
+                  <a:tcPr/>
+                </a:tc>
+                <a:tc>
+                  <a:txBody>
+                    <a:bodyPr/>
+                    <a:lstStyle/>
+                    <a:p>
+                      <a:endParaRPr lang="en-US"/>
+                    </a:p>
+                  </a:txBody>
+                  <a:tcPr/>
+                </a:tc>
+                <a:tc>
+                  <a:txBody>
+                    <a:bodyPr/>
+                    <a:lstStyle/>
+                    <a:p>
+                      <a:endParaRPr lang="en-US"/>
+                    </a:p>
+                  </a:txBody>
+                  <a:tcPr/>
+                </a:tc>
+                <a:tc>
+                  <a:txBody>
+                    <a:bodyPr/>
+                    <a:lstStyle/>
+                    <a:p>
+                      <a:endParaRPr lang="en-US" dirty="0"/>
+                    </a:p>
+                  </a:txBody>
+                  <a:tcPr/>
+                </a:tc>
+                <a:extLst>
+                  <a:ext uri="{0D108BD9-81ED-4DB2-BD59-A6C34878D82A}">
+                    <a16:rowId xmlns:a16="http://schemas.microsoft.com/office/drawing/2014/main" val="953302864"/>
+                  </a:ext>
+                </a:extLst>
+              </a:tr>
+            </a:tbl>
+          </a:graphicData>
+        </a:graphic>
+      </p:graphicFrame>
     </p:spTree>
     <p:extLst>
       <p:ext uri="{BB962C8B-B14F-4D97-AF65-F5344CB8AC3E}">
-        <p14:creationId xmlns:p14="http://schemas.microsoft.com/office/powerpoint/2010/main" val="116884129"/>
+        <p14:creationId xmlns:p14="http://schemas.microsoft.com/office/powerpoint/2010/main" val="4004627679"/>
+      </p:ext>
+    </p:extLst>
+  </p:cSld>
+  <p:clrMapOvr>
+    <a:masterClrMapping/>
+  </p:clrMapOvr>
+</p:sld>
+</file>
+
+<file path=ppt/slides/slide9.xml><?xml version="1.0" encoding="utf-8"?>
+<p:sld xmlns:a="http://schemas.openxmlformats.org/drawingml/2006/main" xmlns:r="http://schemas.openxmlformats.org/officeDocument/2006/relationships" xmlns:p="http://schemas.openxmlformats.org/presentationml/2006/main">
+  <p:cSld>
+    <p:spTree>
+      <p:nvGrpSpPr>
+        <p:cNvPr id="1" name=""/>
+        <p:cNvGrpSpPr/>
+        <p:nvPr/>
+      </p:nvGrpSpPr>
+      <p:grpSpPr>
+        <a:xfrm>
+          <a:off x="0" y="0"/>
+          <a:ext cx="0" cy="0"/>
+          <a:chOff x="0" y="0"/>
+          <a:chExt cx="0" cy="0"/>
+        </a:xfrm>
+      </p:grpSpPr>
+      <p:sp>
+        <p:nvSpPr>
+          <p:cNvPr id="2" name="Title 1">
+            <a:extLst>
+              <a:ext uri="{FF2B5EF4-FFF2-40B4-BE49-F238E27FC236}">
+                <a16:creationId xmlns:a16="http://schemas.microsoft.com/office/drawing/2014/main" id="{BD000632-3C50-B943-89B8-75B5A50152BB}"/>
+              </a:ext>
+            </a:extLst>
+          </p:cNvPr>
+          <p:cNvSpPr>
+            <a:spLocks noGrp="1"/>
+          </p:cNvSpPr>
+          <p:nvPr>
+            <p:ph type="title"/>
+          </p:nvPr>
+        </p:nvSpPr>
+        <p:spPr/>
+        <p:txBody>
+          <a:bodyPr/>
+          <a:lstStyle/>
+          <a:p>
+            <a:r>
+              <a:rPr lang="en-US" dirty="0"/>
+              <a:t>Roc Curves</a:t>
+            </a:r>
+          </a:p>
+        </p:txBody>
+      </p:sp>
+      <p:sp>
+        <p:nvSpPr>
+          <p:cNvPr id="3" name="Content Placeholder 2">
+            <a:extLst>
+              <a:ext uri="{FF2B5EF4-FFF2-40B4-BE49-F238E27FC236}">
+                <a16:creationId xmlns:a16="http://schemas.microsoft.com/office/drawing/2014/main" id="{6F2E3DB9-3B11-5A4D-BE52-EDD85B6C08F3}"/>
+              </a:ext>
+            </a:extLst>
+          </p:cNvPr>
+          <p:cNvSpPr>
+            <a:spLocks noGrp="1"/>
+          </p:cNvSpPr>
+          <p:nvPr>
+            <p:ph idx="1"/>
+          </p:nvPr>
+        </p:nvSpPr>
+        <p:spPr/>
+        <p:txBody>
+          <a:bodyPr/>
+          <a:lstStyle/>
+          <a:p>
+            <a:endParaRPr lang="en-US"/>
+          </a:p>
+        </p:txBody>
+      </p:sp>
+    </p:spTree>
+    <p:extLst>
+      <p:ext uri="{BB962C8B-B14F-4D97-AF65-F5344CB8AC3E}">
+        <p14:creationId xmlns:p14="http://schemas.microsoft.com/office/powerpoint/2010/main" val="348958088"/>
       </p:ext>
     </p:extLst>
   </p:cSld>

--- a/documents/presentation.pptx
+++ b/documents/presentation.pptx
@@ -279,7 +279,7 @@
           <a:p>
             <a:fld id="{1C5B6DA1-888F-3646-B1A1-509F9E9697D0}" type="datetimeFigureOut">
               <a:rPr lang="en-US" smtClean="0"/>
-              <a:t>11/21/19</a:t>
+              <a:t>11/23/19</a:t>
             </a:fld>
             <a:endParaRPr lang="en-US"/>
           </a:p>
@@ -477,7 +477,7 @@
           <a:p>
             <a:fld id="{1C5B6DA1-888F-3646-B1A1-509F9E9697D0}" type="datetimeFigureOut">
               <a:rPr lang="en-US" smtClean="0"/>
-              <a:t>11/21/19</a:t>
+              <a:t>11/23/19</a:t>
             </a:fld>
             <a:endParaRPr lang="en-US"/>
           </a:p>
@@ -685,7 +685,7 @@
           <a:p>
             <a:fld id="{1C5B6DA1-888F-3646-B1A1-509F9E9697D0}" type="datetimeFigureOut">
               <a:rPr lang="en-US" smtClean="0"/>
-              <a:t>11/21/19</a:t>
+              <a:t>11/23/19</a:t>
             </a:fld>
             <a:endParaRPr lang="en-US"/>
           </a:p>
@@ -883,7 +883,7 @@
           <a:p>
             <a:fld id="{1C5B6DA1-888F-3646-B1A1-509F9E9697D0}" type="datetimeFigureOut">
               <a:rPr lang="en-US" smtClean="0"/>
-              <a:t>11/21/19</a:t>
+              <a:t>11/23/19</a:t>
             </a:fld>
             <a:endParaRPr lang="en-US"/>
           </a:p>
@@ -1158,7 +1158,7 @@
           <a:p>
             <a:fld id="{1C5B6DA1-888F-3646-B1A1-509F9E9697D0}" type="datetimeFigureOut">
               <a:rPr lang="en-US" smtClean="0"/>
-              <a:t>11/21/19</a:t>
+              <a:t>11/23/19</a:t>
             </a:fld>
             <a:endParaRPr lang="en-US"/>
           </a:p>
@@ -1423,7 +1423,7 @@
           <a:p>
             <a:fld id="{1C5B6DA1-888F-3646-B1A1-509F9E9697D0}" type="datetimeFigureOut">
               <a:rPr lang="en-US" smtClean="0"/>
-              <a:t>11/21/19</a:t>
+              <a:t>11/23/19</a:t>
             </a:fld>
             <a:endParaRPr lang="en-US"/>
           </a:p>
@@ -1835,7 +1835,7 @@
           <a:p>
             <a:fld id="{1C5B6DA1-888F-3646-B1A1-509F9E9697D0}" type="datetimeFigureOut">
               <a:rPr lang="en-US" smtClean="0"/>
-              <a:t>11/21/19</a:t>
+              <a:t>11/23/19</a:t>
             </a:fld>
             <a:endParaRPr lang="en-US"/>
           </a:p>
@@ -1976,7 +1976,7 @@
           <a:p>
             <a:fld id="{1C5B6DA1-888F-3646-B1A1-509F9E9697D0}" type="datetimeFigureOut">
               <a:rPr lang="en-US" smtClean="0"/>
-              <a:t>11/21/19</a:t>
+              <a:t>11/23/19</a:t>
             </a:fld>
             <a:endParaRPr lang="en-US"/>
           </a:p>
@@ -2089,7 +2089,7 @@
           <a:p>
             <a:fld id="{1C5B6DA1-888F-3646-B1A1-509F9E9697D0}" type="datetimeFigureOut">
               <a:rPr lang="en-US" smtClean="0"/>
-              <a:t>11/21/19</a:t>
+              <a:t>11/23/19</a:t>
             </a:fld>
             <a:endParaRPr lang="en-US"/>
           </a:p>
@@ -2400,7 +2400,7 @@
           <a:p>
             <a:fld id="{1C5B6DA1-888F-3646-B1A1-509F9E9697D0}" type="datetimeFigureOut">
               <a:rPr lang="en-US" smtClean="0"/>
-              <a:t>11/21/19</a:t>
+              <a:t>11/23/19</a:t>
             </a:fld>
             <a:endParaRPr lang="en-US"/>
           </a:p>
@@ -2688,7 +2688,7 @@
           <a:p>
             <a:fld id="{1C5B6DA1-888F-3646-B1A1-509F9E9697D0}" type="datetimeFigureOut">
               <a:rPr lang="en-US" smtClean="0"/>
-              <a:t>11/21/19</a:t>
+              <a:t>11/23/19</a:t>
             </a:fld>
             <a:endParaRPr lang="en-US"/>
           </a:p>
@@ -2929,7 +2929,7 @@
           <a:p>
             <a:fld id="{1C5B6DA1-888F-3646-B1A1-509F9E9697D0}" type="datetimeFigureOut">
               <a:rPr lang="en-US" smtClean="0"/>
-              <a:t>11/21/19</a:t>
+              <a:t>11/23/19</a:t>
             </a:fld>
             <a:endParaRPr lang="en-US"/>
           </a:p>
@@ -4594,7 +4594,7 @@
           <p:nvPr>
             <p:extLst>
               <p:ext uri="{D42A27DB-BD31-4B8C-83A1-F6EECF244321}">
-                <p14:modId xmlns:p14="http://schemas.microsoft.com/office/powerpoint/2010/main" val="2974486863"/>
+                <p14:modId xmlns:p14="http://schemas.microsoft.com/office/powerpoint/2010/main" val="3138720293"/>
               </p:ext>
             </p:extLst>
           </p:nvPr>
@@ -4759,28 +4759,34 @@
                     <a:p>
                       <a:r>
                         <a:rPr lang="en-US" dirty="0"/>
-                        <a:t>2</a:t>
-                      </a:r>
-                    </a:p>
-                  </a:txBody>
-                  <a:tcPr/>
-                </a:tc>
-                <a:tc>
-                  <a:txBody>
-                    <a:bodyPr/>
-                    <a:lstStyle/>
-                    <a:p>
-                      <a:endParaRPr lang="en-US" dirty="0"/>
-                    </a:p>
-                  </a:txBody>
-                  <a:tcPr/>
-                </a:tc>
-                <a:tc>
-                  <a:txBody>
-                    <a:bodyPr/>
-                    <a:lstStyle/>
-                    <a:p>
-                      <a:endParaRPr lang="en-US" dirty="0"/>
+                        <a:t>54.37</a:t>
+                      </a:r>
+                    </a:p>
+                  </a:txBody>
+                  <a:tcPr/>
+                </a:tc>
+                <a:tc>
+                  <a:txBody>
+                    <a:bodyPr/>
+                    <a:lstStyle/>
+                    <a:p>
+                      <a:r>
+                        <a:rPr lang="en-US" dirty="0"/>
+                        <a:t>9.10</a:t>
+                      </a:r>
+                    </a:p>
+                  </a:txBody>
+                  <a:tcPr/>
+                </a:tc>
+                <a:tc>
+                  <a:txBody>
+                    <a:bodyPr/>
+                    <a:lstStyle/>
+                    <a:p>
+                      <a:r>
+                        <a:rPr lang="en-US" dirty="0"/>
+                        <a:t>29-77</a:t>
+                      </a:r>
                     </a:p>
                   </a:txBody>
                   <a:tcPr/>
@@ -4839,293 +4845,38 @@
                     <a:p>
                       <a:r>
                         <a:rPr lang="en-US" dirty="0"/>
-                        <a:t>4</a:t>
-                      </a:r>
-                    </a:p>
-                  </a:txBody>
-                  <a:tcPr/>
-                </a:tc>
-                <a:tc>
-                  <a:txBody>
-                    <a:bodyPr/>
-                    <a:lstStyle/>
-                    <a:p>
-                      <a:endParaRPr lang="en-US"/>
-                    </a:p>
-                  </a:txBody>
-                  <a:tcPr/>
-                </a:tc>
-                <a:tc>
-                  <a:txBody>
-                    <a:bodyPr/>
-                    <a:lstStyle/>
-                    <a:p>
-                      <a:endParaRPr lang="en-US"/>
-                    </a:p>
-                  </a:txBody>
-                  <a:tcPr/>
-                </a:tc>
-                <a:tc>
-                  <a:txBody>
-                    <a:bodyPr/>
-                    <a:lstStyle/>
-                    <a:p>
-                      <a:endParaRPr lang="en-US" dirty="0"/>
-                    </a:p>
-                  </a:txBody>
-                  <a:tcPr/>
-                </a:tc>
-                <a:tc>
-                  <a:txBody>
-                    <a:bodyPr/>
-                    <a:lstStyle/>
-                    <a:p>
-                      <a:r>
-                        <a:rPr lang="en-US" dirty="0"/>
-                        <a:t>Resting Blood Pressure</a:t>
-                      </a:r>
-                    </a:p>
-                  </a:txBody>
-                  <a:tcPr/>
-                </a:tc>
-                <a:extLst>
-                  <a:ext uri="{0D108BD9-81ED-4DB2-BD59-A6C34878D82A}">
-                    <a16:rowId xmlns:a16="http://schemas.microsoft.com/office/drawing/2014/main" val="1958690204"/>
-                  </a:ext>
-                </a:extLst>
-              </a:tr>
-              <a:tr h="602049">
-                <a:tc>
-                  <a:txBody>
-                    <a:bodyPr/>
-                    <a:lstStyle/>
-                    <a:p>
-                      <a:r>
-                        <a:rPr lang="en-US" dirty="0"/>
-                        <a:t>Chol</a:t>
-                      </a:r>
-                    </a:p>
-                  </a:txBody>
-                  <a:tcPr/>
-                </a:tc>
-                <a:tc>
-                  <a:txBody>
-                    <a:bodyPr/>
-                    <a:lstStyle/>
-                    <a:p>
-                      <a:r>
-                        <a:rPr lang="en-US" dirty="0"/>
-                        <a:t>2</a:t>
-                      </a:r>
-                    </a:p>
-                  </a:txBody>
-                  <a:tcPr/>
-                </a:tc>
-                <a:tc>
-                  <a:txBody>
-                    <a:bodyPr/>
-                    <a:lstStyle/>
-                    <a:p>
-                      <a:endParaRPr lang="en-US"/>
-                    </a:p>
-                  </a:txBody>
-                  <a:tcPr/>
-                </a:tc>
-                <a:tc>
-                  <a:txBody>
-                    <a:bodyPr/>
-                    <a:lstStyle/>
-                    <a:p>
-                      <a:endParaRPr lang="en-US" dirty="0"/>
-                    </a:p>
-                  </a:txBody>
-                  <a:tcPr/>
-                </a:tc>
-                <a:tc>
-                  <a:txBody>
-                    <a:bodyPr/>
-                    <a:lstStyle/>
-                    <a:p>
-                      <a:endParaRPr lang="en-US"/>
-                    </a:p>
-                  </a:txBody>
-                  <a:tcPr/>
-                </a:tc>
-                <a:tc>
-                  <a:txBody>
-                    <a:bodyPr/>
-                    <a:lstStyle/>
-                    <a:p>
-                      <a:r>
-                        <a:rPr lang="en-US" dirty="0" err="1"/>
-                        <a:t>Cholestrol</a:t>
-                      </a:r>
-                      <a:endParaRPr lang="en-US" dirty="0"/>
-                    </a:p>
-                  </a:txBody>
-                  <a:tcPr/>
-                </a:tc>
-                <a:extLst>
-                  <a:ext uri="{0D108BD9-81ED-4DB2-BD59-A6C34878D82A}">
-                    <a16:rowId xmlns:a16="http://schemas.microsoft.com/office/drawing/2014/main" val="3620477404"/>
-                  </a:ext>
-                </a:extLst>
-              </a:tr>
-              <a:tr h="586355">
-                <a:tc>
-                  <a:txBody>
-                    <a:bodyPr/>
-                    <a:lstStyle/>
-                    <a:p>
-                      <a:r>
-                        <a:rPr lang="en-US" dirty="0" err="1"/>
-                        <a:t>Thalach</a:t>
-                      </a:r>
-                      <a:endParaRPr lang="en-US" dirty="0"/>
-                    </a:p>
-                  </a:txBody>
-                  <a:tcPr/>
-                </a:tc>
-                <a:tc>
-                  <a:txBody>
-                    <a:bodyPr/>
-                    <a:lstStyle/>
-                    <a:p>
-                      <a:r>
-                        <a:rPr lang="en-US" dirty="0"/>
-                        <a:t>3</a:t>
-                      </a:r>
-                    </a:p>
-                  </a:txBody>
-                  <a:tcPr/>
-                </a:tc>
-                <a:tc>
-                  <a:txBody>
-                    <a:bodyPr/>
-                    <a:lstStyle/>
-                    <a:p>
-                      <a:endParaRPr lang="en-US"/>
-                    </a:p>
-                  </a:txBody>
-                  <a:tcPr/>
-                </a:tc>
-                <a:tc>
-                  <a:txBody>
-                    <a:bodyPr/>
-                    <a:lstStyle/>
-                    <a:p>
-                      <a:endParaRPr lang="en-US" dirty="0"/>
-                    </a:p>
-                  </a:txBody>
-                  <a:tcPr/>
-                </a:tc>
-                <a:tc>
-                  <a:txBody>
-                    <a:bodyPr/>
-                    <a:lstStyle/>
-                    <a:p>
-                      <a:endParaRPr lang="en-US" dirty="0"/>
-                    </a:p>
-                  </a:txBody>
-                  <a:tcPr/>
-                </a:tc>
-                <a:tc>
-                  <a:txBody>
-                    <a:bodyPr/>
-                    <a:lstStyle/>
-                    <a:p>
-                      <a:r>
-                        <a:rPr lang="en-US" dirty="0"/>
-                        <a:t>Max Heart Rate Achieved</a:t>
-                      </a:r>
-                    </a:p>
-                  </a:txBody>
-                  <a:tcPr/>
-                </a:tc>
-                <a:extLst>
-                  <a:ext uri="{0D108BD9-81ED-4DB2-BD59-A6C34878D82A}">
-                    <a16:rowId xmlns:a16="http://schemas.microsoft.com/office/drawing/2014/main" val="2210812529"/>
-                  </a:ext>
-                </a:extLst>
-              </a:tr>
-              <a:tr h="586355">
-                <a:tc>
-                  <a:txBody>
-                    <a:bodyPr/>
-                    <a:lstStyle/>
-                    <a:p>
-                      <a:r>
-                        <a:rPr lang="en-US" dirty="0" err="1"/>
-                        <a:t>Oldpeak</a:t>
-                      </a:r>
-                      <a:endParaRPr lang="en-US" dirty="0"/>
-                    </a:p>
-                  </a:txBody>
-                  <a:tcPr/>
-                </a:tc>
-                <a:tc>
-                  <a:txBody>
-                    <a:bodyPr/>
-                    <a:lstStyle/>
-                    <a:p>
-                      <a:r>
-                        <a:rPr lang="en-US" dirty="0"/>
-                        <a:t>2</a:t>
-                      </a:r>
-                    </a:p>
-                  </a:txBody>
-                  <a:tcPr/>
-                </a:tc>
-                <a:tc>
-                  <a:txBody>
-                    <a:bodyPr/>
-                    <a:lstStyle/>
-                    <a:p>
-                      <a:endParaRPr lang="en-US"/>
-                    </a:p>
-                  </a:txBody>
-                  <a:tcPr/>
-                </a:tc>
-                <a:tc>
-                  <a:txBody>
-                    <a:bodyPr/>
-                    <a:lstStyle/>
-                    <a:p>
-                      <a:endParaRPr lang="en-US"/>
-                    </a:p>
-                  </a:txBody>
-                  <a:tcPr/>
-                </a:tc>
-                <a:tc>
-                  <a:txBody>
-                    <a:bodyPr/>
-                    <a:lstStyle/>
-                    <a:p>
-                      <a:endParaRPr lang="en-US"/>
-                    </a:p>
-                  </a:txBody>
-                  <a:tcPr/>
-                </a:tc>
-                <a:tc>
-                  <a:txBody>
-                    <a:bodyPr/>
-                    <a:lstStyle/>
-                    <a:p>
-                      <a:r>
-                        <a:rPr lang="en-US" dirty="0"/>
-                        <a:t>ST Depression Induced by Exercise Relative to Rest</a:t>
-                      </a:r>
-                    </a:p>
-                  </a:txBody>
-                  <a:tcPr/>
-                </a:tc>
-                <a:extLst>
-                  <a:ext uri="{0D108BD9-81ED-4DB2-BD59-A6C34878D82A}">
-                    <a16:rowId xmlns:a16="http://schemas.microsoft.com/office/drawing/2014/main" val="2603487443"/>
-                  </a:ext>
-                </a:extLst>
-              </a:tr>
-              <a:tr h="602049">
+                        <a:t>131.62</a:t>
+                      </a:r>
+                    </a:p>
+                  </a:txBody>
+                  <a:tcPr/>
+                </a:tc>
+                <a:tc>
+                  <a:txBody>
+                    <a:bodyPr/>
+                    <a:lstStyle/>
+                    <a:p>
+                      <a:r>
+                        <a:rPr lang="en-US" dirty="0"/>
+                        <a:t>17.54</a:t>
+                      </a:r>
+                    </a:p>
+                  </a:txBody>
+                  <a:tcPr/>
+                </a:tc>
+                <a:tc>
+                  <a:txBody>
+                    <a:bodyPr/>
+                    <a:lstStyle/>
+                    <a:p>
+                      <a:r>
+                        <a:rPr lang="en-US" dirty="0"/>
+                        <a:t>94-200</a:t>
+                      </a:r>
+                    </a:p>
+                  </a:txBody>
+                  <a:tcPr/>
+                </a:tc>
                 <a:tc>
                   <a:txBody>
                     <a:bodyPr/>
@@ -5150,63 +4901,20 @@
                       </a:pPr>
                       <a:r>
                         <a:rPr lang="en-US" dirty="0"/>
-                        <a:t>Slope</a:t>
-                      </a:r>
-                    </a:p>
-                  </a:txBody>
-                  <a:tcPr/>
-                </a:tc>
-                <a:tc>
-                  <a:txBody>
-                    <a:bodyPr/>
-                    <a:lstStyle/>
-                    <a:p>
-                      <a:r>
-                        <a:rPr lang="en-US" dirty="0"/>
-                        <a:t>3</a:t>
-                      </a:r>
-                    </a:p>
-                  </a:txBody>
-                  <a:tcPr/>
-                </a:tc>
-                <a:tc>
-                  <a:txBody>
-                    <a:bodyPr/>
-                    <a:lstStyle/>
-                    <a:p>
-                      <a:endParaRPr lang="en-US"/>
-                    </a:p>
-                  </a:txBody>
-                  <a:tcPr/>
-                </a:tc>
-                <a:tc>
-                  <a:txBody>
-                    <a:bodyPr/>
-                    <a:lstStyle/>
-                    <a:p>
-                      <a:endParaRPr lang="en-US"/>
-                    </a:p>
-                  </a:txBody>
-                  <a:tcPr/>
-                </a:tc>
-                <a:tc>
-                  <a:txBody>
-                    <a:bodyPr/>
-                    <a:lstStyle/>
-                    <a:p>
-                      <a:endParaRPr lang="en-US"/>
-                    </a:p>
-                  </a:txBody>
-                  <a:tcPr/>
-                </a:tc>
-                <a:tc>
-                  <a:txBody>
-                    <a:bodyPr/>
-                    <a:lstStyle/>
-                    <a:p>
-                      <a:r>
-                        <a:rPr lang="en-US" dirty="0"/>
-                        <a:t>Slope of the Peak Exercise Relative to Rest</a:t>
+                        <a:t>Z-Score</a:t>
+                      </a:r>
+                    </a:p>
+                  </a:txBody>
+                  <a:tcPr/>
+                </a:tc>
+                <a:tc>
+                  <a:txBody>
+                    <a:bodyPr/>
+                    <a:lstStyle/>
+                    <a:p>
+                      <a:r>
+                        <a:rPr lang="en-US" dirty="0"/>
+                        <a:t>Resting Blood Pressure</a:t>
                       </a:r>
                     </a:p>
                   </a:txBody>
@@ -5214,11 +4922,268 @@
                 </a:tc>
                 <a:extLst>
                   <a:ext uri="{0D108BD9-81ED-4DB2-BD59-A6C34878D82A}">
-                    <a16:rowId xmlns:a16="http://schemas.microsoft.com/office/drawing/2014/main" val="2857208965"/>
+                    <a16:rowId xmlns:a16="http://schemas.microsoft.com/office/drawing/2014/main" val="1958690204"/>
+                  </a:ext>
+                </a:extLst>
+              </a:tr>
+              <a:tr h="602049">
+                <a:tc>
+                  <a:txBody>
+                    <a:bodyPr/>
+                    <a:lstStyle/>
+                    <a:p>
+                      <a:r>
+                        <a:rPr lang="en-US" dirty="0"/>
+                        <a:t>Chol</a:t>
+                      </a:r>
+                    </a:p>
+                  </a:txBody>
+                  <a:tcPr/>
+                </a:tc>
+                <a:tc>
+                  <a:txBody>
+                    <a:bodyPr/>
+                    <a:lstStyle/>
+                    <a:p>
+                      <a:r>
+                        <a:rPr lang="en-US" dirty="0"/>
+                        <a:t>246.26</a:t>
+                      </a:r>
+                    </a:p>
+                  </a:txBody>
+                  <a:tcPr/>
+                </a:tc>
+                <a:tc>
+                  <a:txBody>
+                    <a:bodyPr/>
+                    <a:lstStyle/>
+                    <a:p>
+                      <a:r>
+                        <a:rPr lang="en-US" dirty="0"/>
+                        <a:t>51.83</a:t>
+                      </a:r>
+                    </a:p>
+                  </a:txBody>
+                  <a:tcPr/>
+                </a:tc>
+                <a:tc>
+                  <a:txBody>
+                    <a:bodyPr/>
+                    <a:lstStyle/>
+                    <a:p>
+                      <a:r>
+                        <a:rPr lang="en-US" dirty="0"/>
+                        <a:t>126-564</a:t>
+                      </a:r>
+                    </a:p>
+                  </a:txBody>
+                  <a:tcPr/>
+                </a:tc>
+                <a:tc>
+                  <a:txBody>
+                    <a:bodyPr/>
+                    <a:lstStyle/>
+                    <a:p>
+                      <a:r>
+                        <a:rPr lang="en-US" dirty="0"/>
+                        <a:t>Z-Score</a:t>
+                      </a:r>
+                    </a:p>
+                  </a:txBody>
+                  <a:tcPr/>
+                </a:tc>
+                <a:tc>
+                  <a:txBody>
+                    <a:bodyPr/>
+                    <a:lstStyle/>
+                    <a:p>
+                      <a:r>
+                        <a:rPr lang="en-US" dirty="0"/>
+                        <a:t>Cholesterols</a:t>
+                      </a:r>
+                    </a:p>
+                  </a:txBody>
+                  <a:tcPr/>
+                </a:tc>
+                <a:extLst>
+                  <a:ext uri="{0D108BD9-81ED-4DB2-BD59-A6C34878D82A}">
+                    <a16:rowId xmlns:a16="http://schemas.microsoft.com/office/drawing/2014/main" val="3620477404"/>
                   </a:ext>
                 </a:extLst>
               </a:tr>
               <a:tr h="586355">
+                <a:tc>
+                  <a:txBody>
+                    <a:bodyPr/>
+                    <a:lstStyle/>
+                    <a:p>
+                      <a:r>
+                        <a:rPr lang="en-US" dirty="0" err="1"/>
+                        <a:t>Thalach</a:t>
+                      </a:r>
+                      <a:endParaRPr lang="en-US" dirty="0"/>
+                    </a:p>
+                  </a:txBody>
+                  <a:tcPr/>
+                </a:tc>
+                <a:tc>
+                  <a:txBody>
+                    <a:bodyPr/>
+                    <a:lstStyle/>
+                    <a:p>
+                      <a:r>
+                        <a:rPr lang="en-US" dirty="0"/>
+                        <a:t>149.65</a:t>
+                      </a:r>
+                    </a:p>
+                  </a:txBody>
+                  <a:tcPr/>
+                </a:tc>
+                <a:tc>
+                  <a:txBody>
+                    <a:bodyPr/>
+                    <a:lstStyle/>
+                    <a:p>
+                      <a:r>
+                        <a:rPr lang="en-US" dirty="0"/>
+                        <a:t>22.91</a:t>
+                      </a:r>
+                    </a:p>
+                  </a:txBody>
+                  <a:tcPr/>
+                </a:tc>
+                <a:tc>
+                  <a:txBody>
+                    <a:bodyPr/>
+                    <a:lstStyle/>
+                    <a:p>
+                      <a:r>
+                        <a:rPr lang="en-US" dirty="0"/>
+                        <a:t>71-202</a:t>
+                      </a:r>
+                    </a:p>
+                  </a:txBody>
+                  <a:tcPr/>
+                </a:tc>
+                <a:tc>
+                  <a:txBody>
+                    <a:bodyPr/>
+                    <a:lstStyle/>
+                    <a:p>
+                      <a:r>
+                        <a:rPr lang="en-US" dirty="0"/>
+                        <a:t>Z-Score</a:t>
+                      </a:r>
+                    </a:p>
+                  </a:txBody>
+                  <a:tcPr/>
+                </a:tc>
+                <a:tc>
+                  <a:txBody>
+                    <a:bodyPr/>
+                    <a:lstStyle/>
+                    <a:p>
+                      <a:r>
+                        <a:rPr lang="en-US" dirty="0"/>
+                        <a:t>Max Heart Rate Achieved</a:t>
+                      </a:r>
+                    </a:p>
+                  </a:txBody>
+                  <a:tcPr/>
+                </a:tc>
+                <a:extLst>
+                  <a:ext uri="{0D108BD9-81ED-4DB2-BD59-A6C34878D82A}">
+                    <a16:rowId xmlns:a16="http://schemas.microsoft.com/office/drawing/2014/main" val="2210812529"/>
+                  </a:ext>
+                </a:extLst>
+              </a:tr>
+              <a:tr h="586355">
+                <a:tc>
+                  <a:txBody>
+                    <a:bodyPr/>
+                    <a:lstStyle/>
+                    <a:p>
+                      <a:r>
+                        <a:rPr lang="en-US" dirty="0" err="1"/>
+                        <a:t>Oldpeak</a:t>
+                      </a:r>
+                      <a:endParaRPr lang="en-US" dirty="0"/>
+                    </a:p>
+                  </a:txBody>
+                  <a:tcPr/>
+                </a:tc>
+                <a:tc>
+                  <a:txBody>
+                    <a:bodyPr/>
+                    <a:lstStyle/>
+                    <a:p>
+                      <a:r>
+                        <a:rPr lang="en-US" dirty="0"/>
+                        <a:t>1.04</a:t>
+                      </a:r>
+                    </a:p>
+                  </a:txBody>
+                  <a:tcPr/>
+                </a:tc>
+                <a:tc>
+                  <a:txBody>
+                    <a:bodyPr/>
+                    <a:lstStyle/>
+                    <a:p>
+                      <a:r>
+                        <a:rPr lang="en-US" dirty="0"/>
+                        <a:t>1.16</a:t>
+                      </a:r>
+                    </a:p>
+                  </a:txBody>
+                  <a:tcPr/>
+                </a:tc>
+                <a:tc>
+                  <a:txBody>
+                    <a:bodyPr/>
+                    <a:lstStyle/>
+                    <a:p>
+                      <a:r>
+                        <a:rPr lang="en-US" dirty="0"/>
+                        <a:t>0-6.2</a:t>
+                      </a:r>
+                    </a:p>
+                  </a:txBody>
+                  <a:tcPr/>
+                </a:tc>
+                <a:tc>
+                  <a:txBody>
+                    <a:bodyPr/>
+                    <a:lstStyle/>
+                    <a:p>
+                      <a:r>
+                        <a:rPr lang="en-US" dirty="0"/>
+                        <a:t>Z-Score</a:t>
+                      </a:r>
+                    </a:p>
+                  </a:txBody>
+                  <a:tcPr/>
+                </a:tc>
+                <a:tc>
+                  <a:txBody>
+                    <a:bodyPr/>
+                    <a:lstStyle/>
+                    <a:p>
+                      <a:r>
+                        <a:rPr lang="en-US" dirty="0"/>
+                        <a:t>ST Depression Induced by Exercise Relative to Rest</a:t>
+                      </a:r>
+                    </a:p>
+                  </a:txBody>
+                  <a:tcPr/>
+                </a:tc>
+                <a:extLst>
+                  <a:ext uri="{0D108BD9-81ED-4DB2-BD59-A6C34878D82A}">
+                    <a16:rowId xmlns:a16="http://schemas.microsoft.com/office/drawing/2014/main" val="2603487443"/>
+                  </a:ext>
+                </a:extLst>
+              </a:tr>
+              <a:tr h="602049">
                 <a:tc>
                   <a:txBody>
                     <a:bodyPr/>
@@ -5243,6 +5208,108 @@
                       </a:pPr>
                       <a:r>
                         <a:rPr lang="en-US" dirty="0"/>
+                        <a:t>Slope</a:t>
+                      </a:r>
+                    </a:p>
+                  </a:txBody>
+                  <a:tcPr/>
+                </a:tc>
+                <a:tc>
+                  <a:txBody>
+                    <a:bodyPr/>
+                    <a:lstStyle/>
+                    <a:p>
+                      <a:r>
+                        <a:rPr lang="en-US" dirty="0"/>
+                        <a:t>1.40</a:t>
+                      </a:r>
+                    </a:p>
+                  </a:txBody>
+                  <a:tcPr/>
+                </a:tc>
+                <a:tc>
+                  <a:txBody>
+                    <a:bodyPr/>
+                    <a:lstStyle/>
+                    <a:p>
+                      <a:r>
+                        <a:rPr lang="en-US" dirty="0"/>
+                        <a:t>0.62</a:t>
+                      </a:r>
+                    </a:p>
+                  </a:txBody>
+                  <a:tcPr/>
+                </a:tc>
+                <a:tc>
+                  <a:txBody>
+                    <a:bodyPr/>
+                    <a:lstStyle/>
+                    <a:p>
+                      <a:r>
+                        <a:rPr lang="en-US" dirty="0"/>
+                        <a:t>0-2</a:t>
+                      </a:r>
+                    </a:p>
+                  </a:txBody>
+                  <a:tcPr/>
+                </a:tc>
+                <a:tc>
+                  <a:txBody>
+                    <a:bodyPr/>
+                    <a:lstStyle/>
+                    <a:p>
+                      <a:r>
+                        <a:rPr lang="en-US" dirty="0"/>
+                        <a:t>Z-Score</a:t>
+                      </a:r>
+                    </a:p>
+                  </a:txBody>
+                  <a:tcPr/>
+                </a:tc>
+                <a:tc>
+                  <a:txBody>
+                    <a:bodyPr/>
+                    <a:lstStyle/>
+                    <a:p>
+                      <a:r>
+                        <a:rPr lang="en-US" dirty="0"/>
+                        <a:t>Slope of the Peak Exercise Relative to Rest</a:t>
+                      </a:r>
+                    </a:p>
+                  </a:txBody>
+                  <a:tcPr/>
+                </a:tc>
+                <a:extLst>
+                  <a:ext uri="{0D108BD9-81ED-4DB2-BD59-A6C34878D82A}">
+                    <a16:rowId xmlns:a16="http://schemas.microsoft.com/office/drawing/2014/main" val="2857208965"/>
+                  </a:ext>
+                </a:extLst>
+              </a:tr>
+              <a:tr h="586355">
+                <a:tc>
+                  <a:txBody>
+                    <a:bodyPr/>
+                    <a:lstStyle/>
+                    <a:p>
+                      <a:pPr marL="0" marR="0" lvl="0" indent="0" algn="l" defTabSz="914400" rtl="0" eaLnBrk="1" fontAlgn="auto" latinLnBrk="0" hangingPunct="1">
+                        <a:lnSpc>
+                          <a:spcPct val="100000"/>
+                        </a:lnSpc>
+                        <a:spcBef>
+                          <a:spcPts val="0"/>
+                        </a:spcBef>
+                        <a:spcAft>
+                          <a:spcPts val="0"/>
+                        </a:spcAft>
+                        <a:buClrTx/>
+                        <a:buSzTx/>
+                        <a:buFontTx/>
+                        <a:buNone/>
+                        <a:tabLst/>
+                        <a:defRPr/>
+                      </a:pPr>
+                      <a:r>
+                        <a:rPr lang="en-US" dirty="0"/>
                         <a:t>Ca</a:t>
                       </a:r>
                     </a:p>
@@ -5256,27 +5323,21 @@
                     <a:p>
                       <a:r>
                         <a:rPr lang="en-US" dirty="0"/>
-                        <a:t>2</a:t>
-                      </a:r>
-                    </a:p>
-                  </a:txBody>
-                  <a:tcPr/>
-                </a:tc>
-                <a:tc>
-                  <a:txBody>
-                    <a:bodyPr/>
-                    <a:lstStyle/>
-                    <a:p>
-                      <a:endParaRPr lang="en-US"/>
-                    </a:p>
-                  </a:txBody>
-                  <a:tcPr/>
-                </a:tc>
-                <a:tc>
-                  <a:txBody>
-                    <a:bodyPr/>
-                    <a:lstStyle/>
-                    <a:p>
+                        <a:t>0.73</a:t>
+                      </a:r>
+                    </a:p>
+                  </a:txBody>
+                  <a:tcPr/>
+                </a:tc>
+                <a:tc>
+                  <a:txBody>
+                    <a:bodyPr/>
+                    <a:lstStyle/>
+                    <a:p>
+                      <a:r>
+                        <a:rPr lang="en-US"/>
+                        <a:t>1.02</a:t>
+                      </a:r>
                       <a:endParaRPr lang="en-US" dirty="0"/>
                     </a:p>
                   </a:txBody>
@@ -5287,7 +5348,23 @@
                     <a:bodyPr/>
                     <a:lstStyle/>
                     <a:p>
-                      <a:endParaRPr lang="en-US" dirty="0"/>
+                      <a:r>
+                        <a:rPr lang="en-US" dirty="0"/>
+                        <a:t>0-4</a:t>
+                      </a:r>
+                    </a:p>
+                  </a:txBody>
+                  <a:tcPr/>
+                </a:tc>
+                <a:tc>
+                  <a:txBody>
+                    <a:bodyPr/>
+                    <a:lstStyle/>
+                    <a:p>
+                      <a:r>
+                        <a:rPr lang="en-US" dirty="0"/>
+                        <a:t>Z-Score</a:t>
+                      </a:r>
                     </a:p>
                   </a:txBody>
                   <a:tcPr/>

--- a/documents/presentation.pptx
+++ b/documents/presentation.pptx
@@ -8,16 +8,15 @@
     <p:sldId id="256" r:id="rId2"/>
     <p:sldId id="264" r:id="rId3"/>
     <p:sldId id="265" r:id="rId4"/>
-    <p:sldId id="261" r:id="rId5"/>
-    <p:sldId id="262" r:id="rId6"/>
-    <p:sldId id="259" r:id="rId7"/>
-    <p:sldId id="267" r:id="rId8"/>
-    <p:sldId id="270" r:id="rId9"/>
-    <p:sldId id="271" r:id="rId10"/>
-    <p:sldId id="272" r:id="rId11"/>
-    <p:sldId id="273" r:id="rId12"/>
-    <p:sldId id="268" r:id="rId13"/>
-    <p:sldId id="269" r:id="rId14"/>
+    <p:sldId id="262" r:id="rId5"/>
+    <p:sldId id="259" r:id="rId6"/>
+    <p:sldId id="267" r:id="rId7"/>
+    <p:sldId id="270" r:id="rId8"/>
+    <p:sldId id="271" r:id="rId9"/>
+    <p:sldId id="272" r:id="rId10"/>
+    <p:sldId id="273" r:id="rId11"/>
+    <p:sldId id="268" r:id="rId12"/>
+    <p:sldId id="269" r:id="rId13"/>
   </p:sldIdLst>
   <p:sldSz cx="12192000" cy="6858000"/>
   <p:notesSz cx="6858000" cy="9144000"/>
@@ -3437,7 +3436,7 @@
           <p:cNvPr id="2" name="Title 1">
             <a:extLst>
               <a:ext uri="{FF2B5EF4-FFF2-40B4-BE49-F238E27FC236}">
-                <a16:creationId xmlns:a16="http://schemas.microsoft.com/office/drawing/2014/main" id="{7C73DA48-3FDE-644E-A0B2-ED91B15A7667}"/>
+                <a16:creationId xmlns:a16="http://schemas.microsoft.com/office/drawing/2014/main" id="{8AE8B1CA-A968-2D44-8668-F34DB114C338}"/>
               </a:ext>
             </a:extLst>
           </p:cNvPr>
@@ -3455,7 +3454,7 @@
           <a:p>
             <a:r>
               <a:rPr lang="en-US" dirty="0"/>
-              <a:t>Discussion</a:t>
+              <a:t>Limitations and Future Work </a:t>
             </a:r>
           </a:p>
         </p:txBody>
@@ -3465,7 +3464,7 @@
           <p:cNvPr id="3" name="Content Placeholder 2">
             <a:extLst>
               <a:ext uri="{FF2B5EF4-FFF2-40B4-BE49-F238E27FC236}">
-                <a16:creationId xmlns:a16="http://schemas.microsoft.com/office/drawing/2014/main" id="{58604628-2D7B-B443-BC2C-D279B45C489D}"/>
+                <a16:creationId xmlns:a16="http://schemas.microsoft.com/office/drawing/2014/main" id="{8C6D84B9-BB0D-D740-83D6-6989B137616A}"/>
               </a:ext>
             </a:extLst>
           </p:cNvPr>
@@ -3488,7 +3487,7 @@
     </p:spTree>
     <p:extLst>
       <p:ext uri="{BB962C8B-B14F-4D97-AF65-F5344CB8AC3E}">
-        <p14:creationId xmlns:p14="http://schemas.microsoft.com/office/powerpoint/2010/main" val="303920943"/>
+        <p14:creationId xmlns:p14="http://schemas.microsoft.com/office/powerpoint/2010/main" val="2017981554"/>
       </p:ext>
     </p:extLst>
   </p:cSld>
@@ -3517,89 +3516,6 @@
       </p:grpSpPr>
       <p:sp>
         <p:nvSpPr>
-          <p:cNvPr id="2" name="Title 1">
-            <a:extLst>
-              <a:ext uri="{FF2B5EF4-FFF2-40B4-BE49-F238E27FC236}">
-                <a16:creationId xmlns:a16="http://schemas.microsoft.com/office/drawing/2014/main" id="{8AE8B1CA-A968-2D44-8668-F34DB114C338}"/>
-              </a:ext>
-            </a:extLst>
-          </p:cNvPr>
-          <p:cNvSpPr>
-            <a:spLocks noGrp="1"/>
-          </p:cNvSpPr>
-          <p:nvPr>
-            <p:ph type="title"/>
-          </p:nvPr>
-        </p:nvSpPr>
-        <p:spPr/>
-        <p:txBody>
-          <a:bodyPr/>
-          <a:lstStyle/>
-          <a:p>
-            <a:r>
-              <a:rPr lang="en-US" dirty="0"/>
-              <a:t>Limitations and Future Work </a:t>
-            </a:r>
-          </a:p>
-        </p:txBody>
-      </p:sp>
-      <p:sp>
-        <p:nvSpPr>
-          <p:cNvPr id="3" name="Content Placeholder 2">
-            <a:extLst>
-              <a:ext uri="{FF2B5EF4-FFF2-40B4-BE49-F238E27FC236}">
-                <a16:creationId xmlns:a16="http://schemas.microsoft.com/office/drawing/2014/main" id="{8C6D84B9-BB0D-D740-83D6-6989B137616A}"/>
-              </a:ext>
-            </a:extLst>
-          </p:cNvPr>
-          <p:cNvSpPr>
-            <a:spLocks noGrp="1"/>
-          </p:cNvSpPr>
-          <p:nvPr>
-            <p:ph idx="1"/>
-          </p:nvPr>
-        </p:nvSpPr>
-        <p:spPr/>
-        <p:txBody>
-          <a:bodyPr/>
-          <a:lstStyle/>
-          <a:p>
-            <a:endParaRPr lang="en-US" dirty="0"/>
-          </a:p>
-        </p:txBody>
-      </p:sp>
-    </p:spTree>
-    <p:extLst>
-      <p:ext uri="{BB962C8B-B14F-4D97-AF65-F5344CB8AC3E}">
-        <p14:creationId xmlns:p14="http://schemas.microsoft.com/office/powerpoint/2010/main" val="2017981554"/>
-      </p:ext>
-    </p:extLst>
-  </p:cSld>
-  <p:clrMapOvr>
-    <a:masterClrMapping/>
-  </p:clrMapOvr>
-</p:sld>
-</file>
-
-<file path=ppt/slides/slide12.xml><?xml version="1.0" encoding="utf-8"?>
-<p:sld xmlns:a="http://schemas.openxmlformats.org/drawingml/2006/main" xmlns:r="http://schemas.openxmlformats.org/officeDocument/2006/relationships" xmlns:p="http://schemas.openxmlformats.org/presentationml/2006/main">
-  <p:cSld>
-    <p:spTree>
-      <p:nvGrpSpPr>
-        <p:cNvPr id="1" name=""/>
-        <p:cNvGrpSpPr/>
-        <p:nvPr/>
-      </p:nvGrpSpPr>
-      <p:grpSpPr>
-        <a:xfrm>
-          <a:off x="0" y="0"/>
-          <a:ext cx="0" cy="0"/>
-          <a:chOff x="0" y="0"/>
-          <a:chExt cx="0" cy="0"/>
-        </a:xfrm>
-      </p:grpSpPr>
-      <p:sp>
-        <p:nvSpPr>
           <p:cNvPr id="9" name="Title 8">
             <a:extLst>
               <a:ext uri="{FF2B5EF4-FFF2-40B4-BE49-F238E27FC236}">
@@ -3729,7 +3645,7 @@
 </p:sld>
 </file>
 
-<file path=ppt/slides/slide13.xml><?xml version="1.0" encoding="utf-8"?>
+<file path=ppt/slides/slide12.xml><?xml version="1.0" encoding="utf-8"?>
 <p:sld xmlns:a="http://schemas.openxmlformats.org/drawingml/2006/main" xmlns:r="http://schemas.openxmlformats.org/officeDocument/2006/relationships" xmlns:p="http://schemas.openxmlformats.org/presentationml/2006/main">
   <p:cSld>
     <p:spTree>
@@ -5335,10 +5251,9 @@
                     <a:lstStyle/>
                     <a:p>
                       <a:r>
-                        <a:rPr lang="en-US"/>
+                        <a:rPr lang="en-US" dirty="0"/>
                         <a:t>1.02</a:t>
                       </a:r>
-                      <a:endParaRPr lang="en-US" dirty="0"/>
                     </a:p>
                   </a:txBody>
                   <a:tcPr/>
@@ -5427,7 +5342,7 @@
           <p:cNvPr id="2" name="Title 1">
             <a:extLst>
               <a:ext uri="{FF2B5EF4-FFF2-40B4-BE49-F238E27FC236}">
-                <a16:creationId xmlns:a16="http://schemas.microsoft.com/office/drawing/2014/main" id="{454FA727-1545-B148-ABDF-2B22A5C77F11}"/>
+                <a16:creationId xmlns:a16="http://schemas.microsoft.com/office/drawing/2014/main" id="{4F37A3B1-DCAE-3047-8F0A-C8274DF99F00}"/>
               </a:ext>
             </a:extLst>
           </p:cNvPr>
@@ -5445,7 +5360,7 @@
           <a:p>
             <a:r>
               <a:rPr lang="en-US" dirty="0"/>
-              <a:t>Descriptive Statistics</a:t>
+              <a:t>Dataset Engineering</a:t>
             </a:r>
           </a:p>
         </p:txBody>
@@ -5455,7 +5370,7 @@
           <p:cNvPr id="3" name="Content Placeholder 2">
             <a:extLst>
               <a:ext uri="{FF2B5EF4-FFF2-40B4-BE49-F238E27FC236}">
-                <a16:creationId xmlns:a16="http://schemas.microsoft.com/office/drawing/2014/main" id="{58390AA8-0C5E-D94A-AB9B-2FF948453AA8}"/>
+                <a16:creationId xmlns:a16="http://schemas.microsoft.com/office/drawing/2014/main" id="{9B8595B5-705B-E848-B165-5FB3135CE61A}"/>
               </a:ext>
             </a:extLst>
           </p:cNvPr>
@@ -5468,53 +5383,83 @@
         </p:nvSpPr>
         <p:spPr/>
         <p:txBody>
-          <a:bodyPr/>
+          <a:bodyPr>
+            <a:normAutofit/>
+          </a:bodyPr>
           <a:lstStyle/>
           <a:p>
             <a:r>
               <a:rPr lang="en-US" dirty="0"/>
-              <a:t>Descriptive Statistics</a:t>
+              <a:t>Dataset derived from larger dataset by Data Scientists </a:t>
             </a:r>
           </a:p>
           <a:p>
             <a:pPr lvl="1"/>
             <a:r>
               <a:rPr lang="en-US" dirty="0"/>
-              <a:t>PCA</a:t>
+              <a:t>Most valuable features deduced, 75 -&gt; 13</a:t>
             </a:r>
           </a:p>
           <a:p>
             <a:pPr lvl="1"/>
             <a:r>
               <a:rPr lang="en-US" dirty="0"/>
-              <a:t>Distribution of features plots</a:t>
+              <a:t>Observations do not have any null values</a:t>
+            </a:r>
+          </a:p>
+          <a:p>
+            <a:r>
+              <a:rPr lang="en-US" dirty="0"/>
+              <a:t>Class Balance</a:t>
             </a:r>
           </a:p>
           <a:p>
             <a:pPr lvl="1"/>
             <a:r>
               <a:rPr lang="en-US" dirty="0"/>
-              <a:t>Pearson’s R-value</a:t>
-            </a:r>
-          </a:p>
-          <a:p>
-            <a:pPr marL="0" indent="0">
-              <a:buNone/>
-            </a:pPr>
-            <a:endParaRPr lang="en-US" dirty="0"/>
-          </a:p>
-          <a:p>
-            <a:endParaRPr lang="en-US" dirty="0"/>
-          </a:p>
-          <a:p>
-            <a:endParaRPr lang="en-US" dirty="0"/>
+              <a:t>165 – 54.5% yes</a:t>
+            </a:r>
+          </a:p>
+          <a:p>
+            <a:pPr lvl="1"/>
+            <a:r>
+              <a:rPr lang="en-US" dirty="0"/>
+              <a:t>138 – 45.5% no</a:t>
+            </a:r>
+          </a:p>
+          <a:p>
+            <a:r>
+              <a:rPr lang="en-US" dirty="0"/>
+              <a:t>Cross-validation </a:t>
+            </a:r>
+          </a:p>
+          <a:p>
+            <a:pPr lvl="1"/>
+            <a:r>
+              <a:rPr lang="en-US" dirty="0"/>
+              <a:t>80% training -&gt; 243 observations</a:t>
+            </a:r>
+          </a:p>
+          <a:p>
+            <a:pPr lvl="1"/>
+            <a:r>
+              <a:rPr lang="en-US" dirty="0"/>
+              <a:t>20% testing -&gt; 61 observations</a:t>
+            </a:r>
+          </a:p>
+          <a:p>
+            <a:pPr lvl="1"/>
+            <a:r>
+              <a:rPr lang="en-US" dirty="0"/>
+              <a:t>Repeated 5 Times for different Sampling</a:t>
+            </a:r>
           </a:p>
         </p:txBody>
       </p:sp>
     </p:spTree>
     <p:extLst>
       <p:ext uri="{BB962C8B-B14F-4D97-AF65-F5344CB8AC3E}">
-        <p14:creationId xmlns:p14="http://schemas.microsoft.com/office/powerpoint/2010/main" val="2199094029"/>
+        <p14:creationId xmlns:p14="http://schemas.microsoft.com/office/powerpoint/2010/main" val="836636437"/>
       </p:ext>
     </p:extLst>
   </p:cSld>
@@ -5546,7 +5491,7 @@
           <p:cNvPr id="2" name="Title 1">
             <a:extLst>
               <a:ext uri="{FF2B5EF4-FFF2-40B4-BE49-F238E27FC236}">
-                <a16:creationId xmlns:a16="http://schemas.microsoft.com/office/drawing/2014/main" id="{4F37A3B1-DCAE-3047-8F0A-C8274DF99F00}"/>
+                <a16:creationId xmlns:a16="http://schemas.microsoft.com/office/drawing/2014/main" id="{BF095CB9-0072-F049-90F0-56A100AD81B1}"/>
               </a:ext>
             </a:extLst>
           </p:cNvPr>
@@ -5564,7 +5509,7 @@
           <a:p>
             <a:r>
               <a:rPr lang="en-US" dirty="0"/>
-              <a:t>Dataset Engineering</a:t>
+              <a:t>Data Analysis – Model Overview</a:t>
             </a:r>
           </a:p>
         </p:txBody>
@@ -5574,7 +5519,7 @@
           <p:cNvPr id="3" name="Content Placeholder 2">
             <a:extLst>
               <a:ext uri="{FF2B5EF4-FFF2-40B4-BE49-F238E27FC236}">
-                <a16:creationId xmlns:a16="http://schemas.microsoft.com/office/drawing/2014/main" id="{9B8595B5-705B-E848-B165-5FB3135CE61A}"/>
+                <a16:creationId xmlns:a16="http://schemas.microsoft.com/office/drawing/2014/main" id="{0C98DF47-3C30-0841-85C9-A63FC861B00F}"/>
               </a:ext>
             </a:extLst>
           </p:cNvPr>
@@ -5587,83 +5532,71 @@
         </p:nvSpPr>
         <p:spPr/>
         <p:txBody>
-          <a:bodyPr>
-            <a:normAutofit/>
-          </a:bodyPr>
+          <a:bodyPr/>
           <a:lstStyle/>
           <a:p>
             <a:r>
               <a:rPr lang="en-US" dirty="0"/>
-              <a:t>Dataset derived from larger dataset by Data Scientists </a:t>
+              <a:t>Un-supervised Methods</a:t>
             </a:r>
           </a:p>
           <a:p>
             <a:pPr lvl="1"/>
             <a:r>
               <a:rPr lang="en-US" dirty="0"/>
-              <a:t>Most valuable features deduced, 75 -&gt; 13</a:t>
+              <a:t>Fuzzy K-means Clustering (Tanuja)</a:t>
             </a:r>
           </a:p>
           <a:p>
             <a:pPr lvl="1"/>
+            <a:endParaRPr lang="en-US" dirty="0"/>
+          </a:p>
+          <a:p>
             <a:r>
               <a:rPr lang="en-US" dirty="0"/>
-              <a:t>Observations do not have any null values</a:t>
-            </a:r>
-          </a:p>
-          <a:p>
+              <a:t>Supervised Methods Covered in Class </a:t>
+            </a:r>
+          </a:p>
+          <a:p>
+            <a:pPr lvl="1"/>
             <a:r>
               <a:rPr lang="en-US" dirty="0"/>
-              <a:t>Class Balance</a:t>
+              <a:t>Multi-variable Logistic Regression, Support Vector Machines (Alec)</a:t>
             </a:r>
           </a:p>
           <a:p>
             <a:pPr lvl="1"/>
             <a:r>
               <a:rPr lang="en-US" dirty="0"/>
-              <a:t>165 – 54.5% yes</a:t>
+              <a:t>Multi-Layer Perceptron (Matt)</a:t>
             </a:r>
           </a:p>
           <a:p>
             <a:pPr lvl="1"/>
+            <a:endParaRPr lang="en-US" dirty="0"/>
+          </a:p>
+          <a:p>
             <a:r>
               <a:rPr lang="en-US" dirty="0"/>
-              <a:t>138 – 45.5% no</a:t>
-            </a:r>
-          </a:p>
-          <a:p>
+              <a:t>Supervised Methods Not Covered in Class </a:t>
+            </a:r>
+          </a:p>
+          <a:p>
+            <a:pPr lvl="1"/>
             <a:r>
               <a:rPr lang="en-US" dirty="0"/>
-              <a:t>Cross-validation </a:t>
-            </a:r>
-          </a:p>
-          <a:p>
-            <a:pPr lvl="1"/>
-            <a:r>
-              <a:rPr lang="en-US" dirty="0"/>
-              <a:t>80% training -&gt; 243 observations</a:t>
-            </a:r>
-          </a:p>
-          <a:p>
-            <a:pPr lvl="1"/>
-            <a:r>
-              <a:rPr lang="en-US" dirty="0"/>
-              <a:t>20% testing -&gt; 61 observations</a:t>
-            </a:r>
-          </a:p>
-          <a:p>
-            <a:pPr lvl="1"/>
-            <a:r>
-              <a:rPr lang="en-US" dirty="0"/>
-              <a:t>Repeated 5 Times for different Sampling</a:t>
-            </a:r>
+              <a:t>Random Forest, K – Nearest Neighbor  (Andrew)</a:t>
+            </a:r>
+          </a:p>
+          <a:p>
+            <a:endParaRPr lang="en-US" dirty="0"/>
           </a:p>
         </p:txBody>
       </p:sp>
     </p:spTree>
     <p:extLst>
       <p:ext uri="{BB962C8B-B14F-4D97-AF65-F5344CB8AC3E}">
-        <p14:creationId xmlns:p14="http://schemas.microsoft.com/office/powerpoint/2010/main" val="836636437"/>
+        <p14:creationId xmlns:p14="http://schemas.microsoft.com/office/powerpoint/2010/main" val="116884129"/>
       </p:ext>
     </p:extLst>
   </p:cSld>
@@ -5695,143 +5628,6 @@
           <p:cNvPr id="2" name="Title 1">
             <a:extLst>
               <a:ext uri="{FF2B5EF4-FFF2-40B4-BE49-F238E27FC236}">
-                <a16:creationId xmlns:a16="http://schemas.microsoft.com/office/drawing/2014/main" id="{BF095CB9-0072-F049-90F0-56A100AD81B1}"/>
-              </a:ext>
-            </a:extLst>
-          </p:cNvPr>
-          <p:cNvSpPr>
-            <a:spLocks noGrp="1"/>
-          </p:cNvSpPr>
-          <p:nvPr>
-            <p:ph type="title"/>
-          </p:nvPr>
-        </p:nvSpPr>
-        <p:spPr/>
-        <p:txBody>
-          <a:bodyPr/>
-          <a:lstStyle/>
-          <a:p>
-            <a:r>
-              <a:rPr lang="en-US" dirty="0"/>
-              <a:t>Data Analysis – Model Overview</a:t>
-            </a:r>
-          </a:p>
-        </p:txBody>
-      </p:sp>
-      <p:sp>
-        <p:nvSpPr>
-          <p:cNvPr id="3" name="Content Placeholder 2">
-            <a:extLst>
-              <a:ext uri="{FF2B5EF4-FFF2-40B4-BE49-F238E27FC236}">
-                <a16:creationId xmlns:a16="http://schemas.microsoft.com/office/drawing/2014/main" id="{0C98DF47-3C30-0841-85C9-A63FC861B00F}"/>
-              </a:ext>
-            </a:extLst>
-          </p:cNvPr>
-          <p:cNvSpPr>
-            <a:spLocks noGrp="1"/>
-          </p:cNvSpPr>
-          <p:nvPr>
-            <p:ph idx="1"/>
-          </p:nvPr>
-        </p:nvSpPr>
-        <p:spPr/>
-        <p:txBody>
-          <a:bodyPr/>
-          <a:lstStyle/>
-          <a:p>
-            <a:r>
-              <a:rPr lang="en-US" dirty="0"/>
-              <a:t>Un-supervised Methods</a:t>
-            </a:r>
-          </a:p>
-          <a:p>
-            <a:pPr lvl="1"/>
-            <a:r>
-              <a:rPr lang="en-US" dirty="0"/>
-              <a:t>Fuzzy K-means Clustering (Tanuja)</a:t>
-            </a:r>
-          </a:p>
-          <a:p>
-            <a:pPr lvl="1"/>
-            <a:endParaRPr lang="en-US" dirty="0"/>
-          </a:p>
-          <a:p>
-            <a:r>
-              <a:rPr lang="en-US" dirty="0"/>
-              <a:t>Supervised Methods Covered in Class </a:t>
-            </a:r>
-          </a:p>
-          <a:p>
-            <a:pPr lvl="1"/>
-            <a:r>
-              <a:rPr lang="en-US" dirty="0"/>
-              <a:t>Multi-variable Logistic Regression, Support Vector Machines (Alec)</a:t>
-            </a:r>
-          </a:p>
-          <a:p>
-            <a:pPr lvl="1"/>
-            <a:r>
-              <a:rPr lang="en-US" dirty="0"/>
-              <a:t>Multi-Layer Perceptron (Matt)</a:t>
-            </a:r>
-          </a:p>
-          <a:p>
-            <a:pPr lvl="1"/>
-            <a:endParaRPr lang="en-US" dirty="0"/>
-          </a:p>
-          <a:p>
-            <a:r>
-              <a:rPr lang="en-US" dirty="0"/>
-              <a:t>Supervised Methods Not Covered in Class </a:t>
-            </a:r>
-          </a:p>
-          <a:p>
-            <a:pPr lvl="1"/>
-            <a:r>
-              <a:rPr lang="en-US" dirty="0"/>
-              <a:t>Random Forest, K – Nearest Neighbor  (Andrew)</a:t>
-            </a:r>
-          </a:p>
-          <a:p>
-            <a:endParaRPr lang="en-US" dirty="0"/>
-          </a:p>
-        </p:txBody>
-      </p:sp>
-    </p:spTree>
-    <p:extLst>
-      <p:ext uri="{BB962C8B-B14F-4D97-AF65-F5344CB8AC3E}">
-        <p14:creationId xmlns:p14="http://schemas.microsoft.com/office/powerpoint/2010/main" val="116884129"/>
-      </p:ext>
-    </p:extLst>
-  </p:cSld>
-  <p:clrMapOvr>
-    <a:masterClrMapping/>
-  </p:clrMapOvr>
-</p:sld>
-</file>
-
-<file path=ppt/slides/slide7.xml><?xml version="1.0" encoding="utf-8"?>
-<p:sld xmlns:a="http://schemas.openxmlformats.org/drawingml/2006/main" xmlns:r="http://schemas.openxmlformats.org/officeDocument/2006/relationships" xmlns:p="http://schemas.openxmlformats.org/presentationml/2006/main">
-  <p:cSld>
-    <p:spTree>
-      <p:nvGrpSpPr>
-        <p:cNvPr id="1" name=""/>
-        <p:cNvGrpSpPr/>
-        <p:nvPr/>
-      </p:nvGrpSpPr>
-      <p:grpSpPr>
-        <a:xfrm>
-          <a:off x="0" y="0"/>
-          <a:ext cx="0" cy="0"/>
-          <a:chOff x="0" y="0"/>
-          <a:chExt cx="0" cy="0"/>
-        </a:xfrm>
-      </p:grpSpPr>
-      <p:sp>
-        <p:nvSpPr>
-          <p:cNvPr id="2" name="Title 1">
-            <a:extLst>
-              <a:ext uri="{FF2B5EF4-FFF2-40B4-BE49-F238E27FC236}">
                 <a16:creationId xmlns:a16="http://schemas.microsoft.com/office/drawing/2014/main" id="{AE7513E9-EA65-B448-B80A-818CE0EBB4EB}"/>
               </a:ext>
             </a:extLst>
@@ -5988,7 +5784,7 @@
 </p:sld>
 </file>
 
-<file path=ppt/slides/slide8.xml><?xml version="1.0" encoding="utf-8"?>
+<file path=ppt/slides/slide7.xml><?xml version="1.0" encoding="utf-8"?>
 <p:sld xmlns:a="http://schemas.openxmlformats.org/drawingml/2006/main" xmlns:r="http://schemas.openxmlformats.org/officeDocument/2006/relationships" xmlns:p="http://schemas.openxmlformats.org/presentationml/2006/main">
   <p:cSld>
     <p:spTree>
@@ -6630,6 +6426,89 @@
 </p:sld>
 </file>
 
+<file path=ppt/slides/slide8.xml><?xml version="1.0" encoding="utf-8"?>
+<p:sld xmlns:a="http://schemas.openxmlformats.org/drawingml/2006/main" xmlns:r="http://schemas.openxmlformats.org/officeDocument/2006/relationships" xmlns:p="http://schemas.openxmlformats.org/presentationml/2006/main">
+  <p:cSld>
+    <p:spTree>
+      <p:nvGrpSpPr>
+        <p:cNvPr id="1" name=""/>
+        <p:cNvGrpSpPr/>
+        <p:nvPr/>
+      </p:nvGrpSpPr>
+      <p:grpSpPr>
+        <a:xfrm>
+          <a:off x="0" y="0"/>
+          <a:ext cx="0" cy="0"/>
+          <a:chOff x="0" y="0"/>
+          <a:chExt cx="0" cy="0"/>
+        </a:xfrm>
+      </p:grpSpPr>
+      <p:sp>
+        <p:nvSpPr>
+          <p:cNvPr id="2" name="Title 1">
+            <a:extLst>
+              <a:ext uri="{FF2B5EF4-FFF2-40B4-BE49-F238E27FC236}">
+                <a16:creationId xmlns:a16="http://schemas.microsoft.com/office/drawing/2014/main" id="{BD000632-3C50-B943-89B8-75B5A50152BB}"/>
+              </a:ext>
+            </a:extLst>
+          </p:cNvPr>
+          <p:cNvSpPr>
+            <a:spLocks noGrp="1"/>
+          </p:cNvSpPr>
+          <p:nvPr>
+            <p:ph type="title"/>
+          </p:nvPr>
+        </p:nvSpPr>
+        <p:spPr/>
+        <p:txBody>
+          <a:bodyPr/>
+          <a:lstStyle/>
+          <a:p>
+            <a:r>
+              <a:rPr lang="en-US" dirty="0"/>
+              <a:t>Roc Curves</a:t>
+            </a:r>
+          </a:p>
+        </p:txBody>
+      </p:sp>
+      <p:sp>
+        <p:nvSpPr>
+          <p:cNvPr id="3" name="Content Placeholder 2">
+            <a:extLst>
+              <a:ext uri="{FF2B5EF4-FFF2-40B4-BE49-F238E27FC236}">
+                <a16:creationId xmlns:a16="http://schemas.microsoft.com/office/drawing/2014/main" id="{6F2E3DB9-3B11-5A4D-BE52-EDD85B6C08F3}"/>
+              </a:ext>
+            </a:extLst>
+          </p:cNvPr>
+          <p:cNvSpPr>
+            <a:spLocks noGrp="1"/>
+          </p:cNvSpPr>
+          <p:nvPr>
+            <p:ph idx="1"/>
+          </p:nvPr>
+        </p:nvSpPr>
+        <p:spPr/>
+        <p:txBody>
+          <a:bodyPr/>
+          <a:lstStyle/>
+          <a:p>
+            <a:endParaRPr lang="en-US"/>
+          </a:p>
+        </p:txBody>
+      </p:sp>
+    </p:spTree>
+    <p:extLst>
+      <p:ext uri="{BB962C8B-B14F-4D97-AF65-F5344CB8AC3E}">
+        <p14:creationId xmlns:p14="http://schemas.microsoft.com/office/powerpoint/2010/main" val="348958088"/>
+      </p:ext>
+    </p:extLst>
+  </p:cSld>
+  <p:clrMapOvr>
+    <a:masterClrMapping/>
+  </p:clrMapOvr>
+</p:sld>
+</file>
+
 <file path=ppt/slides/slide9.xml><?xml version="1.0" encoding="utf-8"?>
 <p:sld xmlns:a="http://schemas.openxmlformats.org/drawingml/2006/main" xmlns:r="http://schemas.openxmlformats.org/officeDocument/2006/relationships" xmlns:p="http://schemas.openxmlformats.org/presentationml/2006/main">
   <p:cSld>
@@ -6652,7 +6531,7 @@
           <p:cNvPr id="2" name="Title 1">
             <a:extLst>
               <a:ext uri="{FF2B5EF4-FFF2-40B4-BE49-F238E27FC236}">
-                <a16:creationId xmlns:a16="http://schemas.microsoft.com/office/drawing/2014/main" id="{BD000632-3C50-B943-89B8-75B5A50152BB}"/>
+                <a16:creationId xmlns:a16="http://schemas.microsoft.com/office/drawing/2014/main" id="{7C73DA48-3FDE-644E-A0B2-ED91B15A7667}"/>
               </a:ext>
             </a:extLst>
           </p:cNvPr>
@@ -6670,7 +6549,7 @@
           <a:p>
             <a:r>
               <a:rPr lang="en-US" dirty="0"/>
-              <a:t>Roc Curves</a:t>
+              <a:t>Discussion</a:t>
             </a:r>
           </a:p>
         </p:txBody>
@@ -6680,7 +6559,7 @@
           <p:cNvPr id="3" name="Content Placeholder 2">
             <a:extLst>
               <a:ext uri="{FF2B5EF4-FFF2-40B4-BE49-F238E27FC236}">
-                <a16:creationId xmlns:a16="http://schemas.microsoft.com/office/drawing/2014/main" id="{6F2E3DB9-3B11-5A4D-BE52-EDD85B6C08F3}"/>
+                <a16:creationId xmlns:a16="http://schemas.microsoft.com/office/drawing/2014/main" id="{58604628-2D7B-B443-BC2C-D279B45C489D}"/>
               </a:ext>
             </a:extLst>
           </p:cNvPr>
@@ -6696,14 +6575,14 @@
           <a:bodyPr/>
           <a:lstStyle/>
           <a:p>
-            <a:endParaRPr lang="en-US"/>
+            <a:endParaRPr lang="en-US" dirty="0"/>
           </a:p>
         </p:txBody>
       </p:sp>
     </p:spTree>
     <p:extLst>
       <p:ext uri="{BB962C8B-B14F-4D97-AF65-F5344CB8AC3E}">
-        <p14:creationId xmlns:p14="http://schemas.microsoft.com/office/powerpoint/2010/main" val="348958088"/>
+        <p14:creationId xmlns:p14="http://schemas.microsoft.com/office/powerpoint/2010/main" val="303920943"/>
       </p:ext>
     </p:extLst>
   </p:cSld>

--- a/documents/presentation.pptx
+++ b/documents/presentation.pptx
@@ -11,12 +11,15 @@
     <p:sldId id="262" r:id="rId5"/>
     <p:sldId id="259" r:id="rId6"/>
     <p:sldId id="267" r:id="rId7"/>
-    <p:sldId id="270" r:id="rId8"/>
-    <p:sldId id="271" r:id="rId9"/>
-    <p:sldId id="272" r:id="rId10"/>
-    <p:sldId id="273" r:id="rId11"/>
-    <p:sldId id="268" r:id="rId12"/>
-    <p:sldId id="269" r:id="rId13"/>
+    <p:sldId id="271" r:id="rId8"/>
+    <p:sldId id="274" r:id="rId9"/>
+    <p:sldId id="275" r:id="rId10"/>
+    <p:sldId id="276" r:id="rId11"/>
+    <p:sldId id="270" r:id="rId12"/>
+    <p:sldId id="272" r:id="rId13"/>
+    <p:sldId id="273" r:id="rId14"/>
+    <p:sldId id="268" r:id="rId15"/>
+    <p:sldId id="269" r:id="rId16"/>
   </p:sldIdLst>
   <p:sldSz cx="12192000" cy="6858000"/>
   <p:notesSz cx="6858000" cy="9144000"/>
@@ -3436,7 +3439,7 @@
           <p:cNvPr id="2" name="Title 1">
             <a:extLst>
               <a:ext uri="{FF2B5EF4-FFF2-40B4-BE49-F238E27FC236}">
-                <a16:creationId xmlns:a16="http://schemas.microsoft.com/office/drawing/2014/main" id="{8AE8B1CA-A968-2D44-8668-F34DB114C338}"/>
+                <a16:creationId xmlns:a16="http://schemas.microsoft.com/office/drawing/2014/main" id="{BD000632-3C50-B943-89B8-75B5A50152BB}"/>
               </a:ext>
             </a:extLst>
           </p:cNvPr>
@@ -3454,40 +3457,53 @@
           <a:p>
             <a:r>
               <a:rPr lang="en-US" dirty="0"/>
-              <a:t>Limitations and Future Work </a:t>
-            </a:r>
-          </a:p>
-        </p:txBody>
-      </p:sp>
-      <p:sp>
-        <p:nvSpPr>
-          <p:cNvPr id="3" name="Content Placeholder 2">
-            <a:extLst>
-              <a:ext uri="{FF2B5EF4-FFF2-40B4-BE49-F238E27FC236}">
-                <a16:creationId xmlns:a16="http://schemas.microsoft.com/office/drawing/2014/main" id="{8C6D84B9-BB0D-D740-83D6-6989B137616A}"/>
-              </a:ext>
-            </a:extLst>
-          </p:cNvPr>
-          <p:cNvSpPr>
-            <a:spLocks noGrp="1"/>
-          </p:cNvSpPr>
-          <p:nvPr>
-            <p:ph idx="1"/>
-          </p:nvPr>
-        </p:nvSpPr>
-        <p:spPr/>
-        <p:txBody>
-          <a:bodyPr/>
-          <a:lstStyle/>
-          <a:p>
+              <a:t>ROC-AUC &amp; Confusion Matrix </a:t>
+            </a:r>
+            <a:br>
+              <a:rPr lang="en-US" dirty="0"/>
+            </a:br>
+            <a:r>
+              <a:rPr lang="en-US" sz="2800" dirty="0"/>
+              <a:t>Random Forest</a:t>
+            </a:r>
             <a:endParaRPr lang="en-US" dirty="0"/>
           </a:p>
         </p:txBody>
       </p:sp>
+      <p:pic>
+        <p:nvPicPr>
+          <p:cNvPr id="5" name="Picture 4">
+            <a:extLst>
+              <a:ext uri="{FF2B5EF4-FFF2-40B4-BE49-F238E27FC236}">
+                <a16:creationId xmlns:a16="http://schemas.microsoft.com/office/drawing/2014/main" id="{005D30F6-09FF-AB46-975E-2BE0EAF76AC2}"/>
+              </a:ext>
+            </a:extLst>
+          </p:cNvPr>
+          <p:cNvPicPr>
+            <a:picLocks noChangeAspect="1"/>
+          </p:cNvPicPr>
+          <p:nvPr/>
+        </p:nvPicPr>
+        <p:blipFill>
+          <a:blip r:embed="rId2"/>
+          <a:stretch>
+            <a:fillRect/>
+          </a:stretch>
+        </p:blipFill>
+        <p:spPr>
+          <a:xfrm>
+            <a:off x="751702" y="1690688"/>
+            <a:ext cx="4501255" cy="4566836"/>
+          </a:xfrm>
+          <a:prstGeom prst="rect">
+            <a:avLst/>
+          </a:prstGeom>
+        </p:spPr>
+      </p:pic>
     </p:spTree>
     <p:extLst>
       <p:ext uri="{BB962C8B-B14F-4D97-AF65-F5344CB8AC3E}">
-        <p14:creationId xmlns:p14="http://schemas.microsoft.com/office/powerpoint/2010/main" val="2017981554"/>
+        <p14:creationId xmlns:p14="http://schemas.microsoft.com/office/powerpoint/2010/main" val="404595054"/>
       </p:ext>
     </p:extLst>
   </p:cSld>
@@ -3516,6 +3532,792 @@
       </p:grpSpPr>
       <p:sp>
         <p:nvSpPr>
+          <p:cNvPr id="7" name="Title 6">
+            <a:extLst>
+              <a:ext uri="{FF2B5EF4-FFF2-40B4-BE49-F238E27FC236}">
+                <a16:creationId xmlns:a16="http://schemas.microsoft.com/office/drawing/2014/main" id="{203A6C6A-B05A-204C-80A0-AE4C93D42552}"/>
+              </a:ext>
+            </a:extLst>
+          </p:cNvPr>
+          <p:cNvSpPr>
+            <a:spLocks noGrp="1"/>
+          </p:cNvSpPr>
+          <p:nvPr>
+            <p:ph type="title"/>
+          </p:nvPr>
+        </p:nvSpPr>
+        <p:spPr/>
+        <p:txBody>
+          <a:bodyPr/>
+          <a:lstStyle/>
+          <a:p>
+            <a:r>
+              <a:rPr lang="en-US" dirty="0"/>
+              <a:t>Results – Best Models</a:t>
+            </a:r>
+          </a:p>
+        </p:txBody>
+      </p:sp>
+      <p:graphicFrame>
+        <p:nvGraphicFramePr>
+          <p:cNvPr id="9" name="Content Placeholder 8">
+            <a:extLst>
+              <a:ext uri="{FF2B5EF4-FFF2-40B4-BE49-F238E27FC236}">
+                <a16:creationId xmlns:a16="http://schemas.microsoft.com/office/drawing/2014/main" id="{C1BB70A2-A26B-A043-9C41-35D06B7CDE8D}"/>
+              </a:ext>
+            </a:extLst>
+          </p:cNvPr>
+          <p:cNvGraphicFramePr>
+            <a:graphicFrameLocks noGrp="1"/>
+          </p:cNvGraphicFramePr>
+          <p:nvPr>
+            <p:ph idx="1"/>
+            <p:extLst>
+              <p:ext uri="{D42A27DB-BD31-4B8C-83A1-F6EECF244321}">
+                <p14:modId xmlns:p14="http://schemas.microsoft.com/office/powerpoint/2010/main" val="2646059180"/>
+              </p:ext>
+            </p:extLst>
+          </p:nvPr>
+        </p:nvGraphicFramePr>
+        <p:xfrm>
+          <a:off x="838200" y="1825625"/>
+          <a:ext cx="9013374" cy="3845560"/>
+        </p:xfrm>
+        <a:graphic>
+          <a:graphicData uri="http://schemas.openxmlformats.org/drawingml/2006/table">
+            <a:tbl>
+              <a:tblPr firstRow="1" bandRow="1">
+                <a:tableStyleId>{5C22544A-7EE6-4342-B048-85BDC9FD1C3A}</a:tableStyleId>
+              </a:tblPr>
+              <a:tblGrid>
+                <a:gridCol w="1502229">
+                  <a:extLst>
+                    <a:ext uri="{9D8B030D-6E8A-4147-A177-3AD203B41FA5}">
+                      <a16:colId xmlns:a16="http://schemas.microsoft.com/office/drawing/2014/main" val="2993114388"/>
+                    </a:ext>
+                  </a:extLst>
+                </a:gridCol>
+                <a:gridCol w="1502229">
+                  <a:extLst>
+                    <a:ext uri="{9D8B030D-6E8A-4147-A177-3AD203B41FA5}">
+                      <a16:colId xmlns:a16="http://schemas.microsoft.com/office/drawing/2014/main" val="46401700"/>
+                    </a:ext>
+                  </a:extLst>
+                </a:gridCol>
+                <a:gridCol w="1502229">
+                  <a:extLst>
+                    <a:ext uri="{9D8B030D-6E8A-4147-A177-3AD203B41FA5}">
+                      <a16:colId xmlns:a16="http://schemas.microsoft.com/office/drawing/2014/main" val="1599769433"/>
+                    </a:ext>
+                  </a:extLst>
+                </a:gridCol>
+                <a:gridCol w="1502229">
+                  <a:extLst>
+                    <a:ext uri="{9D8B030D-6E8A-4147-A177-3AD203B41FA5}">
+                      <a16:colId xmlns:a16="http://schemas.microsoft.com/office/drawing/2014/main" val="1664511034"/>
+                    </a:ext>
+                  </a:extLst>
+                </a:gridCol>
+                <a:gridCol w="1502229">
+                  <a:extLst>
+                    <a:ext uri="{9D8B030D-6E8A-4147-A177-3AD203B41FA5}">
+                      <a16:colId xmlns:a16="http://schemas.microsoft.com/office/drawing/2014/main" val="2778153399"/>
+                    </a:ext>
+                  </a:extLst>
+                </a:gridCol>
+                <a:gridCol w="1502229">
+                  <a:extLst>
+                    <a:ext uri="{9D8B030D-6E8A-4147-A177-3AD203B41FA5}">
+                      <a16:colId xmlns:a16="http://schemas.microsoft.com/office/drawing/2014/main" val="3412367233"/>
+                    </a:ext>
+                  </a:extLst>
+                </a:gridCol>
+              </a:tblGrid>
+              <a:tr h="370840">
+                <a:tc>
+                  <a:txBody>
+                    <a:bodyPr/>
+                    <a:lstStyle/>
+                    <a:p>
+                      <a:r>
+                        <a:rPr lang="en-US" dirty="0"/>
+                        <a:t>Model</a:t>
+                      </a:r>
+                    </a:p>
+                  </a:txBody>
+                  <a:tcPr/>
+                </a:tc>
+                <a:tc>
+                  <a:txBody>
+                    <a:bodyPr/>
+                    <a:lstStyle/>
+                    <a:p>
+                      <a:r>
+                        <a:rPr lang="en-US" dirty="0"/>
+                        <a:t>Accuracy</a:t>
+                      </a:r>
+                    </a:p>
+                  </a:txBody>
+                  <a:tcPr/>
+                </a:tc>
+                <a:tc>
+                  <a:txBody>
+                    <a:bodyPr/>
+                    <a:lstStyle/>
+                    <a:p>
+                      <a:r>
+                        <a:rPr lang="en-US" dirty="0"/>
+                        <a:t>Precision</a:t>
+                      </a:r>
+                    </a:p>
+                  </a:txBody>
+                  <a:tcPr/>
+                </a:tc>
+                <a:tc>
+                  <a:txBody>
+                    <a:bodyPr/>
+                    <a:lstStyle/>
+                    <a:p>
+                      <a:r>
+                        <a:rPr lang="en-US" dirty="0"/>
+                        <a:t>Specificity</a:t>
+                      </a:r>
+                    </a:p>
+                  </a:txBody>
+                  <a:tcPr/>
+                </a:tc>
+                <a:tc>
+                  <a:txBody>
+                    <a:bodyPr/>
+                    <a:lstStyle/>
+                    <a:p>
+                      <a:r>
+                        <a:rPr lang="en-US" dirty="0"/>
+                        <a:t>Sensitivity  </a:t>
+                      </a:r>
+                    </a:p>
+                  </a:txBody>
+                  <a:tcPr/>
+                </a:tc>
+                <a:tc>
+                  <a:txBody>
+                    <a:bodyPr/>
+                    <a:lstStyle/>
+                    <a:p>
+                      <a:r>
+                        <a:rPr lang="en-US" dirty="0"/>
+                        <a:t>F1-Score</a:t>
+                      </a:r>
+                    </a:p>
+                  </a:txBody>
+                  <a:tcPr/>
+                </a:tc>
+                <a:extLst>
+                  <a:ext uri="{0D108BD9-81ED-4DB2-BD59-A6C34878D82A}">
+                    <a16:rowId xmlns:a16="http://schemas.microsoft.com/office/drawing/2014/main" val="4228884047"/>
+                  </a:ext>
+                </a:extLst>
+              </a:tr>
+              <a:tr h="370840">
+                <a:tc>
+                  <a:txBody>
+                    <a:bodyPr/>
+                    <a:lstStyle/>
+                    <a:p>
+                      <a:r>
+                        <a:rPr lang="en-US" dirty="0"/>
+                        <a:t>Fuzzy C Means</a:t>
+                      </a:r>
+                    </a:p>
+                  </a:txBody>
+                  <a:tcPr/>
+                </a:tc>
+                <a:tc>
+                  <a:txBody>
+                    <a:bodyPr/>
+                    <a:lstStyle/>
+                    <a:p>
+                      <a:endParaRPr lang="en-US" dirty="0"/>
+                    </a:p>
+                  </a:txBody>
+                  <a:tcPr/>
+                </a:tc>
+                <a:tc>
+                  <a:txBody>
+                    <a:bodyPr/>
+                    <a:lstStyle/>
+                    <a:p>
+                      <a:endParaRPr lang="en-US"/>
+                    </a:p>
+                  </a:txBody>
+                  <a:tcPr/>
+                </a:tc>
+                <a:tc>
+                  <a:txBody>
+                    <a:bodyPr/>
+                    <a:lstStyle/>
+                    <a:p>
+                      <a:endParaRPr lang="en-US"/>
+                    </a:p>
+                  </a:txBody>
+                  <a:tcPr/>
+                </a:tc>
+                <a:tc>
+                  <a:txBody>
+                    <a:bodyPr/>
+                    <a:lstStyle/>
+                    <a:p>
+                      <a:endParaRPr lang="en-US"/>
+                    </a:p>
+                  </a:txBody>
+                  <a:tcPr/>
+                </a:tc>
+                <a:tc>
+                  <a:txBody>
+                    <a:bodyPr/>
+                    <a:lstStyle/>
+                    <a:p>
+                      <a:endParaRPr lang="en-US"/>
+                    </a:p>
+                  </a:txBody>
+                  <a:tcPr/>
+                </a:tc>
+                <a:extLst>
+                  <a:ext uri="{0D108BD9-81ED-4DB2-BD59-A6C34878D82A}">
+                    <a16:rowId xmlns:a16="http://schemas.microsoft.com/office/drawing/2014/main" val="866102842"/>
+                  </a:ext>
+                </a:extLst>
+              </a:tr>
+              <a:tr h="370840">
+                <a:tc>
+                  <a:txBody>
+                    <a:bodyPr/>
+                    <a:lstStyle/>
+                    <a:p>
+                      <a:r>
+                        <a:rPr lang="en-US" dirty="0"/>
+                        <a:t>Multi-variable Logistic Regression</a:t>
+                      </a:r>
+                    </a:p>
+                  </a:txBody>
+                  <a:tcPr/>
+                </a:tc>
+                <a:tc>
+                  <a:txBody>
+                    <a:bodyPr/>
+                    <a:lstStyle/>
+                    <a:p>
+                      <a:endParaRPr lang="en-US" dirty="0"/>
+                    </a:p>
+                  </a:txBody>
+                  <a:tcPr/>
+                </a:tc>
+                <a:tc>
+                  <a:txBody>
+                    <a:bodyPr/>
+                    <a:lstStyle/>
+                    <a:p>
+                      <a:endParaRPr lang="en-US"/>
+                    </a:p>
+                  </a:txBody>
+                  <a:tcPr/>
+                </a:tc>
+                <a:tc>
+                  <a:txBody>
+                    <a:bodyPr/>
+                    <a:lstStyle/>
+                    <a:p>
+                      <a:endParaRPr lang="en-US"/>
+                    </a:p>
+                  </a:txBody>
+                  <a:tcPr/>
+                </a:tc>
+                <a:tc>
+                  <a:txBody>
+                    <a:bodyPr/>
+                    <a:lstStyle/>
+                    <a:p>
+                      <a:endParaRPr lang="en-US"/>
+                    </a:p>
+                  </a:txBody>
+                  <a:tcPr/>
+                </a:tc>
+                <a:tc>
+                  <a:txBody>
+                    <a:bodyPr/>
+                    <a:lstStyle/>
+                    <a:p>
+                      <a:endParaRPr lang="en-US"/>
+                    </a:p>
+                  </a:txBody>
+                  <a:tcPr/>
+                </a:tc>
+                <a:extLst>
+                  <a:ext uri="{0D108BD9-81ED-4DB2-BD59-A6C34878D82A}">
+                    <a16:rowId xmlns:a16="http://schemas.microsoft.com/office/drawing/2014/main" val="391539739"/>
+                  </a:ext>
+                </a:extLst>
+              </a:tr>
+              <a:tr h="370840">
+                <a:tc>
+                  <a:txBody>
+                    <a:bodyPr/>
+                    <a:lstStyle/>
+                    <a:p>
+                      <a:r>
+                        <a:rPr lang="en-US" dirty="0"/>
+                        <a:t>K – Nearest Neighbor</a:t>
+                      </a:r>
+                    </a:p>
+                  </a:txBody>
+                  <a:tcPr/>
+                </a:tc>
+                <a:tc>
+                  <a:txBody>
+                    <a:bodyPr/>
+                    <a:lstStyle/>
+                    <a:p>
+                      <a:r>
+                        <a:rPr lang="en-US" dirty="0"/>
+                        <a:t>0.87</a:t>
+                      </a:r>
+                    </a:p>
+                  </a:txBody>
+                  <a:tcPr/>
+                </a:tc>
+                <a:tc>
+                  <a:txBody>
+                    <a:bodyPr/>
+                    <a:lstStyle/>
+                    <a:p>
+                      <a:r>
+                        <a:rPr lang="en-US" dirty="0"/>
+                        <a:t>0.86</a:t>
+                      </a:r>
+                    </a:p>
+                  </a:txBody>
+                  <a:tcPr/>
+                </a:tc>
+                <a:tc>
+                  <a:txBody>
+                    <a:bodyPr/>
+                    <a:lstStyle/>
+                    <a:p>
+                      <a:r>
+                        <a:rPr lang="en-US" dirty="0"/>
+                        <a:t>0.88</a:t>
+                      </a:r>
+                    </a:p>
+                  </a:txBody>
+                  <a:tcPr/>
+                </a:tc>
+                <a:tc>
+                  <a:txBody>
+                    <a:bodyPr/>
+                    <a:lstStyle/>
+                    <a:p>
+                      <a:r>
+                        <a:rPr lang="en-US" dirty="0"/>
+                        <a:t>0.86</a:t>
+                      </a:r>
+                    </a:p>
+                  </a:txBody>
+                  <a:tcPr/>
+                </a:tc>
+                <a:tc>
+                  <a:txBody>
+                    <a:bodyPr/>
+                    <a:lstStyle/>
+                    <a:p>
+                      <a:r>
+                        <a:rPr lang="en-US" dirty="0"/>
+                        <a:t>0.86</a:t>
+                      </a:r>
+                    </a:p>
+                  </a:txBody>
+                  <a:tcPr/>
+                </a:tc>
+                <a:extLst>
+                  <a:ext uri="{0D108BD9-81ED-4DB2-BD59-A6C34878D82A}">
+                    <a16:rowId xmlns:a16="http://schemas.microsoft.com/office/drawing/2014/main" val="74420869"/>
+                  </a:ext>
+                </a:extLst>
+              </a:tr>
+              <a:tr h="370840">
+                <a:tc>
+                  <a:txBody>
+                    <a:bodyPr/>
+                    <a:lstStyle/>
+                    <a:p>
+                      <a:r>
+                        <a:rPr lang="en-US" dirty="0"/>
+                        <a:t>Random Forest</a:t>
+                      </a:r>
+                    </a:p>
+                  </a:txBody>
+                  <a:tcPr/>
+                </a:tc>
+                <a:tc>
+                  <a:txBody>
+                    <a:bodyPr/>
+                    <a:lstStyle/>
+                    <a:p>
+                      <a:r>
+                        <a:rPr lang="en-US" dirty="0"/>
+                        <a:t>0.89</a:t>
+                      </a:r>
+                    </a:p>
+                  </a:txBody>
+                  <a:tcPr/>
+                </a:tc>
+                <a:tc>
+                  <a:txBody>
+                    <a:bodyPr/>
+                    <a:lstStyle/>
+                    <a:p>
+                      <a:r>
+                        <a:rPr lang="en-US" dirty="0"/>
+                        <a:t>0.91</a:t>
+                      </a:r>
+                    </a:p>
+                  </a:txBody>
+                  <a:tcPr/>
+                </a:tc>
+                <a:tc>
+                  <a:txBody>
+                    <a:bodyPr/>
+                    <a:lstStyle/>
+                    <a:p>
+                      <a:r>
+                        <a:rPr lang="en-US" dirty="0"/>
+                        <a:t>0.94</a:t>
+                      </a:r>
+                    </a:p>
+                  </a:txBody>
+                  <a:tcPr/>
+                </a:tc>
+                <a:tc>
+                  <a:txBody>
+                    <a:bodyPr/>
+                    <a:lstStyle/>
+                    <a:p>
+                      <a:r>
+                        <a:rPr lang="en-US" dirty="0"/>
+                        <a:t>0.80</a:t>
+                      </a:r>
+                    </a:p>
+                  </a:txBody>
+                  <a:tcPr/>
+                </a:tc>
+                <a:tc>
+                  <a:txBody>
+                    <a:bodyPr/>
+                    <a:lstStyle/>
+                    <a:p>
+                      <a:r>
+                        <a:rPr lang="en-US" dirty="0"/>
+                        <a:t>0.85</a:t>
+                      </a:r>
+                    </a:p>
+                  </a:txBody>
+                  <a:tcPr/>
+                </a:tc>
+                <a:extLst>
+                  <a:ext uri="{0D108BD9-81ED-4DB2-BD59-A6C34878D82A}">
+                    <a16:rowId xmlns:a16="http://schemas.microsoft.com/office/drawing/2014/main" val="1353022774"/>
+                  </a:ext>
+                </a:extLst>
+              </a:tr>
+              <a:tr h="370840">
+                <a:tc>
+                  <a:txBody>
+                    <a:bodyPr/>
+                    <a:lstStyle/>
+                    <a:p>
+                      <a:r>
+                        <a:rPr lang="en-US" dirty="0"/>
+                        <a:t>Multi-Layer Perceptron </a:t>
+                      </a:r>
+                    </a:p>
+                  </a:txBody>
+                  <a:tcPr/>
+                </a:tc>
+                <a:tc>
+                  <a:txBody>
+                    <a:bodyPr/>
+                    <a:lstStyle/>
+                    <a:p>
+                      <a:r>
+                        <a:rPr lang="en-US" dirty="0"/>
+                        <a:t>0.85</a:t>
+                      </a:r>
+                    </a:p>
+                  </a:txBody>
+                  <a:tcPr/>
+                </a:tc>
+                <a:tc>
+                  <a:txBody>
+                    <a:bodyPr/>
+                    <a:lstStyle/>
+                    <a:p>
+                      <a:r>
+                        <a:rPr lang="en-US" dirty="0"/>
+                        <a:t>0.88</a:t>
+                      </a:r>
+                    </a:p>
+                  </a:txBody>
+                  <a:tcPr/>
+                </a:tc>
+                <a:tc>
+                  <a:txBody>
+                    <a:bodyPr/>
+                    <a:lstStyle/>
+                    <a:p>
+                      <a:r>
+                        <a:rPr lang="en-US" dirty="0"/>
+                        <a:t>0.88</a:t>
+                      </a:r>
+                    </a:p>
+                  </a:txBody>
+                  <a:tcPr/>
+                </a:tc>
+                <a:tc>
+                  <a:txBody>
+                    <a:bodyPr/>
+                    <a:lstStyle/>
+                    <a:p>
+                      <a:r>
+                        <a:rPr lang="en-US" dirty="0"/>
+                        <a:t>0.85</a:t>
+                      </a:r>
+                    </a:p>
+                  </a:txBody>
+                  <a:tcPr/>
+                </a:tc>
+                <a:tc>
+                  <a:txBody>
+                    <a:bodyPr/>
+                    <a:lstStyle/>
+                    <a:p>
+                      <a:r>
+                        <a:rPr lang="en-US" dirty="0"/>
+                        <a:t>0.87</a:t>
+                      </a:r>
+                    </a:p>
+                  </a:txBody>
+                  <a:tcPr/>
+                </a:tc>
+                <a:extLst>
+                  <a:ext uri="{0D108BD9-81ED-4DB2-BD59-A6C34878D82A}">
+                    <a16:rowId xmlns:a16="http://schemas.microsoft.com/office/drawing/2014/main" val="953302864"/>
+                  </a:ext>
+                </a:extLst>
+              </a:tr>
+            </a:tbl>
+          </a:graphicData>
+        </a:graphic>
+      </p:graphicFrame>
+    </p:spTree>
+    <p:extLst>
+      <p:ext uri="{BB962C8B-B14F-4D97-AF65-F5344CB8AC3E}">
+        <p14:creationId xmlns:p14="http://schemas.microsoft.com/office/powerpoint/2010/main" val="4004627679"/>
+      </p:ext>
+    </p:extLst>
+  </p:cSld>
+  <p:clrMapOvr>
+    <a:masterClrMapping/>
+  </p:clrMapOvr>
+</p:sld>
+</file>
+
+<file path=ppt/slides/slide12.xml><?xml version="1.0" encoding="utf-8"?>
+<p:sld xmlns:a="http://schemas.openxmlformats.org/drawingml/2006/main" xmlns:r="http://schemas.openxmlformats.org/officeDocument/2006/relationships" xmlns:p="http://schemas.openxmlformats.org/presentationml/2006/main">
+  <p:cSld>
+    <p:spTree>
+      <p:nvGrpSpPr>
+        <p:cNvPr id="1" name=""/>
+        <p:cNvGrpSpPr/>
+        <p:nvPr/>
+      </p:nvGrpSpPr>
+      <p:grpSpPr>
+        <a:xfrm>
+          <a:off x="0" y="0"/>
+          <a:ext cx="0" cy="0"/>
+          <a:chOff x="0" y="0"/>
+          <a:chExt cx="0" cy="0"/>
+        </a:xfrm>
+      </p:grpSpPr>
+      <p:sp>
+        <p:nvSpPr>
+          <p:cNvPr id="2" name="Title 1">
+            <a:extLst>
+              <a:ext uri="{FF2B5EF4-FFF2-40B4-BE49-F238E27FC236}">
+                <a16:creationId xmlns:a16="http://schemas.microsoft.com/office/drawing/2014/main" id="{7C73DA48-3FDE-644E-A0B2-ED91B15A7667}"/>
+              </a:ext>
+            </a:extLst>
+          </p:cNvPr>
+          <p:cNvSpPr>
+            <a:spLocks noGrp="1"/>
+          </p:cNvSpPr>
+          <p:nvPr>
+            <p:ph type="title"/>
+          </p:nvPr>
+        </p:nvSpPr>
+        <p:spPr/>
+        <p:txBody>
+          <a:bodyPr/>
+          <a:lstStyle/>
+          <a:p>
+            <a:r>
+              <a:rPr lang="en-US" dirty="0"/>
+              <a:t>Discussion</a:t>
+            </a:r>
+          </a:p>
+        </p:txBody>
+      </p:sp>
+      <p:sp>
+        <p:nvSpPr>
+          <p:cNvPr id="3" name="Content Placeholder 2">
+            <a:extLst>
+              <a:ext uri="{FF2B5EF4-FFF2-40B4-BE49-F238E27FC236}">
+                <a16:creationId xmlns:a16="http://schemas.microsoft.com/office/drawing/2014/main" id="{58604628-2D7B-B443-BC2C-D279B45C489D}"/>
+              </a:ext>
+            </a:extLst>
+          </p:cNvPr>
+          <p:cNvSpPr>
+            <a:spLocks noGrp="1"/>
+          </p:cNvSpPr>
+          <p:nvPr>
+            <p:ph idx="1"/>
+          </p:nvPr>
+        </p:nvSpPr>
+        <p:spPr/>
+        <p:txBody>
+          <a:bodyPr/>
+          <a:lstStyle/>
+          <a:p>
+            <a:pPr marL="0" indent="0">
+              <a:buNone/>
+            </a:pPr>
+            <a:endParaRPr lang="en-US" dirty="0"/>
+          </a:p>
+        </p:txBody>
+      </p:sp>
+    </p:spTree>
+    <p:extLst>
+      <p:ext uri="{BB962C8B-B14F-4D97-AF65-F5344CB8AC3E}">
+        <p14:creationId xmlns:p14="http://schemas.microsoft.com/office/powerpoint/2010/main" val="303920943"/>
+      </p:ext>
+    </p:extLst>
+  </p:cSld>
+  <p:clrMapOvr>
+    <a:masterClrMapping/>
+  </p:clrMapOvr>
+</p:sld>
+</file>
+
+<file path=ppt/slides/slide13.xml><?xml version="1.0" encoding="utf-8"?>
+<p:sld xmlns:a="http://schemas.openxmlformats.org/drawingml/2006/main" xmlns:r="http://schemas.openxmlformats.org/officeDocument/2006/relationships" xmlns:p="http://schemas.openxmlformats.org/presentationml/2006/main">
+  <p:cSld>
+    <p:spTree>
+      <p:nvGrpSpPr>
+        <p:cNvPr id="1" name=""/>
+        <p:cNvGrpSpPr/>
+        <p:nvPr/>
+      </p:nvGrpSpPr>
+      <p:grpSpPr>
+        <a:xfrm>
+          <a:off x="0" y="0"/>
+          <a:ext cx="0" cy="0"/>
+          <a:chOff x="0" y="0"/>
+          <a:chExt cx="0" cy="0"/>
+        </a:xfrm>
+      </p:grpSpPr>
+      <p:sp>
+        <p:nvSpPr>
+          <p:cNvPr id="2" name="Title 1">
+            <a:extLst>
+              <a:ext uri="{FF2B5EF4-FFF2-40B4-BE49-F238E27FC236}">
+                <a16:creationId xmlns:a16="http://schemas.microsoft.com/office/drawing/2014/main" id="{8AE8B1CA-A968-2D44-8668-F34DB114C338}"/>
+              </a:ext>
+            </a:extLst>
+          </p:cNvPr>
+          <p:cNvSpPr>
+            <a:spLocks noGrp="1"/>
+          </p:cNvSpPr>
+          <p:nvPr>
+            <p:ph type="title"/>
+          </p:nvPr>
+        </p:nvSpPr>
+        <p:spPr/>
+        <p:txBody>
+          <a:bodyPr/>
+          <a:lstStyle/>
+          <a:p>
+            <a:r>
+              <a:rPr lang="en-US" dirty="0"/>
+              <a:t>Limitations and Future Work </a:t>
+            </a:r>
+          </a:p>
+        </p:txBody>
+      </p:sp>
+      <p:sp>
+        <p:nvSpPr>
+          <p:cNvPr id="3" name="Content Placeholder 2">
+            <a:extLst>
+              <a:ext uri="{FF2B5EF4-FFF2-40B4-BE49-F238E27FC236}">
+                <a16:creationId xmlns:a16="http://schemas.microsoft.com/office/drawing/2014/main" id="{8C6D84B9-BB0D-D740-83D6-6989B137616A}"/>
+              </a:ext>
+            </a:extLst>
+          </p:cNvPr>
+          <p:cNvSpPr>
+            <a:spLocks noGrp="1"/>
+          </p:cNvSpPr>
+          <p:nvPr>
+            <p:ph idx="1"/>
+          </p:nvPr>
+        </p:nvSpPr>
+        <p:spPr/>
+        <p:txBody>
+          <a:bodyPr/>
+          <a:lstStyle/>
+          <a:p>
+            <a:endParaRPr lang="en-US" dirty="0"/>
+          </a:p>
+        </p:txBody>
+      </p:sp>
+    </p:spTree>
+    <p:extLst>
+      <p:ext uri="{BB962C8B-B14F-4D97-AF65-F5344CB8AC3E}">
+        <p14:creationId xmlns:p14="http://schemas.microsoft.com/office/powerpoint/2010/main" val="2017981554"/>
+      </p:ext>
+    </p:extLst>
+  </p:cSld>
+  <p:clrMapOvr>
+    <a:masterClrMapping/>
+  </p:clrMapOvr>
+</p:sld>
+</file>
+
+<file path=ppt/slides/slide14.xml><?xml version="1.0" encoding="utf-8"?>
+<p:sld xmlns:a="http://schemas.openxmlformats.org/drawingml/2006/main" xmlns:r="http://schemas.openxmlformats.org/officeDocument/2006/relationships" xmlns:p="http://schemas.openxmlformats.org/presentationml/2006/main">
+  <p:cSld>
+    <p:spTree>
+      <p:nvGrpSpPr>
+        <p:cNvPr id="1" name=""/>
+        <p:cNvGrpSpPr/>
+        <p:nvPr/>
+      </p:nvGrpSpPr>
+      <p:grpSpPr>
+        <a:xfrm>
+          <a:off x="0" y="0"/>
+          <a:ext cx="0" cy="0"/>
+          <a:chOff x="0" y="0"/>
+          <a:chExt cx="0" cy="0"/>
+        </a:xfrm>
+      </p:grpSpPr>
+      <p:sp>
+        <p:nvSpPr>
           <p:cNvPr id="9" name="Title 8">
             <a:extLst>
               <a:ext uri="{FF2B5EF4-FFF2-40B4-BE49-F238E27FC236}">
@@ -3645,7 +4447,7 @@
 </p:sld>
 </file>
 
-<file path=ppt/slides/slide12.xml><?xml version="1.0" encoding="utf-8"?>
+<file path=ppt/slides/slide15.xml><?xml version="1.0" encoding="utf-8"?>
 <p:sld xmlns:a="http://schemas.openxmlformats.org/drawingml/2006/main" xmlns:r="http://schemas.openxmlformats.org/officeDocument/2006/relationships" xmlns:p="http://schemas.openxmlformats.org/presentationml/2006/main">
   <p:cSld>
     <p:spTree>
@@ -5803,10 +6605,10 @@
       </p:grpSpPr>
       <p:sp>
         <p:nvSpPr>
-          <p:cNvPr id="7" name="Title 6">
-            <a:extLst>
-              <a:ext uri="{FF2B5EF4-FFF2-40B4-BE49-F238E27FC236}">
-                <a16:creationId xmlns:a16="http://schemas.microsoft.com/office/drawing/2014/main" id="{203A6C6A-B05A-204C-80A0-AE4C93D42552}"/>
+          <p:cNvPr id="2" name="Title 1">
+            <a:extLst>
+              <a:ext uri="{FF2B5EF4-FFF2-40B4-BE49-F238E27FC236}">
+                <a16:creationId xmlns:a16="http://schemas.microsoft.com/office/drawing/2014/main" id="{BD000632-3C50-B943-89B8-75B5A50152BB}"/>
               </a:ext>
             </a:extLst>
           </p:cNvPr>
@@ -5824,599 +6626,83 @@
           <a:p>
             <a:r>
               <a:rPr lang="en-US" dirty="0"/>
-              <a:t>Results – Best Models</a:t>
-            </a:r>
-          </a:p>
-        </p:txBody>
-      </p:sp>
-      <p:graphicFrame>
-        <p:nvGraphicFramePr>
-          <p:cNvPr id="9" name="Content Placeholder 8">
-            <a:extLst>
-              <a:ext uri="{FF2B5EF4-FFF2-40B4-BE49-F238E27FC236}">
-                <a16:creationId xmlns:a16="http://schemas.microsoft.com/office/drawing/2014/main" id="{C1BB70A2-A26B-A043-9C41-35D06B7CDE8D}"/>
-              </a:ext>
-            </a:extLst>
-          </p:cNvPr>
-          <p:cNvGraphicFramePr>
-            <a:graphicFrameLocks noGrp="1"/>
-          </p:cNvGraphicFramePr>
-          <p:nvPr>
-            <p:ph idx="1"/>
-            <p:extLst>
-              <p:ext uri="{D42A27DB-BD31-4B8C-83A1-F6EECF244321}">
-                <p14:modId xmlns:p14="http://schemas.microsoft.com/office/powerpoint/2010/main" val="2350542166"/>
-              </p:ext>
-            </p:extLst>
-          </p:nvPr>
-        </p:nvGraphicFramePr>
-        <p:xfrm>
-          <a:off x="838200" y="1825625"/>
-          <a:ext cx="10515603" cy="3845560"/>
-        </p:xfrm>
-        <a:graphic>
-          <a:graphicData uri="http://schemas.openxmlformats.org/drawingml/2006/table">
-            <a:tbl>
-              <a:tblPr firstRow="1" bandRow="1">
-                <a:tableStyleId>{5C22544A-7EE6-4342-B048-85BDC9FD1C3A}</a:tableStyleId>
-              </a:tblPr>
-              <a:tblGrid>
-                <a:gridCol w="1502229">
-                  <a:extLst>
-                    <a:ext uri="{9D8B030D-6E8A-4147-A177-3AD203B41FA5}">
-                      <a16:colId xmlns:a16="http://schemas.microsoft.com/office/drawing/2014/main" val="2993114388"/>
-                    </a:ext>
-                  </a:extLst>
-                </a:gridCol>
-                <a:gridCol w="1502229">
-                  <a:extLst>
-                    <a:ext uri="{9D8B030D-6E8A-4147-A177-3AD203B41FA5}">
-                      <a16:colId xmlns:a16="http://schemas.microsoft.com/office/drawing/2014/main" val="46401700"/>
-                    </a:ext>
-                  </a:extLst>
-                </a:gridCol>
-                <a:gridCol w="1502229">
-                  <a:extLst>
-                    <a:ext uri="{9D8B030D-6E8A-4147-A177-3AD203B41FA5}">
-                      <a16:colId xmlns:a16="http://schemas.microsoft.com/office/drawing/2014/main" val="1599769433"/>
-                    </a:ext>
-                  </a:extLst>
-                </a:gridCol>
-                <a:gridCol w="1502229">
-                  <a:extLst>
-                    <a:ext uri="{9D8B030D-6E8A-4147-A177-3AD203B41FA5}">
-                      <a16:colId xmlns:a16="http://schemas.microsoft.com/office/drawing/2014/main" val="3789596014"/>
-                    </a:ext>
-                  </a:extLst>
-                </a:gridCol>
-                <a:gridCol w="1502229">
-                  <a:extLst>
-                    <a:ext uri="{9D8B030D-6E8A-4147-A177-3AD203B41FA5}">
-                      <a16:colId xmlns:a16="http://schemas.microsoft.com/office/drawing/2014/main" val="1664511034"/>
-                    </a:ext>
-                  </a:extLst>
-                </a:gridCol>
-                <a:gridCol w="1502229">
-                  <a:extLst>
-                    <a:ext uri="{9D8B030D-6E8A-4147-A177-3AD203B41FA5}">
-                      <a16:colId xmlns:a16="http://schemas.microsoft.com/office/drawing/2014/main" val="2778153399"/>
-                    </a:ext>
-                  </a:extLst>
-                </a:gridCol>
-                <a:gridCol w="1502229">
-                  <a:extLst>
-                    <a:ext uri="{9D8B030D-6E8A-4147-A177-3AD203B41FA5}">
-                      <a16:colId xmlns:a16="http://schemas.microsoft.com/office/drawing/2014/main" val="3412367233"/>
-                    </a:ext>
-                  </a:extLst>
-                </a:gridCol>
-              </a:tblGrid>
-              <a:tr h="370840">
-                <a:tc>
-                  <a:txBody>
-                    <a:bodyPr/>
-                    <a:lstStyle/>
-                    <a:p>
-                      <a:r>
-                        <a:rPr lang="en-US" dirty="0"/>
-                        <a:t>Model</a:t>
-                      </a:r>
-                    </a:p>
-                  </a:txBody>
-                  <a:tcPr/>
-                </a:tc>
-                <a:tc>
-                  <a:txBody>
-                    <a:bodyPr/>
-                    <a:lstStyle/>
-                    <a:p>
-                      <a:r>
-                        <a:rPr lang="en-US" dirty="0"/>
-                        <a:t>Accuracy</a:t>
-                      </a:r>
-                    </a:p>
-                  </a:txBody>
-                  <a:tcPr/>
-                </a:tc>
-                <a:tc>
-                  <a:txBody>
-                    <a:bodyPr/>
-                    <a:lstStyle/>
-                    <a:p>
-                      <a:r>
-                        <a:rPr lang="en-US" dirty="0"/>
-                        <a:t>Precision</a:t>
-                      </a:r>
-                    </a:p>
-                  </a:txBody>
-                  <a:tcPr/>
-                </a:tc>
-                <a:tc>
-                  <a:txBody>
-                    <a:bodyPr/>
-                    <a:lstStyle/>
-                    <a:p>
-                      <a:r>
-                        <a:rPr lang="en-US" dirty="0"/>
-                        <a:t>Recall</a:t>
-                      </a:r>
-                    </a:p>
-                  </a:txBody>
-                  <a:tcPr/>
-                </a:tc>
-                <a:tc>
-                  <a:txBody>
-                    <a:bodyPr/>
-                    <a:lstStyle/>
-                    <a:p>
-                      <a:r>
-                        <a:rPr lang="en-US" dirty="0"/>
-                        <a:t>Specificity</a:t>
-                      </a:r>
-                    </a:p>
-                  </a:txBody>
-                  <a:tcPr/>
-                </a:tc>
-                <a:tc>
-                  <a:txBody>
-                    <a:bodyPr/>
-                    <a:lstStyle/>
-                    <a:p>
-                      <a:r>
-                        <a:rPr lang="en-US" dirty="0"/>
-                        <a:t>Sensitivity  </a:t>
-                      </a:r>
-                    </a:p>
-                  </a:txBody>
-                  <a:tcPr/>
-                </a:tc>
-                <a:tc>
-                  <a:txBody>
-                    <a:bodyPr/>
-                    <a:lstStyle/>
-                    <a:p>
-                      <a:r>
-                        <a:rPr lang="en-US" dirty="0"/>
-                        <a:t>F1-Score</a:t>
-                      </a:r>
-                    </a:p>
-                  </a:txBody>
-                  <a:tcPr/>
-                </a:tc>
-                <a:extLst>
-                  <a:ext uri="{0D108BD9-81ED-4DB2-BD59-A6C34878D82A}">
-                    <a16:rowId xmlns:a16="http://schemas.microsoft.com/office/drawing/2014/main" val="4228884047"/>
-                  </a:ext>
-                </a:extLst>
-              </a:tr>
-              <a:tr h="370840">
-                <a:tc>
-                  <a:txBody>
-                    <a:bodyPr/>
-                    <a:lstStyle/>
-                    <a:p>
-                      <a:r>
-                        <a:rPr lang="en-US" dirty="0"/>
-                        <a:t>Fuzzy C Means</a:t>
-                      </a:r>
-                    </a:p>
-                  </a:txBody>
-                  <a:tcPr/>
-                </a:tc>
-                <a:tc>
-                  <a:txBody>
-                    <a:bodyPr/>
-                    <a:lstStyle/>
-                    <a:p>
-                      <a:endParaRPr lang="en-US" dirty="0"/>
-                    </a:p>
-                  </a:txBody>
-                  <a:tcPr/>
-                </a:tc>
-                <a:tc>
-                  <a:txBody>
-                    <a:bodyPr/>
-                    <a:lstStyle/>
-                    <a:p>
-                      <a:endParaRPr lang="en-US"/>
-                    </a:p>
-                  </a:txBody>
-                  <a:tcPr/>
-                </a:tc>
-                <a:tc>
-                  <a:txBody>
-                    <a:bodyPr/>
-                    <a:lstStyle/>
-                    <a:p>
-                      <a:endParaRPr lang="en-US"/>
-                    </a:p>
-                  </a:txBody>
-                  <a:tcPr/>
-                </a:tc>
-                <a:tc>
-                  <a:txBody>
-                    <a:bodyPr/>
-                    <a:lstStyle/>
-                    <a:p>
-                      <a:endParaRPr lang="en-US"/>
-                    </a:p>
-                  </a:txBody>
-                  <a:tcPr/>
-                </a:tc>
-                <a:tc>
-                  <a:txBody>
-                    <a:bodyPr/>
-                    <a:lstStyle/>
-                    <a:p>
-                      <a:endParaRPr lang="en-US"/>
-                    </a:p>
-                  </a:txBody>
-                  <a:tcPr/>
-                </a:tc>
-                <a:tc>
-                  <a:txBody>
-                    <a:bodyPr/>
-                    <a:lstStyle/>
-                    <a:p>
-                      <a:endParaRPr lang="en-US"/>
-                    </a:p>
-                  </a:txBody>
-                  <a:tcPr/>
-                </a:tc>
-                <a:extLst>
-                  <a:ext uri="{0D108BD9-81ED-4DB2-BD59-A6C34878D82A}">
-                    <a16:rowId xmlns:a16="http://schemas.microsoft.com/office/drawing/2014/main" val="866102842"/>
-                  </a:ext>
-                </a:extLst>
-              </a:tr>
-              <a:tr h="370840">
-                <a:tc>
-                  <a:txBody>
-                    <a:bodyPr/>
-                    <a:lstStyle/>
-                    <a:p>
-                      <a:r>
-                        <a:rPr lang="en-US" dirty="0"/>
-                        <a:t>Multi-variable Logistic Regression</a:t>
-                      </a:r>
-                    </a:p>
-                  </a:txBody>
-                  <a:tcPr/>
-                </a:tc>
-                <a:tc>
-                  <a:txBody>
-                    <a:bodyPr/>
-                    <a:lstStyle/>
-                    <a:p>
-                      <a:endParaRPr lang="en-US"/>
-                    </a:p>
-                  </a:txBody>
-                  <a:tcPr/>
-                </a:tc>
-                <a:tc>
-                  <a:txBody>
-                    <a:bodyPr/>
-                    <a:lstStyle/>
-                    <a:p>
-                      <a:endParaRPr lang="en-US"/>
-                    </a:p>
-                  </a:txBody>
-                  <a:tcPr/>
-                </a:tc>
-                <a:tc>
-                  <a:txBody>
-                    <a:bodyPr/>
-                    <a:lstStyle/>
-                    <a:p>
-                      <a:endParaRPr lang="en-US"/>
-                    </a:p>
-                  </a:txBody>
-                  <a:tcPr/>
-                </a:tc>
-                <a:tc>
-                  <a:txBody>
-                    <a:bodyPr/>
-                    <a:lstStyle/>
-                    <a:p>
-                      <a:endParaRPr lang="en-US"/>
-                    </a:p>
-                  </a:txBody>
-                  <a:tcPr/>
-                </a:tc>
-                <a:tc>
-                  <a:txBody>
-                    <a:bodyPr/>
-                    <a:lstStyle/>
-                    <a:p>
-                      <a:endParaRPr lang="en-US"/>
-                    </a:p>
-                  </a:txBody>
-                  <a:tcPr/>
-                </a:tc>
-                <a:tc>
-                  <a:txBody>
-                    <a:bodyPr/>
-                    <a:lstStyle/>
-                    <a:p>
-                      <a:endParaRPr lang="en-US"/>
-                    </a:p>
-                  </a:txBody>
-                  <a:tcPr/>
-                </a:tc>
-                <a:extLst>
-                  <a:ext uri="{0D108BD9-81ED-4DB2-BD59-A6C34878D82A}">
-                    <a16:rowId xmlns:a16="http://schemas.microsoft.com/office/drawing/2014/main" val="391539739"/>
-                  </a:ext>
-                </a:extLst>
-              </a:tr>
-              <a:tr h="370840">
-                <a:tc>
-                  <a:txBody>
-                    <a:bodyPr/>
-                    <a:lstStyle/>
-                    <a:p>
-                      <a:r>
-                        <a:rPr lang="en-US" dirty="0"/>
-                        <a:t>K – Nearest Neighbor</a:t>
-                      </a:r>
-                    </a:p>
-                  </a:txBody>
-                  <a:tcPr/>
-                </a:tc>
-                <a:tc>
-                  <a:txBody>
-                    <a:bodyPr/>
-                    <a:lstStyle/>
-                    <a:p>
-                      <a:endParaRPr lang="en-US"/>
-                    </a:p>
-                  </a:txBody>
-                  <a:tcPr/>
-                </a:tc>
-                <a:tc>
-                  <a:txBody>
-                    <a:bodyPr/>
-                    <a:lstStyle/>
-                    <a:p>
-                      <a:endParaRPr lang="en-US"/>
-                    </a:p>
-                  </a:txBody>
-                  <a:tcPr/>
-                </a:tc>
-                <a:tc>
-                  <a:txBody>
-                    <a:bodyPr/>
-                    <a:lstStyle/>
-                    <a:p>
-                      <a:endParaRPr lang="en-US"/>
-                    </a:p>
-                  </a:txBody>
-                  <a:tcPr/>
-                </a:tc>
-                <a:tc>
-                  <a:txBody>
-                    <a:bodyPr/>
-                    <a:lstStyle/>
-                    <a:p>
-                      <a:endParaRPr lang="en-US"/>
-                    </a:p>
-                  </a:txBody>
-                  <a:tcPr/>
-                </a:tc>
-                <a:tc>
-                  <a:txBody>
-                    <a:bodyPr/>
-                    <a:lstStyle/>
-                    <a:p>
-                      <a:endParaRPr lang="en-US"/>
-                    </a:p>
-                  </a:txBody>
-                  <a:tcPr/>
-                </a:tc>
-                <a:tc>
-                  <a:txBody>
-                    <a:bodyPr/>
-                    <a:lstStyle/>
-                    <a:p>
-                      <a:endParaRPr lang="en-US"/>
-                    </a:p>
-                  </a:txBody>
-                  <a:tcPr/>
-                </a:tc>
-                <a:extLst>
-                  <a:ext uri="{0D108BD9-81ED-4DB2-BD59-A6C34878D82A}">
-                    <a16:rowId xmlns:a16="http://schemas.microsoft.com/office/drawing/2014/main" val="74420869"/>
-                  </a:ext>
-                </a:extLst>
-              </a:tr>
-              <a:tr h="370840">
-                <a:tc>
-                  <a:txBody>
-                    <a:bodyPr/>
-                    <a:lstStyle/>
-                    <a:p>
-                      <a:r>
-                        <a:rPr lang="en-US" dirty="0"/>
-                        <a:t>Random Forest</a:t>
-                      </a:r>
-                    </a:p>
-                  </a:txBody>
-                  <a:tcPr/>
-                </a:tc>
-                <a:tc>
-                  <a:txBody>
-                    <a:bodyPr/>
-                    <a:lstStyle/>
-                    <a:p>
-                      <a:endParaRPr lang="en-US"/>
-                    </a:p>
-                  </a:txBody>
-                  <a:tcPr/>
-                </a:tc>
-                <a:tc>
-                  <a:txBody>
-                    <a:bodyPr/>
-                    <a:lstStyle/>
-                    <a:p>
-                      <a:endParaRPr lang="en-US"/>
-                    </a:p>
-                  </a:txBody>
-                  <a:tcPr/>
-                </a:tc>
-                <a:tc>
-                  <a:txBody>
-                    <a:bodyPr/>
-                    <a:lstStyle/>
-                    <a:p>
-                      <a:endParaRPr lang="en-US"/>
-                    </a:p>
-                  </a:txBody>
-                  <a:tcPr/>
-                </a:tc>
-                <a:tc>
-                  <a:txBody>
-                    <a:bodyPr/>
-                    <a:lstStyle/>
-                    <a:p>
-                      <a:endParaRPr lang="en-US"/>
-                    </a:p>
-                  </a:txBody>
-                  <a:tcPr/>
-                </a:tc>
-                <a:tc>
-                  <a:txBody>
-                    <a:bodyPr/>
-                    <a:lstStyle/>
-                    <a:p>
-                      <a:endParaRPr lang="en-US"/>
-                    </a:p>
-                  </a:txBody>
-                  <a:tcPr/>
-                </a:tc>
-                <a:tc>
-                  <a:txBody>
-                    <a:bodyPr/>
-                    <a:lstStyle/>
-                    <a:p>
-                      <a:endParaRPr lang="en-US"/>
-                    </a:p>
-                  </a:txBody>
-                  <a:tcPr/>
-                </a:tc>
-                <a:extLst>
-                  <a:ext uri="{0D108BD9-81ED-4DB2-BD59-A6C34878D82A}">
-                    <a16:rowId xmlns:a16="http://schemas.microsoft.com/office/drawing/2014/main" val="1353022774"/>
-                  </a:ext>
-                </a:extLst>
-              </a:tr>
-              <a:tr h="370840">
-                <a:tc>
-                  <a:txBody>
-                    <a:bodyPr/>
-                    <a:lstStyle/>
-                    <a:p>
-                      <a:r>
-                        <a:rPr lang="en-US" dirty="0"/>
-                        <a:t>Multi-Layer Perceptron </a:t>
-                      </a:r>
-                    </a:p>
-                  </a:txBody>
-                  <a:tcPr/>
-                </a:tc>
-                <a:tc>
-                  <a:txBody>
-                    <a:bodyPr/>
-                    <a:lstStyle/>
-                    <a:p>
-                      <a:endParaRPr lang="en-US"/>
-                    </a:p>
-                  </a:txBody>
-                  <a:tcPr/>
-                </a:tc>
-                <a:tc>
-                  <a:txBody>
-                    <a:bodyPr/>
-                    <a:lstStyle/>
-                    <a:p>
-                      <a:endParaRPr lang="en-US"/>
-                    </a:p>
-                  </a:txBody>
-                  <a:tcPr/>
-                </a:tc>
-                <a:tc>
-                  <a:txBody>
-                    <a:bodyPr/>
-                    <a:lstStyle/>
-                    <a:p>
-                      <a:endParaRPr lang="en-US"/>
-                    </a:p>
-                  </a:txBody>
-                  <a:tcPr/>
-                </a:tc>
-                <a:tc>
-                  <a:txBody>
-                    <a:bodyPr/>
-                    <a:lstStyle/>
-                    <a:p>
-                      <a:endParaRPr lang="en-US"/>
-                    </a:p>
-                  </a:txBody>
-                  <a:tcPr/>
-                </a:tc>
-                <a:tc>
-                  <a:txBody>
-                    <a:bodyPr/>
-                    <a:lstStyle/>
-                    <a:p>
-                      <a:endParaRPr lang="en-US"/>
-                    </a:p>
-                  </a:txBody>
-                  <a:tcPr/>
-                </a:tc>
-                <a:tc>
-                  <a:txBody>
-                    <a:bodyPr/>
-                    <a:lstStyle/>
-                    <a:p>
-                      <a:endParaRPr lang="en-US" dirty="0"/>
-                    </a:p>
-                  </a:txBody>
-                  <a:tcPr/>
-                </a:tc>
-                <a:extLst>
-                  <a:ext uri="{0D108BD9-81ED-4DB2-BD59-A6C34878D82A}">
-                    <a16:rowId xmlns:a16="http://schemas.microsoft.com/office/drawing/2014/main" val="953302864"/>
-                  </a:ext>
-                </a:extLst>
-              </a:tr>
-            </a:tbl>
-          </a:graphicData>
-        </a:graphic>
-      </p:graphicFrame>
+              <a:t>ROC-AUC &amp; Confusion Matrix </a:t>
+            </a:r>
+            <a:br>
+              <a:rPr lang="en-US" dirty="0"/>
+            </a:br>
+            <a:r>
+              <a:rPr lang="en-US" sz="2800" dirty="0"/>
+              <a:t>Logistic Regression</a:t>
+            </a:r>
+            <a:endParaRPr lang="en-US" dirty="0"/>
+          </a:p>
+        </p:txBody>
+      </p:sp>
+      <p:pic>
+        <p:nvPicPr>
+          <p:cNvPr id="6" name="Picture 5">
+            <a:extLst>
+              <a:ext uri="{FF2B5EF4-FFF2-40B4-BE49-F238E27FC236}">
+                <a16:creationId xmlns:a16="http://schemas.microsoft.com/office/drawing/2014/main" id="{A76B2720-E8AC-9C44-AD94-8801A8E61E41}"/>
+              </a:ext>
+            </a:extLst>
+          </p:cNvPr>
+          <p:cNvPicPr>
+            <a:picLocks noChangeAspect="1"/>
+          </p:cNvPicPr>
+          <p:nvPr/>
+        </p:nvPicPr>
+        <p:blipFill>
+          <a:blip r:embed="rId2"/>
+          <a:stretch>
+            <a:fillRect/>
+          </a:stretch>
+        </p:blipFill>
+        <p:spPr>
+          <a:xfrm>
+            <a:off x="446441" y="1854711"/>
+            <a:ext cx="6184217" cy="4638164"/>
+          </a:xfrm>
+          <a:prstGeom prst="rect">
+            <a:avLst/>
+          </a:prstGeom>
+        </p:spPr>
+      </p:pic>
+      <p:pic>
+        <p:nvPicPr>
+          <p:cNvPr id="10" name="Picture 9">
+            <a:extLst>
+              <a:ext uri="{FF2B5EF4-FFF2-40B4-BE49-F238E27FC236}">
+                <a16:creationId xmlns:a16="http://schemas.microsoft.com/office/drawing/2014/main" id="{4C282B33-E94C-1B44-9756-6EC4A6A4902E}"/>
+              </a:ext>
+            </a:extLst>
+          </p:cNvPr>
+          <p:cNvPicPr>
+            <a:picLocks noChangeAspect="1"/>
+          </p:cNvPicPr>
+          <p:nvPr/>
+        </p:nvPicPr>
+        <p:blipFill>
+          <a:blip r:embed="rId3"/>
+          <a:stretch>
+            <a:fillRect/>
+          </a:stretch>
+        </p:blipFill>
+        <p:spPr>
+          <a:xfrm>
+            <a:off x="5561341" y="1690688"/>
+            <a:ext cx="6184218" cy="4638164"/>
+          </a:xfrm>
+          <a:prstGeom prst="rect">
+            <a:avLst/>
+          </a:prstGeom>
+        </p:spPr>
+      </p:pic>
     </p:spTree>
     <p:extLst>
       <p:ext uri="{BB962C8B-B14F-4D97-AF65-F5344CB8AC3E}">
-        <p14:creationId xmlns:p14="http://schemas.microsoft.com/office/powerpoint/2010/main" val="4004627679"/>
+        <p14:creationId xmlns:p14="http://schemas.microsoft.com/office/powerpoint/2010/main" val="348958088"/>
       </p:ext>
     </p:extLst>
   </p:cSld>
@@ -6466,40 +6752,83 @@
           <a:p>
             <a:r>
               <a:rPr lang="en-US" dirty="0"/>
-              <a:t>Roc Curves</a:t>
-            </a:r>
-          </a:p>
-        </p:txBody>
-      </p:sp>
-      <p:sp>
-        <p:nvSpPr>
-          <p:cNvPr id="3" name="Content Placeholder 2">
-            <a:extLst>
-              <a:ext uri="{FF2B5EF4-FFF2-40B4-BE49-F238E27FC236}">
-                <a16:creationId xmlns:a16="http://schemas.microsoft.com/office/drawing/2014/main" id="{6F2E3DB9-3B11-5A4D-BE52-EDD85B6C08F3}"/>
-              </a:ext>
-            </a:extLst>
-          </p:cNvPr>
-          <p:cNvSpPr>
-            <a:spLocks noGrp="1"/>
-          </p:cNvSpPr>
-          <p:nvPr>
-            <p:ph idx="1"/>
-          </p:nvPr>
-        </p:nvSpPr>
-        <p:spPr/>
-        <p:txBody>
-          <a:bodyPr/>
-          <a:lstStyle/>
-          <a:p>
-            <a:endParaRPr lang="en-US"/>
-          </a:p>
-        </p:txBody>
-      </p:sp>
+              <a:t>ROC-AUC &amp; Confusion Matrix </a:t>
+            </a:r>
+            <a:br>
+              <a:rPr lang="en-US" dirty="0"/>
+            </a:br>
+            <a:r>
+              <a:rPr lang="en-US" sz="2800" dirty="0"/>
+              <a:t>Support Vector Machine</a:t>
+            </a:r>
+            <a:endParaRPr lang="en-US" dirty="0"/>
+          </a:p>
+        </p:txBody>
+      </p:sp>
+      <p:pic>
+        <p:nvPicPr>
+          <p:cNvPr id="8" name="Picture 7">
+            <a:extLst>
+              <a:ext uri="{FF2B5EF4-FFF2-40B4-BE49-F238E27FC236}">
+                <a16:creationId xmlns:a16="http://schemas.microsoft.com/office/drawing/2014/main" id="{328C241E-E44A-F345-A615-5DF90246A032}"/>
+              </a:ext>
+            </a:extLst>
+          </p:cNvPr>
+          <p:cNvPicPr>
+            <a:picLocks noChangeAspect="1"/>
+          </p:cNvPicPr>
+          <p:nvPr/>
+        </p:nvPicPr>
+        <p:blipFill>
+          <a:blip r:embed="rId2"/>
+          <a:stretch>
+            <a:fillRect/>
+          </a:stretch>
+        </p:blipFill>
+        <p:spPr>
+          <a:xfrm>
+            <a:off x="0" y="1978003"/>
+            <a:ext cx="5636741" cy="4227556"/>
+          </a:xfrm>
+          <a:prstGeom prst="rect">
+            <a:avLst/>
+          </a:prstGeom>
+        </p:spPr>
+      </p:pic>
+      <p:pic>
+        <p:nvPicPr>
+          <p:cNvPr id="5" name="Picture 4">
+            <a:extLst>
+              <a:ext uri="{FF2B5EF4-FFF2-40B4-BE49-F238E27FC236}">
+                <a16:creationId xmlns:a16="http://schemas.microsoft.com/office/drawing/2014/main" id="{501E0FF3-F62B-FC40-8337-CBB1CCE4F110}"/>
+              </a:ext>
+            </a:extLst>
+          </p:cNvPr>
+          <p:cNvPicPr>
+            <a:picLocks noChangeAspect="1"/>
+          </p:cNvPicPr>
+          <p:nvPr/>
+        </p:nvPicPr>
+        <p:blipFill>
+          <a:blip r:embed="rId3"/>
+          <a:stretch>
+            <a:fillRect/>
+          </a:stretch>
+        </p:blipFill>
+        <p:spPr>
+          <a:xfrm>
+            <a:off x="5297214" y="1479441"/>
+            <a:ext cx="6684579" cy="5013434"/>
+          </a:xfrm>
+          <a:prstGeom prst="rect">
+            <a:avLst/>
+          </a:prstGeom>
+        </p:spPr>
+      </p:pic>
     </p:spTree>
     <p:extLst>
       <p:ext uri="{BB962C8B-B14F-4D97-AF65-F5344CB8AC3E}">
-        <p14:creationId xmlns:p14="http://schemas.microsoft.com/office/powerpoint/2010/main" val="348958088"/>
+        <p14:creationId xmlns:p14="http://schemas.microsoft.com/office/powerpoint/2010/main" val="2759793292"/>
       </p:ext>
     </p:extLst>
   </p:cSld>
@@ -6531,7 +6860,7 @@
           <p:cNvPr id="2" name="Title 1">
             <a:extLst>
               <a:ext uri="{FF2B5EF4-FFF2-40B4-BE49-F238E27FC236}">
-                <a16:creationId xmlns:a16="http://schemas.microsoft.com/office/drawing/2014/main" id="{7C73DA48-3FDE-644E-A0B2-ED91B15A7667}"/>
+                <a16:creationId xmlns:a16="http://schemas.microsoft.com/office/drawing/2014/main" id="{BD000632-3C50-B943-89B8-75B5A50152BB}"/>
               </a:ext>
             </a:extLst>
           </p:cNvPr>
@@ -6549,40 +6878,83 @@
           <a:p>
             <a:r>
               <a:rPr lang="en-US" dirty="0"/>
-              <a:t>Discussion</a:t>
-            </a:r>
-          </a:p>
-        </p:txBody>
-      </p:sp>
-      <p:sp>
-        <p:nvSpPr>
-          <p:cNvPr id="3" name="Content Placeholder 2">
-            <a:extLst>
-              <a:ext uri="{FF2B5EF4-FFF2-40B4-BE49-F238E27FC236}">
-                <a16:creationId xmlns:a16="http://schemas.microsoft.com/office/drawing/2014/main" id="{58604628-2D7B-B443-BC2C-D279B45C489D}"/>
-              </a:ext>
-            </a:extLst>
-          </p:cNvPr>
-          <p:cNvSpPr>
-            <a:spLocks noGrp="1"/>
-          </p:cNvSpPr>
-          <p:nvPr>
-            <p:ph idx="1"/>
-          </p:nvPr>
-        </p:nvSpPr>
-        <p:spPr/>
-        <p:txBody>
-          <a:bodyPr/>
-          <a:lstStyle/>
-          <a:p>
+              <a:t>ROC-AUC &amp; Confusion Matrix </a:t>
+            </a:r>
+            <a:br>
+              <a:rPr lang="en-US" dirty="0"/>
+            </a:br>
+            <a:r>
+              <a:rPr lang="en-US" sz="2800" dirty="0"/>
+              <a:t>Multi-Layer Perceptron</a:t>
+            </a:r>
             <a:endParaRPr lang="en-US" dirty="0"/>
           </a:p>
         </p:txBody>
       </p:sp>
+      <p:pic>
+        <p:nvPicPr>
+          <p:cNvPr id="4" name="Picture 3">
+            <a:extLst>
+              <a:ext uri="{FF2B5EF4-FFF2-40B4-BE49-F238E27FC236}">
+                <a16:creationId xmlns:a16="http://schemas.microsoft.com/office/drawing/2014/main" id="{EA28E757-B97A-DA4B-B53C-6015394DF7A4}"/>
+              </a:ext>
+            </a:extLst>
+          </p:cNvPr>
+          <p:cNvPicPr>
+            <a:picLocks noChangeAspect="1"/>
+          </p:cNvPicPr>
+          <p:nvPr/>
+        </p:nvPicPr>
+        <p:blipFill>
+          <a:blip r:embed="rId2"/>
+          <a:stretch>
+            <a:fillRect/>
+          </a:stretch>
+        </p:blipFill>
+        <p:spPr>
+          <a:xfrm>
+            <a:off x="539062" y="1976696"/>
+            <a:ext cx="5701099" cy="4262094"/>
+          </a:xfrm>
+          <a:prstGeom prst="rect">
+            <a:avLst/>
+          </a:prstGeom>
+        </p:spPr>
+      </p:pic>
+      <p:pic>
+        <p:nvPicPr>
+          <p:cNvPr id="7" name="Picture 6">
+            <a:extLst>
+              <a:ext uri="{FF2B5EF4-FFF2-40B4-BE49-F238E27FC236}">
+                <a16:creationId xmlns:a16="http://schemas.microsoft.com/office/drawing/2014/main" id="{A67D4423-3228-E342-B329-7029BA83DB64}"/>
+              </a:ext>
+            </a:extLst>
+          </p:cNvPr>
+          <p:cNvPicPr>
+            <a:picLocks noChangeAspect="1"/>
+          </p:cNvPicPr>
+          <p:nvPr/>
+        </p:nvPicPr>
+        <p:blipFill>
+          <a:blip r:embed="rId3"/>
+          <a:stretch>
+            <a:fillRect/>
+          </a:stretch>
+        </p:blipFill>
+        <p:spPr>
+          <a:xfrm>
+            <a:off x="6586812" y="1986394"/>
+            <a:ext cx="5066126" cy="4252396"/>
+          </a:xfrm>
+          <a:prstGeom prst="rect">
+            <a:avLst/>
+          </a:prstGeom>
+        </p:spPr>
+      </p:pic>
     </p:spTree>
     <p:extLst>
       <p:ext uri="{BB962C8B-B14F-4D97-AF65-F5344CB8AC3E}">
-        <p14:creationId xmlns:p14="http://schemas.microsoft.com/office/powerpoint/2010/main" val="303920943"/>
+        <p14:creationId xmlns:p14="http://schemas.microsoft.com/office/powerpoint/2010/main" val="717938481"/>
       </p:ext>
     </p:extLst>
   </p:cSld>

--- a/documents/presentation.pptx
+++ b/documents/presentation.pptx
@@ -3371,8 +3371,19 @@
           <a:p>
             <a:r>
               <a:rPr lang="en-US" dirty="0"/>
-              <a:t>Machine Learning Project Presentation</a:t>
-            </a:r>
+              <a:t>Machine Learning Project</a:t>
+            </a:r>
+            <a:br>
+              <a:rPr lang="en-US" dirty="0"/>
+            </a:br>
+            <a:br>
+              <a:rPr lang="en-US" dirty="0"/>
+            </a:br>
+            <a:r>
+              <a:rPr lang="en-US" sz="4400" dirty="0"/>
+              <a:t>Heart Disease UCI</a:t>
+            </a:r>
+            <a:endParaRPr lang="en-US" dirty="0"/>
           </a:p>
         </p:txBody>
       </p:sp>
@@ -3392,14 +3403,49 @@
             <p:ph type="subTitle" idx="1"/>
           </p:nvPr>
         </p:nvSpPr>
-        <p:spPr/>
-        <p:txBody>
-          <a:bodyPr/>
+        <p:spPr>
+          <a:xfrm>
+            <a:off x="1524000" y="4079875"/>
+            <a:ext cx="9144000" cy="1655762"/>
+          </a:xfrm>
+        </p:spPr>
+        <p:txBody>
+          <a:bodyPr>
+            <a:normAutofit lnSpcReduction="10000"/>
+          </a:bodyPr>
           <a:lstStyle/>
           <a:p>
             <a:r>
               <a:rPr lang="en-US" dirty="0"/>
-              <a:t>Rough Outline</a:t>
+              <a:t>Tanuja </a:t>
+            </a:r>
+            <a:r>
+              <a:rPr lang="en-US" dirty="0" err="1"/>
+              <a:t>Addanki</a:t>
+            </a:r>
+            <a:endParaRPr lang="en-US" dirty="0"/>
+          </a:p>
+          <a:p>
+            <a:r>
+              <a:rPr lang="en-US" dirty="0"/>
+              <a:t>Alec Petrack</a:t>
+            </a:r>
+          </a:p>
+          <a:p>
+            <a:r>
+              <a:rPr lang="en-US" dirty="0"/>
+              <a:t>Matt </a:t>
+            </a:r>
+            <a:r>
+              <a:rPr lang="en-US" dirty="0" err="1"/>
+              <a:t>Randles</a:t>
+            </a:r>
+            <a:endParaRPr lang="en-US" dirty="0"/>
+          </a:p>
+          <a:p>
+            <a:r>
+              <a:rPr lang="en-US" dirty="0"/>
+              <a:t>Andrew Young</a:t>
             </a:r>
           </a:p>
         </p:txBody>
